--- a/D조_DeepDive.pptx
+++ b/D조_DeepDive.pptx
@@ -5,14 +5,29 @@
     <p:sldMasterId id="2147483648" r:id="rId1"/>
   </p:sldMasterIdLst>
   <p:notesMasterIdLst>
-    <p:notesMasterId r:id="rId7"/>
+    <p:notesMasterId r:id="rId22"/>
   </p:notesMasterIdLst>
   <p:sldIdLst>
     <p:sldId id="256" r:id="rId2"/>
     <p:sldId id="257" r:id="rId3"/>
     <p:sldId id="258" r:id="rId4"/>
     <p:sldId id="261" r:id="rId5"/>
-    <p:sldId id="262" r:id="rId6"/>
+    <p:sldId id="263" r:id="rId6"/>
+    <p:sldId id="265" r:id="rId7"/>
+    <p:sldId id="267" r:id="rId8"/>
+    <p:sldId id="266" r:id="rId9"/>
+    <p:sldId id="268" r:id="rId10"/>
+    <p:sldId id="269" r:id="rId11"/>
+    <p:sldId id="276" r:id="rId12"/>
+    <p:sldId id="271" r:id="rId13"/>
+    <p:sldId id="272" r:id="rId14"/>
+    <p:sldId id="273" r:id="rId15"/>
+    <p:sldId id="274" r:id="rId16"/>
+    <p:sldId id="275" r:id="rId17"/>
+    <p:sldId id="277" r:id="rId18"/>
+    <p:sldId id="278" r:id="rId19"/>
+    <p:sldId id="262" r:id="rId20"/>
+    <p:sldId id="264" r:id="rId21"/>
   </p:sldIdLst>
   <p:sldSz cx="12192000" cy="6858000"/>
   <p:notesSz cx="6858000" cy="9144000"/>
@@ -250,7 +265,7 @@
       <p15:sldGuideLst xmlns:p15="http://schemas.microsoft.com/office/powerpoint/2012/main"/>
     </p:ext>
     <p:ext uri="GoogleSlidesCustomDataVersion2">
-      <go:slidesCustomData xmlns="" xmlns:mc="http://schemas.openxmlformats.org/markup-compatibility/2006" xmlns:mv="urn:schemas-microsoft-com:mac:vml" xmlns:c="http://schemas.openxmlformats.org/drawingml/2006/chart" xmlns:dgm="http://schemas.openxmlformats.org/drawingml/2006/diagram" xmlns:o="urn:schemas-microsoft-com:office:office" xmlns:v="urn:schemas-microsoft-com:vml" xmlns:pvml="urn:schemas-microsoft-com:office:powerpoint" xmlns:com="http://schemas.openxmlformats.org/drawingml/2006/compatibility" xmlns:p14="http://schemas.microsoft.com/office/powerpoint/2010/main" xmlns:p15="http://schemas.microsoft.com/office/powerpoint/2012/main" xmlns:ahyp="http://schemas.microsoft.com/office/drawing/2018/hyperlinkcolor" xmlns:go="http://customooxmlschemas.google.com/" r:id="rId9" roundtripDataSignature="AMtx7mj5GdbxsaFl02bTEFBl/9s84/Z/Bw=="/>
+      <go:slidesCustomData xmlns:go="http://customooxmlschemas.google.com/" xmlns:ahyp="http://schemas.microsoft.com/office/drawing/2018/hyperlinkcolor" xmlns:p15="http://schemas.microsoft.com/office/powerpoint/2012/main" xmlns:p14="http://schemas.microsoft.com/office/powerpoint/2010/main" xmlns:com="http://schemas.openxmlformats.org/drawingml/2006/compatibility" xmlns:pvml="urn:schemas-microsoft-com:office:powerpoint" xmlns:v="urn:schemas-microsoft-com:vml" xmlns:o="urn:schemas-microsoft-com:office:office" xmlns:dgm="http://schemas.openxmlformats.org/drawingml/2006/diagram" xmlns:c="http://schemas.openxmlformats.org/drawingml/2006/chart" xmlns:mv="urn:schemas-microsoft-com:mac:vml" xmlns:mc="http://schemas.openxmlformats.org/markup-compatibility/2006" xmlns="" r:id="rId23" roundtripDataSignature="AMtx7mj5GdbxsaFl02bTEFBl/9s84/Z/Bw=="/>
     </p:ext>
   </p:extLst>
 </p:presentation>
@@ -801,12 +816,12 @@
 </p:notes>
 </file>
 
-<file path=ppt/notesSlides/notesSlide2.xml><?xml version="1.0" encoding="utf-8"?>
+<file path=ppt/notesSlides/notesSlide10.xml><?xml version="1.0" encoding="utf-8"?>
 <p:notes xmlns:a="http://schemas.openxmlformats.org/drawingml/2006/main" xmlns:r="http://schemas.openxmlformats.org/officeDocument/2006/relationships" xmlns:p="http://schemas.openxmlformats.org/presentationml/2006/main" showMasterSp="0" showMasterPhAnim="0">
   <p:cSld>
     <p:spTree>
       <p:nvGrpSpPr>
-        <p:cNvPr id="1" name="Shape 50"/>
+        <p:cNvPr id="1" name="Shape 55"/>
         <p:cNvGrpSpPr/>
         <p:nvPr/>
       </p:nvGrpSpPr>
@@ -820,7 +835,7 @@
       </p:grpSpPr>
       <p:sp>
         <p:nvSpPr>
-          <p:cNvPr id="51" name="Google Shape;51;p2:notes"/>
+          <p:cNvPr id="56" name="Google Shape;56;p3:notes"/>
           <p:cNvSpPr txBox="1">
             <a:spLocks noGrp="1"/>
           </p:cNvSpPr>
@@ -852,13 +867,13 @@
               </a:spcAft>
               <a:buNone/>
             </a:pPr>
-            <a:endParaRPr/>
+            <a:endParaRPr dirty="0"/>
           </a:p>
         </p:txBody>
       </p:sp>
       <p:sp>
         <p:nvSpPr>
-          <p:cNvPr id="52" name="Google Shape;52;p2:notes"/>
+          <p:cNvPr id="57" name="Google Shape;57;p3:notes"/>
           <p:cNvSpPr>
             <a:spLocks noGrp="1" noRot="1" noChangeAspect="1"/>
           </p:cNvSpPr>
@@ -898,6 +913,1205 @@
         </p:spPr>
       </p:sp>
     </p:spTree>
+    <p:extLst>
+      <p:ext uri="{BB962C8B-B14F-4D97-AF65-F5344CB8AC3E}">
+        <p14:creationId xmlns:p14="http://schemas.microsoft.com/office/powerpoint/2010/main" val="2272014248"/>
+      </p:ext>
+    </p:extLst>
+  </p:cSld>
+  <p:clrMapOvr>
+    <a:masterClrMapping/>
+  </p:clrMapOvr>
+</p:notes>
+</file>
+
+<file path=ppt/notesSlides/notesSlide11.xml><?xml version="1.0" encoding="utf-8"?>
+<p:notes xmlns:a="http://schemas.openxmlformats.org/drawingml/2006/main" xmlns:r="http://schemas.openxmlformats.org/officeDocument/2006/relationships" xmlns:p="http://schemas.openxmlformats.org/presentationml/2006/main" showMasterSp="0" showMasterPhAnim="0">
+  <p:cSld>
+    <p:spTree>
+      <p:nvGrpSpPr>
+        <p:cNvPr id="1" name="Shape 55"/>
+        <p:cNvGrpSpPr/>
+        <p:nvPr/>
+      </p:nvGrpSpPr>
+      <p:grpSpPr>
+        <a:xfrm>
+          <a:off x="0" y="0"/>
+          <a:ext cx="0" cy="0"/>
+          <a:chOff x="0" y="0"/>
+          <a:chExt cx="0" cy="0"/>
+        </a:xfrm>
+      </p:grpSpPr>
+      <p:sp>
+        <p:nvSpPr>
+          <p:cNvPr id="56" name="Google Shape;56;p3:notes"/>
+          <p:cNvSpPr txBox="1">
+            <a:spLocks noGrp="1"/>
+          </p:cNvSpPr>
+          <p:nvPr>
+            <p:ph type="body" idx="1"/>
+          </p:nvPr>
+        </p:nvSpPr>
+        <p:spPr>
+          <a:xfrm>
+            <a:off x="685800" y="4343400"/>
+            <a:ext cx="5486400" cy="4114800"/>
+          </a:xfrm>
+          <a:prstGeom prst="rect">
+            <a:avLst/>
+          </a:prstGeom>
+        </p:spPr>
+        <p:txBody>
+          <a:bodyPr spcFirstLastPara="1" wrap="square" lIns="91425" tIns="91425" rIns="91425" bIns="91425" anchor="t" anchorCtr="0">
+            <a:noAutofit/>
+          </a:bodyPr>
+          <a:lstStyle/>
+          <a:p>
+            <a:pPr marL="0" lvl="0" indent="0" algn="l" rtl="0">
+              <a:spcBef>
+                <a:spcPts val="0"/>
+              </a:spcBef>
+              <a:spcAft>
+                <a:spcPts val="0"/>
+              </a:spcAft>
+              <a:buNone/>
+            </a:pPr>
+            <a:endParaRPr dirty="0"/>
+          </a:p>
+        </p:txBody>
+      </p:sp>
+      <p:sp>
+        <p:nvSpPr>
+          <p:cNvPr id="57" name="Google Shape;57;p3:notes"/>
+          <p:cNvSpPr>
+            <a:spLocks noGrp="1" noRot="1" noChangeAspect="1"/>
+          </p:cNvSpPr>
+          <p:nvPr>
+            <p:ph type="sldImg" idx="2"/>
+          </p:nvPr>
+        </p:nvSpPr>
+        <p:spPr>
+          <a:xfrm>
+            <a:off x="381000" y="685800"/>
+            <a:ext cx="6096000" cy="3429000"/>
+          </a:xfrm>
+          <a:custGeom>
+            <a:avLst/>
+            <a:gdLst/>
+            <a:ahLst/>
+            <a:cxnLst/>
+            <a:rect l="l" t="t" r="r" b="b"/>
+            <a:pathLst>
+              <a:path w="120000" h="120000" extrusionOk="0">
+                <a:moveTo>
+                  <a:pt x="0" y="0"/>
+                </a:moveTo>
+                <a:lnTo>
+                  <a:pt x="120000" y="0"/>
+                </a:lnTo>
+                <a:lnTo>
+                  <a:pt x="120000" y="120000"/>
+                </a:lnTo>
+                <a:lnTo>
+                  <a:pt x="0" y="120000"/>
+                </a:lnTo>
+                <a:close/>
+              </a:path>
+            </a:pathLst>
+          </a:custGeom>
+        </p:spPr>
+      </p:sp>
+    </p:spTree>
+    <p:extLst>
+      <p:ext uri="{BB962C8B-B14F-4D97-AF65-F5344CB8AC3E}">
+        <p14:creationId xmlns:p14="http://schemas.microsoft.com/office/powerpoint/2010/main" val="1567906706"/>
+      </p:ext>
+    </p:extLst>
+  </p:cSld>
+  <p:clrMapOvr>
+    <a:masterClrMapping/>
+  </p:clrMapOvr>
+</p:notes>
+</file>
+
+<file path=ppt/notesSlides/notesSlide12.xml><?xml version="1.0" encoding="utf-8"?>
+<p:notes xmlns:a="http://schemas.openxmlformats.org/drawingml/2006/main" xmlns:r="http://schemas.openxmlformats.org/officeDocument/2006/relationships" xmlns:p="http://schemas.openxmlformats.org/presentationml/2006/main" showMasterSp="0" showMasterPhAnim="0">
+  <p:cSld>
+    <p:spTree>
+      <p:nvGrpSpPr>
+        <p:cNvPr id="1" name="Shape 55"/>
+        <p:cNvGrpSpPr/>
+        <p:nvPr/>
+      </p:nvGrpSpPr>
+      <p:grpSpPr>
+        <a:xfrm>
+          <a:off x="0" y="0"/>
+          <a:ext cx="0" cy="0"/>
+          <a:chOff x="0" y="0"/>
+          <a:chExt cx="0" cy="0"/>
+        </a:xfrm>
+      </p:grpSpPr>
+      <p:sp>
+        <p:nvSpPr>
+          <p:cNvPr id="56" name="Google Shape;56;p3:notes"/>
+          <p:cNvSpPr txBox="1">
+            <a:spLocks noGrp="1"/>
+          </p:cNvSpPr>
+          <p:nvPr>
+            <p:ph type="body" idx="1"/>
+          </p:nvPr>
+        </p:nvSpPr>
+        <p:spPr>
+          <a:xfrm>
+            <a:off x="685800" y="4343400"/>
+            <a:ext cx="5486400" cy="4114800"/>
+          </a:xfrm>
+          <a:prstGeom prst="rect">
+            <a:avLst/>
+          </a:prstGeom>
+        </p:spPr>
+        <p:txBody>
+          <a:bodyPr spcFirstLastPara="1" wrap="square" lIns="91425" tIns="91425" rIns="91425" bIns="91425" anchor="t" anchorCtr="0">
+            <a:noAutofit/>
+          </a:bodyPr>
+          <a:lstStyle/>
+          <a:p>
+            <a:pPr marL="0" lvl="0" indent="0" algn="l" rtl="0">
+              <a:spcBef>
+                <a:spcPts val="0"/>
+              </a:spcBef>
+              <a:spcAft>
+                <a:spcPts val="0"/>
+              </a:spcAft>
+              <a:buNone/>
+            </a:pPr>
+            <a:endParaRPr dirty="0"/>
+          </a:p>
+        </p:txBody>
+      </p:sp>
+      <p:sp>
+        <p:nvSpPr>
+          <p:cNvPr id="57" name="Google Shape;57;p3:notes"/>
+          <p:cNvSpPr>
+            <a:spLocks noGrp="1" noRot="1" noChangeAspect="1"/>
+          </p:cNvSpPr>
+          <p:nvPr>
+            <p:ph type="sldImg" idx="2"/>
+          </p:nvPr>
+        </p:nvSpPr>
+        <p:spPr>
+          <a:xfrm>
+            <a:off x="381000" y="685800"/>
+            <a:ext cx="6096000" cy="3429000"/>
+          </a:xfrm>
+          <a:custGeom>
+            <a:avLst/>
+            <a:gdLst/>
+            <a:ahLst/>
+            <a:cxnLst/>
+            <a:rect l="l" t="t" r="r" b="b"/>
+            <a:pathLst>
+              <a:path w="120000" h="120000" extrusionOk="0">
+                <a:moveTo>
+                  <a:pt x="0" y="0"/>
+                </a:moveTo>
+                <a:lnTo>
+                  <a:pt x="120000" y="0"/>
+                </a:lnTo>
+                <a:lnTo>
+                  <a:pt x="120000" y="120000"/>
+                </a:lnTo>
+                <a:lnTo>
+                  <a:pt x="0" y="120000"/>
+                </a:lnTo>
+                <a:close/>
+              </a:path>
+            </a:pathLst>
+          </a:custGeom>
+        </p:spPr>
+      </p:sp>
+    </p:spTree>
+    <p:extLst>
+      <p:ext uri="{BB962C8B-B14F-4D97-AF65-F5344CB8AC3E}">
+        <p14:creationId xmlns:p14="http://schemas.microsoft.com/office/powerpoint/2010/main" val="3147520399"/>
+      </p:ext>
+    </p:extLst>
+  </p:cSld>
+  <p:clrMapOvr>
+    <a:masterClrMapping/>
+  </p:clrMapOvr>
+</p:notes>
+</file>
+
+<file path=ppt/notesSlides/notesSlide13.xml><?xml version="1.0" encoding="utf-8"?>
+<p:notes xmlns:a="http://schemas.openxmlformats.org/drawingml/2006/main" xmlns:r="http://schemas.openxmlformats.org/officeDocument/2006/relationships" xmlns:p="http://schemas.openxmlformats.org/presentationml/2006/main" showMasterSp="0" showMasterPhAnim="0">
+  <p:cSld>
+    <p:spTree>
+      <p:nvGrpSpPr>
+        <p:cNvPr id="1" name="Shape 55"/>
+        <p:cNvGrpSpPr/>
+        <p:nvPr/>
+      </p:nvGrpSpPr>
+      <p:grpSpPr>
+        <a:xfrm>
+          <a:off x="0" y="0"/>
+          <a:ext cx="0" cy="0"/>
+          <a:chOff x="0" y="0"/>
+          <a:chExt cx="0" cy="0"/>
+        </a:xfrm>
+      </p:grpSpPr>
+      <p:sp>
+        <p:nvSpPr>
+          <p:cNvPr id="56" name="Google Shape;56;p3:notes"/>
+          <p:cNvSpPr txBox="1">
+            <a:spLocks noGrp="1"/>
+          </p:cNvSpPr>
+          <p:nvPr>
+            <p:ph type="body" idx="1"/>
+          </p:nvPr>
+        </p:nvSpPr>
+        <p:spPr>
+          <a:xfrm>
+            <a:off x="685800" y="4343400"/>
+            <a:ext cx="5486400" cy="4114800"/>
+          </a:xfrm>
+          <a:prstGeom prst="rect">
+            <a:avLst/>
+          </a:prstGeom>
+        </p:spPr>
+        <p:txBody>
+          <a:bodyPr spcFirstLastPara="1" wrap="square" lIns="91425" tIns="91425" rIns="91425" bIns="91425" anchor="t" anchorCtr="0">
+            <a:noAutofit/>
+          </a:bodyPr>
+          <a:lstStyle/>
+          <a:p>
+            <a:pPr marL="0" lvl="0" indent="0" algn="l" rtl="0">
+              <a:spcBef>
+                <a:spcPts val="0"/>
+              </a:spcBef>
+              <a:spcAft>
+                <a:spcPts val="0"/>
+              </a:spcAft>
+              <a:buNone/>
+            </a:pPr>
+            <a:endParaRPr dirty="0"/>
+          </a:p>
+        </p:txBody>
+      </p:sp>
+      <p:sp>
+        <p:nvSpPr>
+          <p:cNvPr id="57" name="Google Shape;57;p3:notes"/>
+          <p:cNvSpPr>
+            <a:spLocks noGrp="1" noRot="1" noChangeAspect="1"/>
+          </p:cNvSpPr>
+          <p:nvPr>
+            <p:ph type="sldImg" idx="2"/>
+          </p:nvPr>
+        </p:nvSpPr>
+        <p:spPr>
+          <a:xfrm>
+            <a:off x="381000" y="685800"/>
+            <a:ext cx="6096000" cy="3429000"/>
+          </a:xfrm>
+          <a:custGeom>
+            <a:avLst/>
+            <a:gdLst/>
+            <a:ahLst/>
+            <a:cxnLst/>
+            <a:rect l="l" t="t" r="r" b="b"/>
+            <a:pathLst>
+              <a:path w="120000" h="120000" extrusionOk="0">
+                <a:moveTo>
+                  <a:pt x="0" y="0"/>
+                </a:moveTo>
+                <a:lnTo>
+                  <a:pt x="120000" y="0"/>
+                </a:lnTo>
+                <a:lnTo>
+                  <a:pt x="120000" y="120000"/>
+                </a:lnTo>
+                <a:lnTo>
+                  <a:pt x="0" y="120000"/>
+                </a:lnTo>
+                <a:close/>
+              </a:path>
+            </a:pathLst>
+          </a:custGeom>
+        </p:spPr>
+      </p:sp>
+    </p:spTree>
+    <p:extLst>
+      <p:ext uri="{BB962C8B-B14F-4D97-AF65-F5344CB8AC3E}">
+        <p14:creationId xmlns:p14="http://schemas.microsoft.com/office/powerpoint/2010/main" val="2057260181"/>
+      </p:ext>
+    </p:extLst>
+  </p:cSld>
+  <p:clrMapOvr>
+    <a:masterClrMapping/>
+  </p:clrMapOvr>
+</p:notes>
+</file>
+
+<file path=ppt/notesSlides/notesSlide14.xml><?xml version="1.0" encoding="utf-8"?>
+<p:notes xmlns:a="http://schemas.openxmlformats.org/drawingml/2006/main" xmlns:r="http://schemas.openxmlformats.org/officeDocument/2006/relationships" xmlns:p="http://schemas.openxmlformats.org/presentationml/2006/main" showMasterSp="0" showMasterPhAnim="0">
+  <p:cSld>
+    <p:spTree>
+      <p:nvGrpSpPr>
+        <p:cNvPr id="1" name="Shape 55"/>
+        <p:cNvGrpSpPr/>
+        <p:nvPr/>
+      </p:nvGrpSpPr>
+      <p:grpSpPr>
+        <a:xfrm>
+          <a:off x="0" y="0"/>
+          <a:ext cx="0" cy="0"/>
+          <a:chOff x="0" y="0"/>
+          <a:chExt cx="0" cy="0"/>
+        </a:xfrm>
+      </p:grpSpPr>
+      <p:sp>
+        <p:nvSpPr>
+          <p:cNvPr id="56" name="Google Shape;56;p3:notes"/>
+          <p:cNvSpPr txBox="1">
+            <a:spLocks noGrp="1"/>
+          </p:cNvSpPr>
+          <p:nvPr>
+            <p:ph type="body" idx="1"/>
+          </p:nvPr>
+        </p:nvSpPr>
+        <p:spPr>
+          <a:xfrm>
+            <a:off x="685800" y="4343400"/>
+            <a:ext cx="5486400" cy="4114800"/>
+          </a:xfrm>
+          <a:prstGeom prst="rect">
+            <a:avLst/>
+          </a:prstGeom>
+        </p:spPr>
+        <p:txBody>
+          <a:bodyPr spcFirstLastPara="1" wrap="square" lIns="91425" tIns="91425" rIns="91425" bIns="91425" anchor="t" anchorCtr="0">
+            <a:noAutofit/>
+          </a:bodyPr>
+          <a:lstStyle/>
+          <a:p>
+            <a:pPr marL="0" lvl="0" indent="0" algn="l" rtl="0">
+              <a:spcBef>
+                <a:spcPts val="0"/>
+              </a:spcBef>
+              <a:spcAft>
+                <a:spcPts val="0"/>
+              </a:spcAft>
+              <a:buNone/>
+            </a:pPr>
+            <a:endParaRPr dirty="0"/>
+          </a:p>
+        </p:txBody>
+      </p:sp>
+      <p:sp>
+        <p:nvSpPr>
+          <p:cNvPr id="57" name="Google Shape;57;p3:notes"/>
+          <p:cNvSpPr>
+            <a:spLocks noGrp="1" noRot="1" noChangeAspect="1"/>
+          </p:cNvSpPr>
+          <p:nvPr>
+            <p:ph type="sldImg" idx="2"/>
+          </p:nvPr>
+        </p:nvSpPr>
+        <p:spPr>
+          <a:xfrm>
+            <a:off x="381000" y="685800"/>
+            <a:ext cx="6096000" cy="3429000"/>
+          </a:xfrm>
+          <a:custGeom>
+            <a:avLst/>
+            <a:gdLst/>
+            <a:ahLst/>
+            <a:cxnLst/>
+            <a:rect l="l" t="t" r="r" b="b"/>
+            <a:pathLst>
+              <a:path w="120000" h="120000" extrusionOk="0">
+                <a:moveTo>
+                  <a:pt x="0" y="0"/>
+                </a:moveTo>
+                <a:lnTo>
+                  <a:pt x="120000" y="0"/>
+                </a:lnTo>
+                <a:lnTo>
+                  <a:pt x="120000" y="120000"/>
+                </a:lnTo>
+                <a:lnTo>
+                  <a:pt x="0" y="120000"/>
+                </a:lnTo>
+                <a:close/>
+              </a:path>
+            </a:pathLst>
+          </a:custGeom>
+        </p:spPr>
+      </p:sp>
+    </p:spTree>
+    <p:extLst>
+      <p:ext uri="{BB962C8B-B14F-4D97-AF65-F5344CB8AC3E}">
+        <p14:creationId xmlns:p14="http://schemas.microsoft.com/office/powerpoint/2010/main" val="3607572793"/>
+      </p:ext>
+    </p:extLst>
+  </p:cSld>
+  <p:clrMapOvr>
+    <a:masterClrMapping/>
+  </p:clrMapOvr>
+</p:notes>
+</file>
+
+<file path=ppt/notesSlides/notesSlide15.xml><?xml version="1.0" encoding="utf-8"?>
+<p:notes xmlns:a="http://schemas.openxmlformats.org/drawingml/2006/main" xmlns:r="http://schemas.openxmlformats.org/officeDocument/2006/relationships" xmlns:p="http://schemas.openxmlformats.org/presentationml/2006/main" showMasterSp="0" showMasterPhAnim="0">
+  <p:cSld>
+    <p:spTree>
+      <p:nvGrpSpPr>
+        <p:cNvPr id="1" name="Shape 55"/>
+        <p:cNvGrpSpPr/>
+        <p:nvPr/>
+      </p:nvGrpSpPr>
+      <p:grpSpPr>
+        <a:xfrm>
+          <a:off x="0" y="0"/>
+          <a:ext cx="0" cy="0"/>
+          <a:chOff x="0" y="0"/>
+          <a:chExt cx="0" cy="0"/>
+        </a:xfrm>
+      </p:grpSpPr>
+      <p:sp>
+        <p:nvSpPr>
+          <p:cNvPr id="56" name="Google Shape;56;p3:notes"/>
+          <p:cNvSpPr txBox="1">
+            <a:spLocks noGrp="1"/>
+          </p:cNvSpPr>
+          <p:nvPr>
+            <p:ph type="body" idx="1"/>
+          </p:nvPr>
+        </p:nvSpPr>
+        <p:spPr>
+          <a:xfrm>
+            <a:off x="685800" y="4343400"/>
+            <a:ext cx="5486400" cy="4114800"/>
+          </a:xfrm>
+          <a:prstGeom prst="rect">
+            <a:avLst/>
+          </a:prstGeom>
+        </p:spPr>
+        <p:txBody>
+          <a:bodyPr spcFirstLastPara="1" wrap="square" lIns="91425" tIns="91425" rIns="91425" bIns="91425" anchor="t" anchorCtr="0">
+            <a:noAutofit/>
+          </a:bodyPr>
+          <a:lstStyle/>
+          <a:p>
+            <a:pPr marL="0" lvl="0" indent="0" algn="l" rtl="0">
+              <a:spcBef>
+                <a:spcPts val="0"/>
+              </a:spcBef>
+              <a:spcAft>
+                <a:spcPts val="0"/>
+              </a:spcAft>
+              <a:buNone/>
+            </a:pPr>
+            <a:endParaRPr dirty="0"/>
+          </a:p>
+        </p:txBody>
+      </p:sp>
+      <p:sp>
+        <p:nvSpPr>
+          <p:cNvPr id="57" name="Google Shape;57;p3:notes"/>
+          <p:cNvSpPr>
+            <a:spLocks noGrp="1" noRot="1" noChangeAspect="1"/>
+          </p:cNvSpPr>
+          <p:nvPr>
+            <p:ph type="sldImg" idx="2"/>
+          </p:nvPr>
+        </p:nvSpPr>
+        <p:spPr>
+          <a:xfrm>
+            <a:off x="381000" y="685800"/>
+            <a:ext cx="6096000" cy="3429000"/>
+          </a:xfrm>
+          <a:custGeom>
+            <a:avLst/>
+            <a:gdLst/>
+            <a:ahLst/>
+            <a:cxnLst/>
+            <a:rect l="l" t="t" r="r" b="b"/>
+            <a:pathLst>
+              <a:path w="120000" h="120000" extrusionOk="0">
+                <a:moveTo>
+                  <a:pt x="0" y="0"/>
+                </a:moveTo>
+                <a:lnTo>
+                  <a:pt x="120000" y="0"/>
+                </a:lnTo>
+                <a:lnTo>
+                  <a:pt x="120000" y="120000"/>
+                </a:lnTo>
+                <a:lnTo>
+                  <a:pt x="0" y="120000"/>
+                </a:lnTo>
+                <a:close/>
+              </a:path>
+            </a:pathLst>
+          </a:custGeom>
+        </p:spPr>
+      </p:sp>
+    </p:spTree>
+    <p:extLst>
+      <p:ext uri="{BB962C8B-B14F-4D97-AF65-F5344CB8AC3E}">
+        <p14:creationId xmlns:p14="http://schemas.microsoft.com/office/powerpoint/2010/main" val="363596351"/>
+      </p:ext>
+    </p:extLst>
+  </p:cSld>
+  <p:clrMapOvr>
+    <a:masterClrMapping/>
+  </p:clrMapOvr>
+</p:notes>
+</file>
+
+<file path=ppt/notesSlides/notesSlide16.xml><?xml version="1.0" encoding="utf-8"?>
+<p:notes xmlns:a="http://schemas.openxmlformats.org/drawingml/2006/main" xmlns:r="http://schemas.openxmlformats.org/officeDocument/2006/relationships" xmlns:p="http://schemas.openxmlformats.org/presentationml/2006/main" showMasterSp="0" showMasterPhAnim="0">
+  <p:cSld>
+    <p:spTree>
+      <p:nvGrpSpPr>
+        <p:cNvPr id="1" name="Shape 55"/>
+        <p:cNvGrpSpPr/>
+        <p:nvPr/>
+      </p:nvGrpSpPr>
+      <p:grpSpPr>
+        <a:xfrm>
+          <a:off x="0" y="0"/>
+          <a:ext cx="0" cy="0"/>
+          <a:chOff x="0" y="0"/>
+          <a:chExt cx="0" cy="0"/>
+        </a:xfrm>
+      </p:grpSpPr>
+      <p:sp>
+        <p:nvSpPr>
+          <p:cNvPr id="56" name="Google Shape;56;p3:notes"/>
+          <p:cNvSpPr txBox="1">
+            <a:spLocks noGrp="1"/>
+          </p:cNvSpPr>
+          <p:nvPr>
+            <p:ph type="body" idx="1"/>
+          </p:nvPr>
+        </p:nvSpPr>
+        <p:spPr>
+          <a:xfrm>
+            <a:off x="685800" y="4343400"/>
+            <a:ext cx="5486400" cy="4114800"/>
+          </a:xfrm>
+          <a:prstGeom prst="rect">
+            <a:avLst/>
+          </a:prstGeom>
+        </p:spPr>
+        <p:txBody>
+          <a:bodyPr spcFirstLastPara="1" wrap="square" lIns="91425" tIns="91425" rIns="91425" bIns="91425" anchor="t" anchorCtr="0">
+            <a:noAutofit/>
+          </a:bodyPr>
+          <a:lstStyle/>
+          <a:p>
+            <a:pPr marL="0" lvl="0" indent="0" algn="l" rtl="0">
+              <a:spcBef>
+                <a:spcPts val="0"/>
+              </a:spcBef>
+              <a:spcAft>
+                <a:spcPts val="0"/>
+              </a:spcAft>
+              <a:buNone/>
+            </a:pPr>
+            <a:endParaRPr dirty="0"/>
+          </a:p>
+        </p:txBody>
+      </p:sp>
+      <p:sp>
+        <p:nvSpPr>
+          <p:cNvPr id="57" name="Google Shape;57;p3:notes"/>
+          <p:cNvSpPr>
+            <a:spLocks noGrp="1" noRot="1" noChangeAspect="1"/>
+          </p:cNvSpPr>
+          <p:nvPr>
+            <p:ph type="sldImg" idx="2"/>
+          </p:nvPr>
+        </p:nvSpPr>
+        <p:spPr>
+          <a:xfrm>
+            <a:off x="381000" y="685800"/>
+            <a:ext cx="6096000" cy="3429000"/>
+          </a:xfrm>
+          <a:custGeom>
+            <a:avLst/>
+            <a:gdLst/>
+            <a:ahLst/>
+            <a:cxnLst/>
+            <a:rect l="l" t="t" r="r" b="b"/>
+            <a:pathLst>
+              <a:path w="120000" h="120000" extrusionOk="0">
+                <a:moveTo>
+                  <a:pt x="0" y="0"/>
+                </a:moveTo>
+                <a:lnTo>
+                  <a:pt x="120000" y="0"/>
+                </a:lnTo>
+                <a:lnTo>
+                  <a:pt x="120000" y="120000"/>
+                </a:lnTo>
+                <a:lnTo>
+                  <a:pt x="0" y="120000"/>
+                </a:lnTo>
+                <a:close/>
+              </a:path>
+            </a:pathLst>
+          </a:custGeom>
+        </p:spPr>
+      </p:sp>
+    </p:spTree>
+    <p:extLst>
+      <p:ext uri="{BB962C8B-B14F-4D97-AF65-F5344CB8AC3E}">
+        <p14:creationId xmlns:p14="http://schemas.microsoft.com/office/powerpoint/2010/main" val="1826727258"/>
+      </p:ext>
+    </p:extLst>
+  </p:cSld>
+  <p:clrMapOvr>
+    <a:masterClrMapping/>
+  </p:clrMapOvr>
+</p:notes>
+</file>
+
+<file path=ppt/notesSlides/notesSlide17.xml><?xml version="1.0" encoding="utf-8"?>
+<p:notes xmlns:a="http://schemas.openxmlformats.org/drawingml/2006/main" xmlns:r="http://schemas.openxmlformats.org/officeDocument/2006/relationships" xmlns:p="http://schemas.openxmlformats.org/presentationml/2006/main" showMasterSp="0" showMasterPhAnim="0">
+  <p:cSld>
+    <p:spTree>
+      <p:nvGrpSpPr>
+        <p:cNvPr id="1" name="Shape 55"/>
+        <p:cNvGrpSpPr/>
+        <p:nvPr/>
+      </p:nvGrpSpPr>
+      <p:grpSpPr>
+        <a:xfrm>
+          <a:off x="0" y="0"/>
+          <a:ext cx="0" cy="0"/>
+          <a:chOff x="0" y="0"/>
+          <a:chExt cx="0" cy="0"/>
+        </a:xfrm>
+      </p:grpSpPr>
+      <p:sp>
+        <p:nvSpPr>
+          <p:cNvPr id="56" name="Google Shape;56;p3:notes"/>
+          <p:cNvSpPr txBox="1">
+            <a:spLocks noGrp="1"/>
+          </p:cNvSpPr>
+          <p:nvPr>
+            <p:ph type="body" idx="1"/>
+          </p:nvPr>
+        </p:nvSpPr>
+        <p:spPr>
+          <a:xfrm>
+            <a:off x="685800" y="4343400"/>
+            <a:ext cx="5486400" cy="4114800"/>
+          </a:xfrm>
+          <a:prstGeom prst="rect">
+            <a:avLst/>
+          </a:prstGeom>
+        </p:spPr>
+        <p:txBody>
+          <a:bodyPr spcFirstLastPara="1" wrap="square" lIns="91425" tIns="91425" rIns="91425" bIns="91425" anchor="t" anchorCtr="0">
+            <a:noAutofit/>
+          </a:bodyPr>
+          <a:lstStyle/>
+          <a:p>
+            <a:pPr marL="0" lvl="0" indent="0" algn="l" rtl="0">
+              <a:spcBef>
+                <a:spcPts val="0"/>
+              </a:spcBef>
+              <a:spcAft>
+                <a:spcPts val="0"/>
+              </a:spcAft>
+              <a:buNone/>
+            </a:pPr>
+            <a:endParaRPr/>
+          </a:p>
+        </p:txBody>
+      </p:sp>
+      <p:sp>
+        <p:nvSpPr>
+          <p:cNvPr id="57" name="Google Shape;57;p3:notes"/>
+          <p:cNvSpPr>
+            <a:spLocks noGrp="1" noRot="1" noChangeAspect="1"/>
+          </p:cNvSpPr>
+          <p:nvPr>
+            <p:ph type="sldImg" idx="2"/>
+          </p:nvPr>
+        </p:nvSpPr>
+        <p:spPr>
+          <a:xfrm>
+            <a:off x="381000" y="685800"/>
+            <a:ext cx="6096000" cy="3429000"/>
+          </a:xfrm>
+          <a:custGeom>
+            <a:avLst/>
+            <a:gdLst/>
+            <a:ahLst/>
+            <a:cxnLst/>
+            <a:rect l="l" t="t" r="r" b="b"/>
+            <a:pathLst>
+              <a:path w="120000" h="120000" extrusionOk="0">
+                <a:moveTo>
+                  <a:pt x="0" y="0"/>
+                </a:moveTo>
+                <a:lnTo>
+                  <a:pt x="120000" y="0"/>
+                </a:lnTo>
+                <a:lnTo>
+                  <a:pt x="120000" y="120000"/>
+                </a:lnTo>
+                <a:lnTo>
+                  <a:pt x="0" y="120000"/>
+                </a:lnTo>
+                <a:close/>
+              </a:path>
+            </a:pathLst>
+          </a:custGeom>
+        </p:spPr>
+      </p:sp>
+    </p:spTree>
+    <p:extLst>
+      <p:ext uri="{BB962C8B-B14F-4D97-AF65-F5344CB8AC3E}">
+        <p14:creationId xmlns:p14="http://schemas.microsoft.com/office/powerpoint/2010/main" val="870234116"/>
+      </p:ext>
+    </p:extLst>
+  </p:cSld>
+  <p:clrMapOvr>
+    <a:masterClrMapping/>
+  </p:clrMapOvr>
+</p:notes>
+</file>
+
+<file path=ppt/notesSlides/notesSlide18.xml><?xml version="1.0" encoding="utf-8"?>
+<p:notes xmlns:a="http://schemas.openxmlformats.org/drawingml/2006/main" xmlns:r="http://schemas.openxmlformats.org/officeDocument/2006/relationships" xmlns:p="http://schemas.openxmlformats.org/presentationml/2006/main" showMasterSp="0" showMasterPhAnim="0">
+  <p:cSld>
+    <p:spTree>
+      <p:nvGrpSpPr>
+        <p:cNvPr id="1" name="Shape 55"/>
+        <p:cNvGrpSpPr/>
+        <p:nvPr/>
+      </p:nvGrpSpPr>
+      <p:grpSpPr>
+        <a:xfrm>
+          <a:off x="0" y="0"/>
+          <a:ext cx="0" cy="0"/>
+          <a:chOff x="0" y="0"/>
+          <a:chExt cx="0" cy="0"/>
+        </a:xfrm>
+      </p:grpSpPr>
+      <p:sp>
+        <p:nvSpPr>
+          <p:cNvPr id="56" name="Google Shape;56;p3:notes"/>
+          <p:cNvSpPr txBox="1">
+            <a:spLocks noGrp="1"/>
+          </p:cNvSpPr>
+          <p:nvPr>
+            <p:ph type="body" idx="1"/>
+          </p:nvPr>
+        </p:nvSpPr>
+        <p:spPr>
+          <a:xfrm>
+            <a:off x="685800" y="4343400"/>
+            <a:ext cx="5486400" cy="4114800"/>
+          </a:xfrm>
+          <a:prstGeom prst="rect">
+            <a:avLst/>
+          </a:prstGeom>
+        </p:spPr>
+        <p:txBody>
+          <a:bodyPr spcFirstLastPara="1" wrap="square" lIns="91425" tIns="91425" rIns="91425" bIns="91425" anchor="t" anchorCtr="0">
+            <a:noAutofit/>
+          </a:bodyPr>
+          <a:lstStyle/>
+          <a:p>
+            <a:pPr marL="0" lvl="0" indent="0" algn="l" rtl="0">
+              <a:spcBef>
+                <a:spcPts val="0"/>
+              </a:spcBef>
+              <a:spcAft>
+                <a:spcPts val="0"/>
+              </a:spcAft>
+              <a:buNone/>
+            </a:pPr>
+            <a:endParaRPr/>
+          </a:p>
+        </p:txBody>
+      </p:sp>
+      <p:sp>
+        <p:nvSpPr>
+          <p:cNvPr id="57" name="Google Shape;57;p3:notes"/>
+          <p:cNvSpPr>
+            <a:spLocks noGrp="1" noRot="1" noChangeAspect="1"/>
+          </p:cNvSpPr>
+          <p:nvPr>
+            <p:ph type="sldImg" idx="2"/>
+          </p:nvPr>
+        </p:nvSpPr>
+        <p:spPr>
+          <a:xfrm>
+            <a:off x="381000" y="685800"/>
+            <a:ext cx="6096000" cy="3429000"/>
+          </a:xfrm>
+          <a:custGeom>
+            <a:avLst/>
+            <a:gdLst/>
+            <a:ahLst/>
+            <a:cxnLst/>
+            <a:rect l="l" t="t" r="r" b="b"/>
+            <a:pathLst>
+              <a:path w="120000" h="120000" extrusionOk="0">
+                <a:moveTo>
+                  <a:pt x="0" y="0"/>
+                </a:moveTo>
+                <a:lnTo>
+                  <a:pt x="120000" y="0"/>
+                </a:lnTo>
+                <a:lnTo>
+                  <a:pt x="120000" y="120000"/>
+                </a:lnTo>
+                <a:lnTo>
+                  <a:pt x="0" y="120000"/>
+                </a:lnTo>
+                <a:close/>
+              </a:path>
+            </a:pathLst>
+          </a:custGeom>
+        </p:spPr>
+      </p:sp>
+    </p:spTree>
+    <p:extLst>
+      <p:ext uri="{BB962C8B-B14F-4D97-AF65-F5344CB8AC3E}">
+        <p14:creationId xmlns:p14="http://schemas.microsoft.com/office/powerpoint/2010/main" val="2971508439"/>
+      </p:ext>
+    </p:extLst>
+  </p:cSld>
+  <p:clrMapOvr>
+    <a:masterClrMapping/>
+  </p:clrMapOvr>
+</p:notes>
+</file>
+
+<file path=ppt/notesSlides/notesSlide19.xml><?xml version="1.0" encoding="utf-8"?>
+<p:notes xmlns:a="http://schemas.openxmlformats.org/drawingml/2006/main" xmlns:r="http://schemas.openxmlformats.org/officeDocument/2006/relationships" xmlns:p="http://schemas.openxmlformats.org/presentationml/2006/main" showMasterSp="0" showMasterPhAnim="0">
+  <p:cSld>
+    <p:spTree>
+      <p:nvGrpSpPr>
+        <p:cNvPr id="1" name="Shape 50"/>
+        <p:cNvGrpSpPr/>
+        <p:nvPr/>
+      </p:nvGrpSpPr>
+      <p:grpSpPr>
+        <a:xfrm>
+          <a:off x="0" y="0"/>
+          <a:ext cx="0" cy="0"/>
+          <a:chOff x="0" y="0"/>
+          <a:chExt cx="0" cy="0"/>
+        </a:xfrm>
+      </p:grpSpPr>
+      <p:sp>
+        <p:nvSpPr>
+          <p:cNvPr id="51" name="Google Shape;51;p2:notes"/>
+          <p:cNvSpPr txBox="1">
+            <a:spLocks noGrp="1"/>
+          </p:cNvSpPr>
+          <p:nvPr>
+            <p:ph type="body" idx="1"/>
+          </p:nvPr>
+        </p:nvSpPr>
+        <p:spPr>
+          <a:xfrm>
+            <a:off x="685800" y="4343400"/>
+            <a:ext cx="5486400" cy="4114800"/>
+          </a:xfrm>
+          <a:prstGeom prst="rect">
+            <a:avLst/>
+          </a:prstGeom>
+        </p:spPr>
+        <p:txBody>
+          <a:bodyPr spcFirstLastPara="1" wrap="square" lIns="91425" tIns="91425" rIns="91425" bIns="91425" anchor="t" anchorCtr="0">
+            <a:noAutofit/>
+          </a:bodyPr>
+          <a:lstStyle/>
+          <a:p>
+            <a:pPr marL="0" lvl="0" indent="0" algn="l" rtl="0">
+              <a:spcBef>
+                <a:spcPts val="0"/>
+              </a:spcBef>
+              <a:spcAft>
+                <a:spcPts val="0"/>
+              </a:spcAft>
+              <a:buNone/>
+            </a:pPr>
+            <a:endParaRPr/>
+          </a:p>
+        </p:txBody>
+      </p:sp>
+      <p:sp>
+        <p:nvSpPr>
+          <p:cNvPr id="52" name="Google Shape;52;p2:notes"/>
+          <p:cNvSpPr>
+            <a:spLocks noGrp="1" noRot="1" noChangeAspect="1"/>
+          </p:cNvSpPr>
+          <p:nvPr>
+            <p:ph type="sldImg" idx="2"/>
+          </p:nvPr>
+        </p:nvSpPr>
+        <p:spPr>
+          <a:xfrm>
+            <a:off x="381000" y="685800"/>
+            <a:ext cx="6096000" cy="3429000"/>
+          </a:xfrm>
+          <a:custGeom>
+            <a:avLst/>
+            <a:gdLst/>
+            <a:ahLst/>
+            <a:cxnLst/>
+            <a:rect l="l" t="t" r="r" b="b"/>
+            <a:pathLst>
+              <a:path w="120000" h="120000" extrusionOk="0">
+                <a:moveTo>
+                  <a:pt x="0" y="0"/>
+                </a:moveTo>
+                <a:lnTo>
+                  <a:pt x="120000" y="0"/>
+                </a:lnTo>
+                <a:lnTo>
+                  <a:pt x="120000" y="120000"/>
+                </a:lnTo>
+                <a:lnTo>
+                  <a:pt x="0" y="120000"/>
+                </a:lnTo>
+                <a:close/>
+              </a:path>
+            </a:pathLst>
+          </a:custGeom>
+        </p:spPr>
+      </p:sp>
+    </p:spTree>
+    <p:extLst>
+      <p:ext uri="{BB962C8B-B14F-4D97-AF65-F5344CB8AC3E}">
+        <p14:creationId xmlns:p14="http://schemas.microsoft.com/office/powerpoint/2010/main" val="3467063066"/>
+      </p:ext>
+    </p:extLst>
+  </p:cSld>
+  <p:clrMapOvr>
+    <a:masterClrMapping/>
+  </p:clrMapOvr>
+</p:notes>
+</file>
+
+<file path=ppt/notesSlides/notesSlide2.xml><?xml version="1.0" encoding="utf-8"?>
+<p:notes xmlns:a="http://schemas.openxmlformats.org/drawingml/2006/main" xmlns:r="http://schemas.openxmlformats.org/officeDocument/2006/relationships" xmlns:p="http://schemas.openxmlformats.org/presentationml/2006/main" showMasterSp="0" showMasterPhAnim="0">
+  <p:cSld>
+    <p:spTree>
+      <p:nvGrpSpPr>
+        <p:cNvPr id="1" name="Shape 50"/>
+        <p:cNvGrpSpPr/>
+        <p:nvPr/>
+      </p:nvGrpSpPr>
+      <p:grpSpPr>
+        <a:xfrm>
+          <a:off x="0" y="0"/>
+          <a:ext cx="0" cy="0"/>
+          <a:chOff x="0" y="0"/>
+          <a:chExt cx="0" cy="0"/>
+        </a:xfrm>
+      </p:grpSpPr>
+      <p:sp>
+        <p:nvSpPr>
+          <p:cNvPr id="51" name="Google Shape;51;p2:notes"/>
+          <p:cNvSpPr txBox="1">
+            <a:spLocks noGrp="1"/>
+          </p:cNvSpPr>
+          <p:nvPr>
+            <p:ph type="body" idx="1"/>
+          </p:nvPr>
+        </p:nvSpPr>
+        <p:spPr>
+          <a:xfrm>
+            <a:off x="685800" y="4343400"/>
+            <a:ext cx="5486400" cy="4114800"/>
+          </a:xfrm>
+          <a:prstGeom prst="rect">
+            <a:avLst/>
+          </a:prstGeom>
+        </p:spPr>
+        <p:txBody>
+          <a:bodyPr spcFirstLastPara="1" wrap="square" lIns="91425" tIns="91425" rIns="91425" bIns="91425" anchor="t" anchorCtr="0">
+            <a:noAutofit/>
+          </a:bodyPr>
+          <a:lstStyle/>
+          <a:p>
+            <a:pPr marL="0" lvl="0" indent="0" algn="l" rtl="0">
+              <a:spcBef>
+                <a:spcPts val="0"/>
+              </a:spcBef>
+              <a:spcAft>
+                <a:spcPts val="0"/>
+              </a:spcAft>
+              <a:buNone/>
+            </a:pPr>
+            <a:endParaRPr/>
+          </a:p>
+        </p:txBody>
+      </p:sp>
+      <p:sp>
+        <p:nvSpPr>
+          <p:cNvPr id="52" name="Google Shape;52;p2:notes"/>
+          <p:cNvSpPr>
+            <a:spLocks noGrp="1" noRot="1" noChangeAspect="1"/>
+          </p:cNvSpPr>
+          <p:nvPr>
+            <p:ph type="sldImg" idx="2"/>
+          </p:nvPr>
+        </p:nvSpPr>
+        <p:spPr>
+          <a:xfrm>
+            <a:off x="381000" y="685800"/>
+            <a:ext cx="6096000" cy="3429000"/>
+          </a:xfrm>
+          <a:custGeom>
+            <a:avLst/>
+            <a:gdLst/>
+            <a:ahLst/>
+            <a:cxnLst/>
+            <a:rect l="l" t="t" r="r" b="b"/>
+            <a:pathLst>
+              <a:path w="120000" h="120000" extrusionOk="0">
+                <a:moveTo>
+                  <a:pt x="0" y="0"/>
+                </a:moveTo>
+                <a:lnTo>
+                  <a:pt x="120000" y="0"/>
+                </a:lnTo>
+                <a:lnTo>
+                  <a:pt x="120000" y="120000"/>
+                </a:lnTo>
+                <a:lnTo>
+                  <a:pt x="0" y="120000"/>
+                </a:lnTo>
+                <a:close/>
+              </a:path>
+            </a:pathLst>
+          </a:custGeom>
+        </p:spPr>
+      </p:sp>
+    </p:spTree>
+  </p:cSld>
+  <p:clrMapOvr>
+    <a:masterClrMapping/>
+  </p:clrMapOvr>
+</p:notes>
+</file>
+
+<file path=ppt/notesSlides/notesSlide20.xml><?xml version="1.0" encoding="utf-8"?>
+<p:notes xmlns:a="http://schemas.openxmlformats.org/drawingml/2006/main" xmlns:r="http://schemas.openxmlformats.org/officeDocument/2006/relationships" xmlns:p="http://schemas.openxmlformats.org/presentationml/2006/main" showMasterSp="0" showMasterPhAnim="0">
+  <p:cSld>
+    <p:spTree>
+      <p:nvGrpSpPr>
+        <p:cNvPr id="1" name="Shape 50"/>
+        <p:cNvGrpSpPr/>
+        <p:nvPr/>
+      </p:nvGrpSpPr>
+      <p:grpSpPr>
+        <a:xfrm>
+          <a:off x="0" y="0"/>
+          <a:ext cx="0" cy="0"/>
+          <a:chOff x="0" y="0"/>
+          <a:chExt cx="0" cy="0"/>
+        </a:xfrm>
+      </p:grpSpPr>
+      <p:sp>
+        <p:nvSpPr>
+          <p:cNvPr id="51" name="Google Shape;51;p2:notes"/>
+          <p:cNvSpPr txBox="1">
+            <a:spLocks noGrp="1"/>
+          </p:cNvSpPr>
+          <p:nvPr>
+            <p:ph type="body" idx="1"/>
+          </p:nvPr>
+        </p:nvSpPr>
+        <p:spPr>
+          <a:xfrm>
+            <a:off x="685800" y="4343400"/>
+            <a:ext cx="5486400" cy="4114800"/>
+          </a:xfrm>
+          <a:prstGeom prst="rect">
+            <a:avLst/>
+          </a:prstGeom>
+        </p:spPr>
+        <p:txBody>
+          <a:bodyPr spcFirstLastPara="1" wrap="square" lIns="91425" tIns="91425" rIns="91425" bIns="91425" anchor="t" anchorCtr="0">
+            <a:noAutofit/>
+          </a:bodyPr>
+          <a:lstStyle/>
+          <a:p>
+            <a:pPr marL="0" lvl="0" indent="0" algn="l" rtl="0">
+              <a:spcBef>
+                <a:spcPts val="0"/>
+              </a:spcBef>
+              <a:spcAft>
+                <a:spcPts val="0"/>
+              </a:spcAft>
+              <a:buNone/>
+            </a:pPr>
+            <a:endParaRPr/>
+          </a:p>
+        </p:txBody>
+      </p:sp>
+      <p:sp>
+        <p:nvSpPr>
+          <p:cNvPr id="52" name="Google Shape;52;p2:notes"/>
+          <p:cNvSpPr>
+            <a:spLocks noGrp="1" noRot="1" noChangeAspect="1"/>
+          </p:cNvSpPr>
+          <p:nvPr>
+            <p:ph type="sldImg" idx="2"/>
+          </p:nvPr>
+        </p:nvSpPr>
+        <p:spPr>
+          <a:xfrm>
+            <a:off x="381000" y="685800"/>
+            <a:ext cx="6096000" cy="3429000"/>
+          </a:xfrm>
+          <a:custGeom>
+            <a:avLst/>
+            <a:gdLst/>
+            <a:ahLst/>
+            <a:cxnLst/>
+            <a:rect l="l" t="t" r="r" b="b"/>
+            <a:pathLst>
+              <a:path w="120000" h="120000" extrusionOk="0">
+                <a:moveTo>
+                  <a:pt x="0" y="0"/>
+                </a:moveTo>
+                <a:lnTo>
+                  <a:pt x="120000" y="0"/>
+                </a:lnTo>
+                <a:lnTo>
+                  <a:pt x="120000" y="120000"/>
+                </a:lnTo>
+                <a:lnTo>
+                  <a:pt x="0" y="120000"/>
+                </a:lnTo>
+                <a:close/>
+              </a:path>
+            </a:pathLst>
+          </a:custGeom>
+        </p:spPr>
+      </p:sp>
+    </p:spTree>
+    <p:extLst>
+      <p:ext uri="{BB962C8B-B14F-4D97-AF65-F5344CB8AC3E}">
+        <p14:creationId xmlns:p14="http://schemas.microsoft.com/office/powerpoint/2010/main" val="1677159863"/>
+      </p:ext>
+    </p:extLst>
   </p:cSld>
   <p:clrMapOvr>
     <a:masterClrMapping/>
@@ -1217,7 +2431,443 @@
     </p:spTree>
     <p:extLst>
       <p:ext uri="{BB962C8B-B14F-4D97-AF65-F5344CB8AC3E}">
-        <p14:creationId xmlns:p14="http://schemas.microsoft.com/office/powerpoint/2010/main" val="3467063066"/>
+        <p14:creationId xmlns:p14="http://schemas.microsoft.com/office/powerpoint/2010/main" val="233634071"/>
+      </p:ext>
+    </p:extLst>
+  </p:cSld>
+  <p:clrMapOvr>
+    <a:masterClrMapping/>
+  </p:clrMapOvr>
+</p:notes>
+</file>
+
+<file path=ppt/notesSlides/notesSlide6.xml><?xml version="1.0" encoding="utf-8"?>
+<p:notes xmlns:a="http://schemas.openxmlformats.org/drawingml/2006/main" xmlns:r="http://schemas.openxmlformats.org/officeDocument/2006/relationships" xmlns:p="http://schemas.openxmlformats.org/presentationml/2006/main" showMasterSp="0" showMasterPhAnim="0">
+  <p:cSld>
+    <p:spTree>
+      <p:nvGrpSpPr>
+        <p:cNvPr id="1" name="Shape 55"/>
+        <p:cNvGrpSpPr/>
+        <p:nvPr/>
+      </p:nvGrpSpPr>
+      <p:grpSpPr>
+        <a:xfrm>
+          <a:off x="0" y="0"/>
+          <a:ext cx="0" cy="0"/>
+          <a:chOff x="0" y="0"/>
+          <a:chExt cx="0" cy="0"/>
+        </a:xfrm>
+      </p:grpSpPr>
+      <p:sp>
+        <p:nvSpPr>
+          <p:cNvPr id="56" name="Google Shape;56;p3:notes"/>
+          <p:cNvSpPr txBox="1">
+            <a:spLocks noGrp="1"/>
+          </p:cNvSpPr>
+          <p:nvPr>
+            <p:ph type="body" idx="1"/>
+          </p:nvPr>
+        </p:nvSpPr>
+        <p:spPr>
+          <a:xfrm>
+            <a:off x="685800" y="4343400"/>
+            <a:ext cx="5486400" cy="4114800"/>
+          </a:xfrm>
+          <a:prstGeom prst="rect">
+            <a:avLst/>
+          </a:prstGeom>
+        </p:spPr>
+        <p:txBody>
+          <a:bodyPr spcFirstLastPara="1" wrap="square" lIns="91425" tIns="91425" rIns="91425" bIns="91425" anchor="t" anchorCtr="0">
+            <a:noAutofit/>
+          </a:bodyPr>
+          <a:lstStyle/>
+          <a:p>
+            <a:pPr marL="0" lvl="0" indent="0" algn="l" rtl="0">
+              <a:spcBef>
+                <a:spcPts val="0"/>
+              </a:spcBef>
+              <a:spcAft>
+                <a:spcPts val="0"/>
+              </a:spcAft>
+              <a:buNone/>
+            </a:pPr>
+            <a:endParaRPr/>
+          </a:p>
+        </p:txBody>
+      </p:sp>
+      <p:sp>
+        <p:nvSpPr>
+          <p:cNvPr id="57" name="Google Shape;57;p3:notes"/>
+          <p:cNvSpPr>
+            <a:spLocks noGrp="1" noRot="1" noChangeAspect="1"/>
+          </p:cNvSpPr>
+          <p:nvPr>
+            <p:ph type="sldImg" idx="2"/>
+          </p:nvPr>
+        </p:nvSpPr>
+        <p:spPr>
+          <a:xfrm>
+            <a:off x="381000" y="685800"/>
+            <a:ext cx="6096000" cy="3429000"/>
+          </a:xfrm>
+          <a:custGeom>
+            <a:avLst/>
+            <a:gdLst/>
+            <a:ahLst/>
+            <a:cxnLst/>
+            <a:rect l="l" t="t" r="r" b="b"/>
+            <a:pathLst>
+              <a:path w="120000" h="120000" extrusionOk="0">
+                <a:moveTo>
+                  <a:pt x="0" y="0"/>
+                </a:moveTo>
+                <a:lnTo>
+                  <a:pt x="120000" y="0"/>
+                </a:lnTo>
+                <a:lnTo>
+                  <a:pt x="120000" y="120000"/>
+                </a:lnTo>
+                <a:lnTo>
+                  <a:pt x="0" y="120000"/>
+                </a:lnTo>
+                <a:close/>
+              </a:path>
+            </a:pathLst>
+          </a:custGeom>
+        </p:spPr>
+      </p:sp>
+    </p:spTree>
+    <p:extLst>
+      <p:ext uri="{BB962C8B-B14F-4D97-AF65-F5344CB8AC3E}">
+        <p14:creationId xmlns:p14="http://schemas.microsoft.com/office/powerpoint/2010/main" val="2979177738"/>
+      </p:ext>
+    </p:extLst>
+  </p:cSld>
+  <p:clrMapOvr>
+    <a:masterClrMapping/>
+  </p:clrMapOvr>
+</p:notes>
+</file>
+
+<file path=ppt/notesSlides/notesSlide7.xml><?xml version="1.0" encoding="utf-8"?>
+<p:notes xmlns:a="http://schemas.openxmlformats.org/drawingml/2006/main" xmlns:r="http://schemas.openxmlformats.org/officeDocument/2006/relationships" xmlns:p="http://schemas.openxmlformats.org/presentationml/2006/main" showMasterSp="0" showMasterPhAnim="0">
+  <p:cSld>
+    <p:spTree>
+      <p:nvGrpSpPr>
+        <p:cNvPr id="1" name="Shape 55"/>
+        <p:cNvGrpSpPr/>
+        <p:nvPr/>
+      </p:nvGrpSpPr>
+      <p:grpSpPr>
+        <a:xfrm>
+          <a:off x="0" y="0"/>
+          <a:ext cx="0" cy="0"/>
+          <a:chOff x="0" y="0"/>
+          <a:chExt cx="0" cy="0"/>
+        </a:xfrm>
+      </p:grpSpPr>
+      <p:sp>
+        <p:nvSpPr>
+          <p:cNvPr id="56" name="Google Shape;56;p3:notes"/>
+          <p:cNvSpPr txBox="1">
+            <a:spLocks noGrp="1"/>
+          </p:cNvSpPr>
+          <p:nvPr>
+            <p:ph type="body" idx="1"/>
+          </p:nvPr>
+        </p:nvSpPr>
+        <p:spPr>
+          <a:xfrm>
+            <a:off x="685800" y="4343400"/>
+            <a:ext cx="5486400" cy="4114800"/>
+          </a:xfrm>
+          <a:prstGeom prst="rect">
+            <a:avLst/>
+          </a:prstGeom>
+        </p:spPr>
+        <p:txBody>
+          <a:bodyPr spcFirstLastPara="1" wrap="square" lIns="91425" tIns="91425" rIns="91425" bIns="91425" anchor="t" anchorCtr="0">
+            <a:noAutofit/>
+          </a:bodyPr>
+          <a:lstStyle/>
+          <a:p>
+            <a:pPr marL="0" lvl="0" indent="0" algn="l" rtl="0">
+              <a:spcBef>
+                <a:spcPts val="0"/>
+              </a:spcBef>
+              <a:spcAft>
+                <a:spcPts val="0"/>
+              </a:spcAft>
+              <a:buNone/>
+            </a:pPr>
+            <a:endParaRPr/>
+          </a:p>
+        </p:txBody>
+      </p:sp>
+      <p:sp>
+        <p:nvSpPr>
+          <p:cNvPr id="57" name="Google Shape;57;p3:notes"/>
+          <p:cNvSpPr>
+            <a:spLocks noGrp="1" noRot="1" noChangeAspect="1"/>
+          </p:cNvSpPr>
+          <p:nvPr>
+            <p:ph type="sldImg" idx="2"/>
+          </p:nvPr>
+        </p:nvSpPr>
+        <p:spPr>
+          <a:xfrm>
+            <a:off x="381000" y="685800"/>
+            <a:ext cx="6096000" cy="3429000"/>
+          </a:xfrm>
+          <a:custGeom>
+            <a:avLst/>
+            <a:gdLst/>
+            <a:ahLst/>
+            <a:cxnLst/>
+            <a:rect l="l" t="t" r="r" b="b"/>
+            <a:pathLst>
+              <a:path w="120000" h="120000" extrusionOk="0">
+                <a:moveTo>
+                  <a:pt x="0" y="0"/>
+                </a:moveTo>
+                <a:lnTo>
+                  <a:pt x="120000" y="0"/>
+                </a:lnTo>
+                <a:lnTo>
+                  <a:pt x="120000" y="120000"/>
+                </a:lnTo>
+                <a:lnTo>
+                  <a:pt x="0" y="120000"/>
+                </a:lnTo>
+                <a:close/>
+              </a:path>
+            </a:pathLst>
+          </a:custGeom>
+        </p:spPr>
+      </p:sp>
+    </p:spTree>
+    <p:extLst>
+      <p:ext uri="{BB962C8B-B14F-4D97-AF65-F5344CB8AC3E}">
+        <p14:creationId xmlns:p14="http://schemas.microsoft.com/office/powerpoint/2010/main" val="3397124551"/>
+      </p:ext>
+    </p:extLst>
+  </p:cSld>
+  <p:clrMapOvr>
+    <a:masterClrMapping/>
+  </p:clrMapOvr>
+</p:notes>
+</file>
+
+<file path=ppt/notesSlides/notesSlide8.xml><?xml version="1.0" encoding="utf-8"?>
+<p:notes xmlns:a="http://schemas.openxmlformats.org/drawingml/2006/main" xmlns:r="http://schemas.openxmlformats.org/officeDocument/2006/relationships" xmlns:p="http://schemas.openxmlformats.org/presentationml/2006/main" showMasterSp="0" showMasterPhAnim="0">
+  <p:cSld>
+    <p:spTree>
+      <p:nvGrpSpPr>
+        <p:cNvPr id="1" name="Shape 55"/>
+        <p:cNvGrpSpPr/>
+        <p:nvPr/>
+      </p:nvGrpSpPr>
+      <p:grpSpPr>
+        <a:xfrm>
+          <a:off x="0" y="0"/>
+          <a:ext cx="0" cy="0"/>
+          <a:chOff x="0" y="0"/>
+          <a:chExt cx="0" cy="0"/>
+        </a:xfrm>
+      </p:grpSpPr>
+      <p:sp>
+        <p:nvSpPr>
+          <p:cNvPr id="56" name="Google Shape;56;p3:notes"/>
+          <p:cNvSpPr txBox="1">
+            <a:spLocks noGrp="1"/>
+          </p:cNvSpPr>
+          <p:nvPr>
+            <p:ph type="body" idx="1"/>
+          </p:nvPr>
+        </p:nvSpPr>
+        <p:spPr>
+          <a:xfrm>
+            <a:off x="685800" y="4343400"/>
+            <a:ext cx="5486400" cy="4114800"/>
+          </a:xfrm>
+          <a:prstGeom prst="rect">
+            <a:avLst/>
+          </a:prstGeom>
+        </p:spPr>
+        <p:txBody>
+          <a:bodyPr spcFirstLastPara="1" wrap="square" lIns="91425" tIns="91425" rIns="91425" bIns="91425" anchor="t" anchorCtr="0">
+            <a:noAutofit/>
+          </a:bodyPr>
+          <a:lstStyle/>
+          <a:p>
+            <a:pPr marL="0" lvl="0" indent="0" algn="l" rtl="0">
+              <a:spcBef>
+                <a:spcPts val="0"/>
+              </a:spcBef>
+              <a:spcAft>
+                <a:spcPts val="0"/>
+              </a:spcAft>
+              <a:buNone/>
+            </a:pPr>
+            <a:endParaRPr/>
+          </a:p>
+        </p:txBody>
+      </p:sp>
+      <p:sp>
+        <p:nvSpPr>
+          <p:cNvPr id="57" name="Google Shape;57;p3:notes"/>
+          <p:cNvSpPr>
+            <a:spLocks noGrp="1" noRot="1" noChangeAspect="1"/>
+          </p:cNvSpPr>
+          <p:nvPr>
+            <p:ph type="sldImg" idx="2"/>
+          </p:nvPr>
+        </p:nvSpPr>
+        <p:spPr>
+          <a:xfrm>
+            <a:off x="381000" y="685800"/>
+            <a:ext cx="6096000" cy="3429000"/>
+          </a:xfrm>
+          <a:custGeom>
+            <a:avLst/>
+            <a:gdLst/>
+            <a:ahLst/>
+            <a:cxnLst/>
+            <a:rect l="l" t="t" r="r" b="b"/>
+            <a:pathLst>
+              <a:path w="120000" h="120000" extrusionOk="0">
+                <a:moveTo>
+                  <a:pt x="0" y="0"/>
+                </a:moveTo>
+                <a:lnTo>
+                  <a:pt x="120000" y="0"/>
+                </a:lnTo>
+                <a:lnTo>
+                  <a:pt x="120000" y="120000"/>
+                </a:lnTo>
+                <a:lnTo>
+                  <a:pt x="0" y="120000"/>
+                </a:lnTo>
+                <a:close/>
+              </a:path>
+            </a:pathLst>
+          </a:custGeom>
+        </p:spPr>
+      </p:sp>
+    </p:spTree>
+    <p:extLst>
+      <p:ext uri="{BB962C8B-B14F-4D97-AF65-F5344CB8AC3E}">
+        <p14:creationId xmlns:p14="http://schemas.microsoft.com/office/powerpoint/2010/main" val="969886250"/>
+      </p:ext>
+    </p:extLst>
+  </p:cSld>
+  <p:clrMapOvr>
+    <a:masterClrMapping/>
+  </p:clrMapOvr>
+</p:notes>
+</file>
+
+<file path=ppt/notesSlides/notesSlide9.xml><?xml version="1.0" encoding="utf-8"?>
+<p:notes xmlns:a="http://schemas.openxmlformats.org/drawingml/2006/main" xmlns:r="http://schemas.openxmlformats.org/officeDocument/2006/relationships" xmlns:p="http://schemas.openxmlformats.org/presentationml/2006/main" showMasterSp="0" showMasterPhAnim="0">
+  <p:cSld>
+    <p:spTree>
+      <p:nvGrpSpPr>
+        <p:cNvPr id="1" name="Shape 55"/>
+        <p:cNvGrpSpPr/>
+        <p:nvPr/>
+      </p:nvGrpSpPr>
+      <p:grpSpPr>
+        <a:xfrm>
+          <a:off x="0" y="0"/>
+          <a:ext cx="0" cy="0"/>
+          <a:chOff x="0" y="0"/>
+          <a:chExt cx="0" cy="0"/>
+        </a:xfrm>
+      </p:grpSpPr>
+      <p:sp>
+        <p:nvSpPr>
+          <p:cNvPr id="56" name="Google Shape;56;p3:notes"/>
+          <p:cNvSpPr txBox="1">
+            <a:spLocks noGrp="1"/>
+          </p:cNvSpPr>
+          <p:nvPr>
+            <p:ph type="body" idx="1"/>
+          </p:nvPr>
+        </p:nvSpPr>
+        <p:spPr>
+          <a:xfrm>
+            <a:off x="685800" y="4343400"/>
+            <a:ext cx="5486400" cy="4114800"/>
+          </a:xfrm>
+          <a:prstGeom prst="rect">
+            <a:avLst/>
+          </a:prstGeom>
+        </p:spPr>
+        <p:txBody>
+          <a:bodyPr spcFirstLastPara="1" wrap="square" lIns="91425" tIns="91425" rIns="91425" bIns="91425" anchor="t" anchorCtr="0">
+            <a:noAutofit/>
+          </a:bodyPr>
+          <a:lstStyle/>
+          <a:p>
+            <a:pPr marL="0" lvl="0" indent="0" algn="l" rtl="0">
+              <a:spcBef>
+                <a:spcPts val="0"/>
+              </a:spcBef>
+              <a:spcAft>
+                <a:spcPts val="0"/>
+              </a:spcAft>
+              <a:buNone/>
+            </a:pPr>
+            <a:endParaRPr dirty="0"/>
+          </a:p>
+        </p:txBody>
+      </p:sp>
+      <p:sp>
+        <p:nvSpPr>
+          <p:cNvPr id="57" name="Google Shape;57;p3:notes"/>
+          <p:cNvSpPr>
+            <a:spLocks noGrp="1" noRot="1" noChangeAspect="1"/>
+          </p:cNvSpPr>
+          <p:nvPr>
+            <p:ph type="sldImg" idx="2"/>
+          </p:nvPr>
+        </p:nvSpPr>
+        <p:spPr>
+          <a:xfrm>
+            <a:off x="381000" y="685800"/>
+            <a:ext cx="6096000" cy="3429000"/>
+          </a:xfrm>
+          <a:custGeom>
+            <a:avLst/>
+            <a:gdLst/>
+            <a:ahLst/>
+            <a:cxnLst/>
+            <a:rect l="l" t="t" r="r" b="b"/>
+            <a:pathLst>
+              <a:path w="120000" h="120000" extrusionOk="0">
+                <a:moveTo>
+                  <a:pt x="0" y="0"/>
+                </a:moveTo>
+                <a:lnTo>
+                  <a:pt x="120000" y="0"/>
+                </a:lnTo>
+                <a:lnTo>
+                  <a:pt x="120000" y="120000"/>
+                </a:lnTo>
+                <a:lnTo>
+                  <a:pt x="0" y="120000"/>
+                </a:lnTo>
+                <a:close/>
+              </a:path>
+            </a:pathLst>
+          </a:custGeom>
+        </p:spPr>
+      </p:sp>
+    </p:spTree>
+    <p:extLst>
+      <p:ext uri="{BB962C8B-B14F-4D97-AF65-F5344CB8AC3E}">
+        <p14:creationId xmlns:p14="http://schemas.microsoft.com/office/powerpoint/2010/main" val="3781204529"/>
       </p:ext>
     </p:extLst>
   </p:cSld>
@@ -5391,6 +7041,4749 @@
 </p:sld>
 </file>
 
+<file path=ppt/slides/slide10.xml><?xml version="1.0" encoding="utf-8"?>
+<p:sld xmlns:a="http://schemas.openxmlformats.org/drawingml/2006/main" xmlns:r="http://schemas.openxmlformats.org/officeDocument/2006/relationships" xmlns:p="http://schemas.openxmlformats.org/presentationml/2006/main">
+  <p:cSld>
+    <p:spTree>
+      <p:nvGrpSpPr>
+        <p:cNvPr id="1" name="Shape 58"/>
+        <p:cNvGrpSpPr/>
+        <p:nvPr/>
+      </p:nvGrpSpPr>
+      <p:grpSpPr>
+        <a:xfrm>
+          <a:off x="0" y="0"/>
+          <a:ext cx="0" cy="0"/>
+          <a:chOff x="0" y="0"/>
+          <a:chExt cx="0" cy="0"/>
+        </a:xfrm>
+      </p:grpSpPr>
+      <p:sp>
+        <p:nvSpPr>
+          <p:cNvPr id="20" name="사각형: 둥근 모서리 19">
+            <a:extLst>
+              <a:ext uri="{FF2B5EF4-FFF2-40B4-BE49-F238E27FC236}">
+                <a16:creationId xmlns:a16="http://schemas.microsoft.com/office/drawing/2014/main" id="{E974EAC3-14FC-42D1-948F-D897472D4D74}"/>
+              </a:ext>
+            </a:extLst>
+          </p:cNvPr>
+          <p:cNvSpPr/>
+          <p:nvPr/>
+        </p:nvSpPr>
+        <p:spPr>
+          <a:xfrm>
+            <a:off x="8218433" y="3368560"/>
+            <a:ext cx="3508990" cy="565626"/>
+          </a:xfrm>
+          <a:prstGeom prst="roundRect">
+            <a:avLst/>
+          </a:prstGeom>
+        </p:spPr>
+        <p:style>
+          <a:lnRef idx="2">
+            <a:schemeClr val="accent1">
+              <a:shade val="50000"/>
+            </a:schemeClr>
+          </a:lnRef>
+          <a:fillRef idx="1">
+            <a:schemeClr val="accent1"/>
+          </a:fillRef>
+          <a:effectRef idx="0">
+            <a:schemeClr val="accent1"/>
+          </a:effectRef>
+          <a:fontRef idx="minor">
+            <a:schemeClr val="lt1"/>
+          </a:fontRef>
+        </p:style>
+        <p:txBody>
+          <a:bodyPr rtlCol="0" anchor="ctr"/>
+          <a:lstStyle/>
+          <a:p>
+            <a:pPr algn="ctr"/>
+            <a:r>
+              <a:rPr lang="en-US" altLang="ko-KR" sz="2400" dirty="0" err="1"/>
+              <a:t>FlushCommandMapper</a:t>
+            </a:r>
+            <a:endParaRPr lang="ko-KR" altLang="en-US" sz="2400" dirty="0"/>
+          </a:p>
+        </p:txBody>
+      </p:sp>
+      <p:sp>
+        <p:nvSpPr>
+          <p:cNvPr id="19" name="사각형: 둥근 모서리 18">
+            <a:extLst>
+              <a:ext uri="{FF2B5EF4-FFF2-40B4-BE49-F238E27FC236}">
+                <a16:creationId xmlns:a16="http://schemas.microsoft.com/office/drawing/2014/main" id="{0CDC8687-917D-4AF8-AF63-2AC622745113}"/>
+              </a:ext>
+            </a:extLst>
+          </p:cNvPr>
+          <p:cNvSpPr/>
+          <p:nvPr/>
+        </p:nvSpPr>
+        <p:spPr>
+          <a:xfrm>
+            <a:off x="7950108" y="3686292"/>
+            <a:ext cx="3419096" cy="565626"/>
+          </a:xfrm>
+          <a:prstGeom prst="roundRect">
+            <a:avLst/>
+          </a:prstGeom>
+        </p:spPr>
+        <p:style>
+          <a:lnRef idx="2">
+            <a:schemeClr val="accent1">
+              <a:shade val="50000"/>
+            </a:schemeClr>
+          </a:lnRef>
+          <a:fillRef idx="1">
+            <a:schemeClr val="accent1"/>
+          </a:fillRef>
+          <a:effectRef idx="0">
+            <a:schemeClr val="accent1"/>
+          </a:effectRef>
+          <a:fontRef idx="minor">
+            <a:schemeClr val="lt1"/>
+          </a:fontRef>
+        </p:style>
+        <p:txBody>
+          <a:bodyPr rtlCol="0" anchor="ctr"/>
+          <a:lstStyle/>
+          <a:p>
+            <a:pPr algn="ctr"/>
+            <a:r>
+              <a:rPr lang="en-US" altLang="ko-KR" sz="2400" dirty="0"/>
+              <a:t>ReadCommandMapper</a:t>
+            </a:r>
+            <a:endParaRPr lang="ko-KR" altLang="en-US" sz="2400" dirty="0"/>
+          </a:p>
+        </p:txBody>
+      </p:sp>
+      <p:sp>
+        <p:nvSpPr>
+          <p:cNvPr id="11" name="사각형: 둥근 모서리 10">
+            <a:extLst>
+              <a:ext uri="{FF2B5EF4-FFF2-40B4-BE49-F238E27FC236}">
+                <a16:creationId xmlns:a16="http://schemas.microsoft.com/office/drawing/2014/main" id="{7CCD7760-E858-4527-A368-E8BBDA5EABBD}"/>
+              </a:ext>
+            </a:extLst>
+          </p:cNvPr>
+          <p:cNvSpPr/>
+          <p:nvPr/>
+        </p:nvSpPr>
+        <p:spPr>
+          <a:xfrm>
+            <a:off x="7300584" y="1415127"/>
+            <a:ext cx="4530055" cy="5132730"/>
+          </a:xfrm>
+          <a:prstGeom prst="roundRect">
+            <a:avLst/>
+          </a:prstGeom>
+          <a:noFill/>
+        </p:spPr>
+        <p:style>
+          <a:lnRef idx="2">
+            <a:schemeClr val="accent1">
+              <a:shade val="50000"/>
+            </a:schemeClr>
+          </a:lnRef>
+          <a:fillRef idx="1">
+            <a:schemeClr val="accent1"/>
+          </a:fillRef>
+          <a:effectRef idx="0">
+            <a:schemeClr val="accent1"/>
+          </a:effectRef>
+          <a:fontRef idx="minor">
+            <a:schemeClr val="lt1"/>
+          </a:fontRef>
+        </p:style>
+        <p:txBody>
+          <a:bodyPr rtlCol="0" anchor="ctr"/>
+          <a:lstStyle/>
+          <a:p>
+            <a:pPr algn="ctr"/>
+            <a:endParaRPr lang="ko-KR" altLang="en-US" sz="2400" dirty="0"/>
+          </a:p>
+        </p:txBody>
+      </p:sp>
+      <p:pic>
+        <p:nvPicPr>
+          <p:cNvPr id="3" name="그림 2">
+            <a:extLst>
+              <a:ext uri="{FF2B5EF4-FFF2-40B4-BE49-F238E27FC236}">
+                <a16:creationId xmlns:a16="http://schemas.microsoft.com/office/drawing/2014/main" id="{4DC65AC0-12C7-4130-879D-FD90F79ACCE6}"/>
+              </a:ext>
+            </a:extLst>
+          </p:cNvPr>
+          <p:cNvPicPr>
+            <a:picLocks noChangeAspect="1"/>
+          </p:cNvPicPr>
+          <p:nvPr/>
+        </p:nvPicPr>
+        <p:blipFill rotWithShape="1">
+          <a:blip r:embed="rId3">
+            <a:extLst>
+              <a:ext uri="{BEBA8EAE-BF5A-486C-A8C5-ECC9F3942E4B}">
+                <a14:imgProps xmlns:a14="http://schemas.microsoft.com/office/drawing/2010/main">
+                  <a14:imgLayer r:embed="rId4">
+                    <a14:imgEffect>
+                      <a14:artisticChalkSketch trans="51000"/>
+                    </a14:imgEffect>
+                  </a14:imgLayer>
+                </a14:imgProps>
+              </a:ext>
+            </a:extLst>
+          </a:blip>
+          <a:srcRect b="28166"/>
+          <a:stretch/>
+        </p:blipFill>
+        <p:spPr>
+          <a:xfrm>
+            <a:off x="464577" y="1143198"/>
+            <a:ext cx="6317002" cy="4557211"/>
+          </a:xfrm>
+          <a:prstGeom prst="rect">
+            <a:avLst/>
+          </a:prstGeom>
+        </p:spPr>
+      </p:pic>
+      <p:sp>
+        <p:nvSpPr>
+          <p:cNvPr id="59" name="Google Shape;59;p3"/>
+          <p:cNvSpPr txBox="1">
+            <a:spLocks noGrp="1"/>
+          </p:cNvSpPr>
+          <p:nvPr>
+            <p:ph type="title"/>
+          </p:nvPr>
+        </p:nvSpPr>
+        <p:spPr>
+          <a:xfrm>
+            <a:off x="605980" y="310143"/>
+            <a:ext cx="10515600" cy="649800"/>
+          </a:xfrm>
+          <a:prstGeom prst="rect">
+            <a:avLst/>
+          </a:prstGeom>
+          <a:noFill/>
+          <a:ln>
+            <a:noFill/>
+          </a:ln>
+        </p:spPr>
+        <p:txBody>
+          <a:bodyPr spcFirstLastPara="1" wrap="square" lIns="91425" tIns="45700" rIns="91425" bIns="45700" anchor="ctr" anchorCtr="0">
+            <a:normAutofit fontScale="90000"/>
+          </a:bodyPr>
+          <a:lstStyle/>
+          <a:p>
+            <a:pPr marL="0" lvl="0" indent="0" algn="l" rtl="0">
+              <a:lnSpc>
+                <a:spcPct val="90000"/>
+              </a:lnSpc>
+              <a:spcBef>
+                <a:spcPts val="0"/>
+              </a:spcBef>
+              <a:spcAft>
+                <a:spcPts val="0"/>
+              </a:spcAft>
+              <a:buClr>
+                <a:schemeClr val="dk1"/>
+              </a:buClr>
+              <a:buSzPts val="4400"/>
+              <a:buFont typeface="Malgun Gothic"/>
+              <a:buNone/>
+            </a:pPr>
+            <a:r>
+              <a:rPr lang="en-US" dirty="0"/>
+              <a:t>2. </a:t>
+            </a:r>
+            <a:r>
+              <a:rPr lang="ko-KR" altLang="en-US" dirty="0"/>
+              <a:t>기능 구현 소개 </a:t>
+            </a:r>
+            <a:r>
+              <a:rPr lang="en-US" altLang="ko-KR" dirty="0"/>
+              <a:t>- TestShell</a:t>
+            </a:r>
+            <a:endParaRPr dirty="0"/>
+          </a:p>
+        </p:txBody>
+      </p:sp>
+      <p:sp>
+        <p:nvSpPr>
+          <p:cNvPr id="14" name="사각형: 둥근 모서리 13">
+            <a:extLst>
+              <a:ext uri="{FF2B5EF4-FFF2-40B4-BE49-F238E27FC236}">
+                <a16:creationId xmlns:a16="http://schemas.microsoft.com/office/drawing/2014/main" id="{84128C04-A7E9-4B86-8D87-DD47060B448B}"/>
+              </a:ext>
+            </a:extLst>
+          </p:cNvPr>
+          <p:cNvSpPr/>
+          <p:nvPr/>
+        </p:nvSpPr>
+        <p:spPr>
+          <a:xfrm>
+            <a:off x="8120717" y="1143198"/>
+            <a:ext cx="2764409" cy="565626"/>
+          </a:xfrm>
+          <a:prstGeom prst="roundRect">
+            <a:avLst/>
+          </a:prstGeom>
+        </p:spPr>
+        <p:style>
+          <a:lnRef idx="2">
+            <a:schemeClr val="accent1">
+              <a:shade val="50000"/>
+            </a:schemeClr>
+          </a:lnRef>
+          <a:fillRef idx="1">
+            <a:schemeClr val="accent1"/>
+          </a:fillRef>
+          <a:effectRef idx="0">
+            <a:schemeClr val="accent1"/>
+          </a:effectRef>
+          <a:fontRef idx="minor">
+            <a:schemeClr val="lt1"/>
+          </a:fontRef>
+        </p:style>
+        <p:txBody>
+          <a:bodyPr rtlCol="0" anchor="ctr"/>
+          <a:lstStyle/>
+          <a:p>
+            <a:pPr algn="ctr"/>
+            <a:r>
+              <a:rPr lang="en-US" altLang="ko-KR" sz="2400" dirty="0"/>
+              <a:t>Application</a:t>
+            </a:r>
+            <a:endParaRPr lang="ko-KR" altLang="en-US" sz="2400" dirty="0"/>
+          </a:p>
+        </p:txBody>
+      </p:sp>
+      <p:pic>
+        <p:nvPicPr>
+          <p:cNvPr id="8" name="그림 7">
+            <a:extLst>
+              <a:ext uri="{FF2B5EF4-FFF2-40B4-BE49-F238E27FC236}">
+                <a16:creationId xmlns:a16="http://schemas.microsoft.com/office/drawing/2014/main" id="{572B42B2-11F4-468E-B386-51C8B8AE40C9}"/>
+              </a:ext>
+            </a:extLst>
+          </p:cNvPr>
+          <p:cNvPicPr>
+            <a:picLocks noChangeAspect="1"/>
+          </p:cNvPicPr>
+          <p:nvPr/>
+        </p:nvPicPr>
+        <p:blipFill>
+          <a:blip r:embed="rId5"/>
+          <a:stretch>
+            <a:fillRect/>
+          </a:stretch>
+        </p:blipFill>
+        <p:spPr>
+          <a:xfrm>
+            <a:off x="733956" y="1582258"/>
+            <a:ext cx="6408808" cy="3907365"/>
+          </a:xfrm>
+          <a:prstGeom prst="rect">
+            <a:avLst/>
+          </a:prstGeom>
+        </p:spPr>
+      </p:pic>
+      <p:sp>
+        <p:nvSpPr>
+          <p:cNvPr id="10" name="직사각형 9">
+            <a:extLst>
+              <a:ext uri="{FF2B5EF4-FFF2-40B4-BE49-F238E27FC236}">
+                <a16:creationId xmlns:a16="http://schemas.microsoft.com/office/drawing/2014/main" id="{442CE9B2-8D75-4C09-86F4-3F3D644631D9}"/>
+              </a:ext>
+            </a:extLst>
+          </p:cNvPr>
+          <p:cNvSpPr/>
+          <p:nvPr/>
+        </p:nvSpPr>
+        <p:spPr>
+          <a:xfrm>
+            <a:off x="973202" y="3100230"/>
+            <a:ext cx="5466510" cy="1102286"/>
+          </a:xfrm>
+          <a:prstGeom prst="rect">
+            <a:avLst/>
+          </a:prstGeom>
+          <a:noFill/>
+          <a:ln w="31750">
+            <a:solidFill>
+              <a:srgbClr val="FF0000"/>
+            </a:solidFill>
+            <a:prstDash val="lgDash"/>
+          </a:ln>
+        </p:spPr>
+        <p:style>
+          <a:lnRef idx="2">
+            <a:schemeClr val="accent1">
+              <a:shade val="50000"/>
+            </a:schemeClr>
+          </a:lnRef>
+          <a:fillRef idx="1">
+            <a:schemeClr val="accent1"/>
+          </a:fillRef>
+          <a:effectRef idx="0">
+            <a:schemeClr val="accent1"/>
+          </a:effectRef>
+          <a:fontRef idx="minor">
+            <a:schemeClr val="lt1"/>
+          </a:fontRef>
+        </p:style>
+        <p:txBody>
+          <a:bodyPr rtlCol="0" anchor="ctr"/>
+          <a:lstStyle/>
+          <a:p>
+            <a:pPr algn="ctr"/>
+            <a:endParaRPr lang="ko-KR" altLang="en-US"/>
+          </a:p>
+        </p:txBody>
+      </p:sp>
+      <p:sp>
+        <p:nvSpPr>
+          <p:cNvPr id="17" name="TextBox 16">
+            <a:extLst>
+              <a:ext uri="{FF2B5EF4-FFF2-40B4-BE49-F238E27FC236}">
+                <a16:creationId xmlns:a16="http://schemas.microsoft.com/office/drawing/2014/main" id="{33CAF8A5-B638-4069-AACB-B5ADAAED51D0}"/>
+              </a:ext>
+            </a:extLst>
+          </p:cNvPr>
+          <p:cNvSpPr txBox="1"/>
+          <p:nvPr/>
+        </p:nvSpPr>
+        <p:spPr>
+          <a:xfrm>
+            <a:off x="7902045" y="1963686"/>
+            <a:ext cx="3327131" cy="461665"/>
+          </a:xfrm>
+          <a:prstGeom prst="rect">
+            <a:avLst/>
+          </a:prstGeom>
+          <a:noFill/>
+        </p:spPr>
+        <p:txBody>
+          <a:bodyPr wrap="square" rtlCol="0">
+            <a:spAutoFit/>
+          </a:bodyPr>
+          <a:lstStyle/>
+          <a:p>
+            <a:pPr algn="ctr"/>
+            <a:r>
+              <a:rPr lang="en-US" altLang="ko-KR" sz="2400" dirty="0"/>
+              <a:t>write 0 0x45</a:t>
+            </a:r>
+            <a:endParaRPr lang="ko-KR" altLang="en-US" sz="2400" dirty="0"/>
+          </a:p>
+        </p:txBody>
+      </p:sp>
+      <p:sp>
+        <p:nvSpPr>
+          <p:cNvPr id="18" name="사각형: 둥근 모서리 17">
+            <a:extLst>
+              <a:ext uri="{FF2B5EF4-FFF2-40B4-BE49-F238E27FC236}">
+                <a16:creationId xmlns:a16="http://schemas.microsoft.com/office/drawing/2014/main" id="{0F3CBEC1-BAFE-4822-A9C1-86CD7955C7A9}"/>
+              </a:ext>
+            </a:extLst>
+          </p:cNvPr>
+          <p:cNvSpPr/>
+          <p:nvPr/>
+        </p:nvSpPr>
+        <p:spPr>
+          <a:xfrm>
+            <a:off x="7681783" y="4004024"/>
+            <a:ext cx="3419096" cy="565626"/>
+          </a:xfrm>
+          <a:prstGeom prst="roundRect">
+            <a:avLst/>
+          </a:prstGeom>
+          <a:ln w="60325">
+            <a:solidFill>
+              <a:srgbClr val="FF0000"/>
+            </a:solidFill>
+          </a:ln>
+        </p:spPr>
+        <p:style>
+          <a:lnRef idx="2">
+            <a:schemeClr val="accent1">
+              <a:shade val="50000"/>
+            </a:schemeClr>
+          </a:lnRef>
+          <a:fillRef idx="1">
+            <a:schemeClr val="accent1"/>
+          </a:fillRef>
+          <a:effectRef idx="0">
+            <a:schemeClr val="accent1"/>
+          </a:effectRef>
+          <a:fontRef idx="minor">
+            <a:schemeClr val="lt1"/>
+          </a:fontRef>
+        </p:style>
+        <p:txBody>
+          <a:bodyPr rtlCol="0" anchor="ctr"/>
+          <a:lstStyle/>
+          <a:p>
+            <a:pPr algn="ctr"/>
+            <a:r>
+              <a:rPr lang="en-US" altLang="ko-KR" sz="2400" dirty="0"/>
+              <a:t>WriteCommandMapper</a:t>
+            </a:r>
+            <a:endParaRPr lang="ko-KR" altLang="en-US" sz="2400" dirty="0"/>
+          </a:p>
+        </p:txBody>
+      </p:sp>
+      <p:sp>
+        <p:nvSpPr>
+          <p:cNvPr id="16" name="TextBox 15">
+            <a:extLst>
+              <a:ext uri="{FF2B5EF4-FFF2-40B4-BE49-F238E27FC236}">
+                <a16:creationId xmlns:a16="http://schemas.microsoft.com/office/drawing/2014/main" id="{A074717E-6259-4DA9-AB8F-8C084F305D71}"/>
+              </a:ext>
+            </a:extLst>
+          </p:cNvPr>
+          <p:cNvSpPr txBox="1"/>
+          <p:nvPr/>
+        </p:nvSpPr>
+        <p:spPr>
+          <a:xfrm>
+            <a:off x="9256491" y="2903816"/>
+            <a:ext cx="716437" cy="307777"/>
+          </a:xfrm>
+          <a:prstGeom prst="rect">
+            <a:avLst/>
+          </a:prstGeom>
+          <a:noFill/>
+        </p:spPr>
+        <p:txBody>
+          <a:bodyPr wrap="square" rtlCol="0">
+            <a:spAutoFit/>
+          </a:bodyPr>
+          <a:lstStyle/>
+          <a:p>
+            <a:pPr algn="ctr"/>
+            <a:r>
+              <a:rPr lang="en-US" altLang="ko-KR" dirty="0"/>
+              <a:t>…</a:t>
+            </a:r>
+            <a:endParaRPr lang="ko-KR" altLang="en-US" dirty="0"/>
+          </a:p>
+        </p:txBody>
+      </p:sp>
+      <p:sp>
+        <p:nvSpPr>
+          <p:cNvPr id="22" name="화살표: 아래쪽 21">
+            <a:extLst>
+              <a:ext uri="{FF2B5EF4-FFF2-40B4-BE49-F238E27FC236}">
+                <a16:creationId xmlns:a16="http://schemas.microsoft.com/office/drawing/2014/main" id="{9A1B7D88-B706-4E27-A044-5DF95C065721}"/>
+              </a:ext>
+            </a:extLst>
+          </p:cNvPr>
+          <p:cNvSpPr/>
+          <p:nvPr/>
+        </p:nvSpPr>
+        <p:spPr>
+          <a:xfrm>
+            <a:off x="9424696" y="2529078"/>
+            <a:ext cx="356804" cy="392708"/>
+          </a:xfrm>
+          <a:prstGeom prst="downArrow">
+            <a:avLst/>
+          </a:prstGeom>
+        </p:spPr>
+        <p:style>
+          <a:lnRef idx="2">
+            <a:schemeClr val="accent1">
+              <a:shade val="50000"/>
+            </a:schemeClr>
+          </a:lnRef>
+          <a:fillRef idx="1">
+            <a:schemeClr val="accent1"/>
+          </a:fillRef>
+          <a:effectRef idx="0">
+            <a:schemeClr val="accent1"/>
+          </a:effectRef>
+          <a:fontRef idx="minor">
+            <a:schemeClr val="lt1"/>
+          </a:fontRef>
+        </p:style>
+        <p:txBody>
+          <a:bodyPr rtlCol="0" anchor="ctr"/>
+          <a:lstStyle/>
+          <a:p>
+            <a:pPr algn="ctr"/>
+            <a:endParaRPr lang="ko-KR" altLang="en-US"/>
+          </a:p>
+        </p:txBody>
+      </p:sp>
+      <p:pic>
+        <p:nvPicPr>
+          <p:cNvPr id="4" name="그림 3">
+            <a:extLst>
+              <a:ext uri="{FF2B5EF4-FFF2-40B4-BE49-F238E27FC236}">
+                <a16:creationId xmlns:a16="http://schemas.microsoft.com/office/drawing/2014/main" id="{93C0C1B5-7876-4059-B3CA-EF491C833658}"/>
+              </a:ext>
+            </a:extLst>
+          </p:cNvPr>
+          <p:cNvPicPr>
+            <a:picLocks noChangeAspect="1"/>
+          </p:cNvPicPr>
+          <p:nvPr/>
+        </p:nvPicPr>
+        <p:blipFill>
+          <a:blip r:embed="rId6"/>
+          <a:stretch>
+            <a:fillRect/>
+          </a:stretch>
+        </p:blipFill>
+        <p:spPr>
+          <a:xfrm>
+            <a:off x="387364" y="4773821"/>
+            <a:ext cx="6953250" cy="1552575"/>
+          </a:xfrm>
+          <a:prstGeom prst="rect">
+            <a:avLst/>
+          </a:prstGeom>
+          <a:ln w="25400">
+            <a:solidFill>
+              <a:srgbClr val="FF0000"/>
+            </a:solidFill>
+          </a:ln>
+        </p:spPr>
+      </p:pic>
+      <p:sp>
+        <p:nvSpPr>
+          <p:cNvPr id="5" name="화살표: 아래쪽 4">
+            <a:extLst>
+              <a:ext uri="{FF2B5EF4-FFF2-40B4-BE49-F238E27FC236}">
+                <a16:creationId xmlns:a16="http://schemas.microsoft.com/office/drawing/2014/main" id="{FACAE951-7D19-4EF2-97D2-ADE33E3CC6AC}"/>
+              </a:ext>
+            </a:extLst>
+          </p:cNvPr>
+          <p:cNvSpPr/>
+          <p:nvPr/>
+        </p:nvSpPr>
+        <p:spPr>
+          <a:xfrm rot="3689109">
+            <a:off x="7321899" y="4476105"/>
+            <a:ext cx="398615" cy="378537"/>
+          </a:xfrm>
+          <a:prstGeom prst="downArrow">
+            <a:avLst/>
+          </a:prstGeom>
+          <a:solidFill>
+            <a:srgbClr val="FF0000"/>
+          </a:solidFill>
+        </p:spPr>
+        <p:style>
+          <a:lnRef idx="2">
+            <a:schemeClr val="accent1">
+              <a:shade val="50000"/>
+            </a:schemeClr>
+          </a:lnRef>
+          <a:fillRef idx="1">
+            <a:schemeClr val="accent1"/>
+          </a:fillRef>
+          <a:effectRef idx="0">
+            <a:schemeClr val="accent1"/>
+          </a:effectRef>
+          <a:fontRef idx="minor">
+            <a:schemeClr val="lt1"/>
+          </a:fontRef>
+        </p:style>
+        <p:txBody>
+          <a:bodyPr rtlCol="0" anchor="ctr"/>
+          <a:lstStyle/>
+          <a:p>
+            <a:pPr algn="ctr"/>
+            <a:endParaRPr lang="ko-KR" altLang="en-US"/>
+          </a:p>
+        </p:txBody>
+      </p:sp>
+    </p:spTree>
+    <p:extLst>
+      <p:ext uri="{BB962C8B-B14F-4D97-AF65-F5344CB8AC3E}">
+        <p14:creationId xmlns:p14="http://schemas.microsoft.com/office/powerpoint/2010/main" val="552676954"/>
+      </p:ext>
+    </p:extLst>
+  </p:cSld>
+  <p:clrMapOvr>
+    <a:masterClrMapping/>
+  </p:clrMapOvr>
+</p:sld>
+</file>
+
+<file path=ppt/slides/slide11.xml><?xml version="1.0" encoding="utf-8"?>
+<p:sld xmlns:a="http://schemas.openxmlformats.org/drawingml/2006/main" xmlns:r="http://schemas.openxmlformats.org/officeDocument/2006/relationships" xmlns:p="http://schemas.openxmlformats.org/presentationml/2006/main">
+  <p:cSld>
+    <p:spTree>
+      <p:nvGrpSpPr>
+        <p:cNvPr id="1" name="Shape 58"/>
+        <p:cNvGrpSpPr/>
+        <p:nvPr/>
+      </p:nvGrpSpPr>
+      <p:grpSpPr>
+        <a:xfrm>
+          <a:off x="0" y="0"/>
+          <a:ext cx="0" cy="0"/>
+          <a:chOff x="0" y="0"/>
+          <a:chExt cx="0" cy="0"/>
+        </a:xfrm>
+      </p:grpSpPr>
+      <p:sp>
+        <p:nvSpPr>
+          <p:cNvPr id="20" name="사각형: 둥근 모서리 19">
+            <a:extLst>
+              <a:ext uri="{FF2B5EF4-FFF2-40B4-BE49-F238E27FC236}">
+                <a16:creationId xmlns:a16="http://schemas.microsoft.com/office/drawing/2014/main" id="{E974EAC3-14FC-42D1-948F-D897472D4D74}"/>
+              </a:ext>
+            </a:extLst>
+          </p:cNvPr>
+          <p:cNvSpPr/>
+          <p:nvPr/>
+        </p:nvSpPr>
+        <p:spPr>
+          <a:xfrm>
+            <a:off x="8218433" y="3368560"/>
+            <a:ext cx="3508990" cy="565626"/>
+          </a:xfrm>
+          <a:prstGeom prst="roundRect">
+            <a:avLst/>
+          </a:prstGeom>
+        </p:spPr>
+        <p:style>
+          <a:lnRef idx="2">
+            <a:schemeClr val="accent1">
+              <a:shade val="50000"/>
+            </a:schemeClr>
+          </a:lnRef>
+          <a:fillRef idx="1">
+            <a:schemeClr val="accent1"/>
+          </a:fillRef>
+          <a:effectRef idx="0">
+            <a:schemeClr val="accent1"/>
+          </a:effectRef>
+          <a:fontRef idx="minor">
+            <a:schemeClr val="lt1"/>
+          </a:fontRef>
+        </p:style>
+        <p:txBody>
+          <a:bodyPr rtlCol="0" anchor="ctr"/>
+          <a:lstStyle/>
+          <a:p>
+            <a:pPr algn="ctr"/>
+            <a:r>
+              <a:rPr lang="en-US" altLang="ko-KR" sz="2400" dirty="0" err="1"/>
+              <a:t>FlushCommandMapper</a:t>
+            </a:r>
+            <a:endParaRPr lang="ko-KR" altLang="en-US" sz="2400" dirty="0"/>
+          </a:p>
+        </p:txBody>
+      </p:sp>
+      <p:sp>
+        <p:nvSpPr>
+          <p:cNvPr id="19" name="사각형: 둥근 모서리 18">
+            <a:extLst>
+              <a:ext uri="{FF2B5EF4-FFF2-40B4-BE49-F238E27FC236}">
+                <a16:creationId xmlns:a16="http://schemas.microsoft.com/office/drawing/2014/main" id="{0CDC8687-917D-4AF8-AF63-2AC622745113}"/>
+              </a:ext>
+            </a:extLst>
+          </p:cNvPr>
+          <p:cNvSpPr/>
+          <p:nvPr/>
+        </p:nvSpPr>
+        <p:spPr>
+          <a:xfrm>
+            <a:off x="7950108" y="3686292"/>
+            <a:ext cx="3419096" cy="565626"/>
+          </a:xfrm>
+          <a:prstGeom prst="roundRect">
+            <a:avLst/>
+          </a:prstGeom>
+        </p:spPr>
+        <p:style>
+          <a:lnRef idx="2">
+            <a:schemeClr val="accent1">
+              <a:shade val="50000"/>
+            </a:schemeClr>
+          </a:lnRef>
+          <a:fillRef idx="1">
+            <a:schemeClr val="accent1"/>
+          </a:fillRef>
+          <a:effectRef idx="0">
+            <a:schemeClr val="accent1"/>
+          </a:effectRef>
+          <a:fontRef idx="minor">
+            <a:schemeClr val="lt1"/>
+          </a:fontRef>
+        </p:style>
+        <p:txBody>
+          <a:bodyPr rtlCol="0" anchor="ctr"/>
+          <a:lstStyle/>
+          <a:p>
+            <a:pPr algn="ctr"/>
+            <a:r>
+              <a:rPr lang="en-US" altLang="ko-KR" sz="2400" dirty="0"/>
+              <a:t>ReadCommandMapper</a:t>
+            </a:r>
+            <a:endParaRPr lang="ko-KR" altLang="en-US" sz="2400" dirty="0"/>
+          </a:p>
+        </p:txBody>
+      </p:sp>
+      <p:sp>
+        <p:nvSpPr>
+          <p:cNvPr id="11" name="사각형: 둥근 모서리 10">
+            <a:extLst>
+              <a:ext uri="{FF2B5EF4-FFF2-40B4-BE49-F238E27FC236}">
+                <a16:creationId xmlns:a16="http://schemas.microsoft.com/office/drawing/2014/main" id="{7CCD7760-E858-4527-A368-E8BBDA5EABBD}"/>
+              </a:ext>
+            </a:extLst>
+          </p:cNvPr>
+          <p:cNvSpPr/>
+          <p:nvPr/>
+        </p:nvSpPr>
+        <p:spPr>
+          <a:xfrm>
+            <a:off x="7300584" y="1415127"/>
+            <a:ext cx="4530055" cy="5132730"/>
+          </a:xfrm>
+          <a:prstGeom prst="roundRect">
+            <a:avLst/>
+          </a:prstGeom>
+          <a:noFill/>
+        </p:spPr>
+        <p:style>
+          <a:lnRef idx="2">
+            <a:schemeClr val="accent1">
+              <a:shade val="50000"/>
+            </a:schemeClr>
+          </a:lnRef>
+          <a:fillRef idx="1">
+            <a:schemeClr val="accent1"/>
+          </a:fillRef>
+          <a:effectRef idx="0">
+            <a:schemeClr val="accent1"/>
+          </a:effectRef>
+          <a:fontRef idx="minor">
+            <a:schemeClr val="lt1"/>
+          </a:fontRef>
+        </p:style>
+        <p:txBody>
+          <a:bodyPr rtlCol="0" anchor="ctr"/>
+          <a:lstStyle/>
+          <a:p>
+            <a:pPr algn="ctr"/>
+            <a:endParaRPr lang="ko-KR" altLang="en-US" sz="2400" dirty="0"/>
+          </a:p>
+        </p:txBody>
+      </p:sp>
+      <p:pic>
+        <p:nvPicPr>
+          <p:cNvPr id="3" name="그림 2">
+            <a:extLst>
+              <a:ext uri="{FF2B5EF4-FFF2-40B4-BE49-F238E27FC236}">
+                <a16:creationId xmlns:a16="http://schemas.microsoft.com/office/drawing/2014/main" id="{4DC65AC0-12C7-4130-879D-FD90F79ACCE6}"/>
+              </a:ext>
+            </a:extLst>
+          </p:cNvPr>
+          <p:cNvPicPr>
+            <a:picLocks noChangeAspect="1"/>
+          </p:cNvPicPr>
+          <p:nvPr/>
+        </p:nvPicPr>
+        <p:blipFill rotWithShape="1">
+          <a:blip r:embed="rId3">
+            <a:extLst>
+              <a:ext uri="{BEBA8EAE-BF5A-486C-A8C5-ECC9F3942E4B}">
+                <a14:imgProps xmlns:a14="http://schemas.microsoft.com/office/drawing/2010/main">
+                  <a14:imgLayer r:embed="rId4">
+                    <a14:imgEffect>
+                      <a14:artisticChalkSketch trans="51000"/>
+                    </a14:imgEffect>
+                  </a14:imgLayer>
+                </a14:imgProps>
+              </a:ext>
+            </a:extLst>
+          </a:blip>
+          <a:srcRect b="28166"/>
+          <a:stretch/>
+        </p:blipFill>
+        <p:spPr>
+          <a:xfrm>
+            <a:off x="464577" y="1143198"/>
+            <a:ext cx="6317002" cy="4557211"/>
+          </a:xfrm>
+          <a:prstGeom prst="rect">
+            <a:avLst/>
+          </a:prstGeom>
+        </p:spPr>
+      </p:pic>
+      <p:sp>
+        <p:nvSpPr>
+          <p:cNvPr id="59" name="Google Shape;59;p3"/>
+          <p:cNvSpPr txBox="1">
+            <a:spLocks noGrp="1"/>
+          </p:cNvSpPr>
+          <p:nvPr>
+            <p:ph type="title"/>
+          </p:nvPr>
+        </p:nvSpPr>
+        <p:spPr>
+          <a:xfrm>
+            <a:off x="605980" y="310143"/>
+            <a:ext cx="10515600" cy="649800"/>
+          </a:xfrm>
+          <a:prstGeom prst="rect">
+            <a:avLst/>
+          </a:prstGeom>
+          <a:noFill/>
+          <a:ln>
+            <a:noFill/>
+          </a:ln>
+        </p:spPr>
+        <p:txBody>
+          <a:bodyPr spcFirstLastPara="1" wrap="square" lIns="91425" tIns="45700" rIns="91425" bIns="45700" anchor="ctr" anchorCtr="0">
+            <a:normAutofit fontScale="90000"/>
+          </a:bodyPr>
+          <a:lstStyle/>
+          <a:p>
+            <a:pPr marL="0" lvl="0" indent="0" algn="l" rtl="0">
+              <a:lnSpc>
+                <a:spcPct val="90000"/>
+              </a:lnSpc>
+              <a:spcBef>
+                <a:spcPts val="0"/>
+              </a:spcBef>
+              <a:spcAft>
+                <a:spcPts val="0"/>
+              </a:spcAft>
+              <a:buClr>
+                <a:schemeClr val="dk1"/>
+              </a:buClr>
+              <a:buSzPts val="4400"/>
+              <a:buFont typeface="Malgun Gothic"/>
+              <a:buNone/>
+            </a:pPr>
+            <a:r>
+              <a:rPr lang="en-US" dirty="0"/>
+              <a:t>2. </a:t>
+            </a:r>
+            <a:r>
+              <a:rPr lang="ko-KR" altLang="en-US" dirty="0"/>
+              <a:t>기능 구현 소개 </a:t>
+            </a:r>
+            <a:r>
+              <a:rPr lang="en-US" altLang="ko-KR" dirty="0"/>
+              <a:t>- TestShell</a:t>
+            </a:r>
+            <a:endParaRPr dirty="0"/>
+          </a:p>
+        </p:txBody>
+      </p:sp>
+      <p:sp>
+        <p:nvSpPr>
+          <p:cNvPr id="14" name="사각형: 둥근 모서리 13">
+            <a:extLst>
+              <a:ext uri="{FF2B5EF4-FFF2-40B4-BE49-F238E27FC236}">
+                <a16:creationId xmlns:a16="http://schemas.microsoft.com/office/drawing/2014/main" id="{84128C04-A7E9-4B86-8D87-DD47060B448B}"/>
+              </a:ext>
+            </a:extLst>
+          </p:cNvPr>
+          <p:cNvSpPr/>
+          <p:nvPr/>
+        </p:nvSpPr>
+        <p:spPr>
+          <a:xfrm>
+            <a:off x="8120717" y="1143198"/>
+            <a:ext cx="2764409" cy="565626"/>
+          </a:xfrm>
+          <a:prstGeom prst="roundRect">
+            <a:avLst/>
+          </a:prstGeom>
+        </p:spPr>
+        <p:style>
+          <a:lnRef idx="2">
+            <a:schemeClr val="accent1">
+              <a:shade val="50000"/>
+            </a:schemeClr>
+          </a:lnRef>
+          <a:fillRef idx="1">
+            <a:schemeClr val="accent1"/>
+          </a:fillRef>
+          <a:effectRef idx="0">
+            <a:schemeClr val="accent1"/>
+          </a:effectRef>
+          <a:fontRef idx="minor">
+            <a:schemeClr val="lt1"/>
+          </a:fontRef>
+        </p:style>
+        <p:txBody>
+          <a:bodyPr rtlCol="0" anchor="ctr"/>
+          <a:lstStyle/>
+          <a:p>
+            <a:pPr algn="ctr"/>
+            <a:r>
+              <a:rPr lang="en-US" altLang="ko-KR" sz="2400" dirty="0"/>
+              <a:t>Application</a:t>
+            </a:r>
+            <a:endParaRPr lang="ko-KR" altLang="en-US" sz="2400" dirty="0"/>
+          </a:p>
+        </p:txBody>
+      </p:sp>
+      <p:pic>
+        <p:nvPicPr>
+          <p:cNvPr id="8" name="그림 7">
+            <a:extLst>
+              <a:ext uri="{FF2B5EF4-FFF2-40B4-BE49-F238E27FC236}">
+                <a16:creationId xmlns:a16="http://schemas.microsoft.com/office/drawing/2014/main" id="{572B42B2-11F4-468E-B386-51C8B8AE40C9}"/>
+              </a:ext>
+            </a:extLst>
+          </p:cNvPr>
+          <p:cNvPicPr>
+            <a:picLocks noChangeAspect="1"/>
+          </p:cNvPicPr>
+          <p:nvPr/>
+        </p:nvPicPr>
+        <p:blipFill>
+          <a:blip r:embed="rId5"/>
+          <a:stretch>
+            <a:fillRect/>
+          </a:stretch>
+        </p:blipFill>
+        <p:spPr>
+          <a:xfrm>
+            <a:off x="733956" y="1582258"/>
+            <a:ext cx="6408808" cy="3907365"/>
+          </a:xfrm>
+          <a:prstGeom prst="rect">
+            <a:avLst/>
+          </a:prstGeom>
+        </p:spPr>
+      </p:pic>
+      <p:sp>
+        <p:nvSpPr>
+          <p:cNvPr id="10" name="직사각형 9">
+            <a:extLst>
+              <a:ext uri="{FF2B5EF4-FFF2-40B4-BE49-F238E27FC236}">
+                <a16:creationId xmlns:a16="http://schemas.microsoft.com/office/drawing/2014/main" id="{442CE9B2-8D75-4C09-86F4-3F3D644631D9}"/>
+              </a:ext>
+            </a:extLst>
+          </p:cNvPr>
+          <p:cNvSpPr/>
+          <p:nvPr/>
+        </p:nvSpPr>
+        <p:spPr>
+          <a:xfrm>
+            <a:off x="1104313" y="4251918"/>
+            <a:ext cx="5677265" cy="317732"/>
+          </a:xfrm>
+          <a:prstGeom prst="rect">
+            <a:avLst/>
+          </a:prstGeom>
+          <a:noFill/>
+          <a:ln w="31750">
+            <a:solidFill>
+              <a:srgbClr val="FF0000"/>
+            </a:solidFill>
+            <a:prstDash val="lgDash"/>
+          </a:ln>
+        </p:spPr>
+        <p:style>
+          <a:lnRef idx="2">
+            <a:schemeClr val="accent1">
+              <a:shade val="50000"/>
+            </a:schemeClr>
+          </a:lnRef>
+          <a:fillRef idx="1">
+            <a:schemeClr val="accent1"/>
+          </a:fillRef>
+          <a:effectRef idx="0">
+            <a:schemeClr val="accent1"/>
+          </a:effectRef>
+          <a:fontRef idx="minor">
+            <a:schemeClr val="lt1"/>
+          </a:fontRef>
+        </p:style>
+        <p:txBody>
+          <a:bodyPr rtlCol="0" anchor="ctr"/>
+          <a:lstStyle/>
+          <a:p>
+            <a:pPr algn="ctr"/>
+            <a:endParaRPr lang="ko-KR" altLang="en-US"/>
+          </a:p>
+        </p:txBody>
+      </p:sp>
+      <p:sp>
+        <p:nvSpPr>
+          <p:cNvPr id="17" name="TextBox 16">
+            <a:extLst>
+              <a:ext uri="{FF2B5EF4-FFF2-40B4-BE49-F238E27FC236}">
+                <a16:creationId xmlns:a16="http://schemas.microsoft.com/office/drawing/2014/main" id="{33CAF8A5-B638-4069-AACB-B5ADAAED51D0}"/>
+              </a:ext>
+            </a:extLst>
+          </p:cNvPr>
+          <p:cNvSpPr txBox="1"/>
+          <p:nvPr/>
+        </p:nvSpPr>
+        <p:spPr>
+          <a:xfrm>
+            <a:off x="7902045" y="1963686"/>
+            <a:ext cx="3327131" cy="461665"/>
+          </a:xfrm>
+          <a:prstGeom prst="rect">
+            <a:avLst/>
+          </a:prstGeom>
+          <a:noFill/>
+        </p:spPr>
+        <p:txBody>
+          <a:bodyPr wrap="square" rtlCol="0">
+            <a:spAutoFit/>
+          </a:bodyPr>
+          <a:lstStyle/>
+          <a:p>
+            <a:pPr algn="ctr"/>
+            <a:r>
+              <a:rPr lang="en-US" altLang="ko-KR" sz="2400" dirty="0"/>
+              <a:t>write 0 0x45</a:t>
+            </a:r>
+            <a:endParaRPr lang="ko-KR" altLang="en-US" sz="2400" dirty="0"/>
+          </a:p>
+        </p:txBody>
+      </p:sp>
+      <p:sp>
+        <p:nvSpPr>
+          <p:cNvPr id="18" name="사각형: 둥근 모서리 17">
+            <a:extLst>
+              <a:ext uri="{FF2B5EF4-FFF2-40B4-BE49-F238E27FC236}">
+                <a16:creationId xmlns:a16="http://schemas.microsoft.com/office/drawing/2014/main" id="{0F3CBEC1-BAFE-4822-A9C1-86CD7955C7A9}"/>
+              </a:ext>
+            </a:extLst>
+          </p:cNvPr>
+          <p:cNvSpPr/>
+          <p:nvPr/>
+        </p:nvSpPr>
+        <p:spPr>
+          <a:xfrm>
+            <a:off x="7681783" y="4004024"/>
+            <a:ext cx="3419096" cy="565626"/>
+          </a:xfrm>
+          <a:prstGeom prst="roundRect">
+            <a:avLst/>
+          </a:prstGeom>
+          <a:ln w="60325">
+            <a:solidFill>
+              <a:srgbClr val="FF0000"/>
+            </a:solidFill>
+          </a:ln>
+        </p:spPr>
+        <p:style>
+          <a:lnRef idx="2">
+            <a:schemeClr val="accent1">
+              <a:shade val="50000"/>
+            </a:schemeClr>
+          </a:lnRef>
+          <a:fillRef idx="1">
+            <a:schemeClr val="accent1"/>
+          </a:fillRef>
+          <a:effectRef idx="0">
+            <a:schemeClr val="accent1"/>
+          </a:effectRef>
+          <a:fontRef idx="minor">
+            <a:schemeClr val="lt1"/>
+          </a:fontRef>
+        </p:style>
+        <p:txBody>
+          <a:bodyPr rtlCol="0" anchor="ctr"/>
+          <a:lstStyle/>
+          <a:p>
+            <a:pPr algn="ctr"/>
+            <a:r>
+              <a:rPr lang="en-US" altLang="ko-KR" sz="2400" dirty="0"/>
+              <a:t>WriteCommandMapper</a:t>
+            </a:r>
+            <a:endParaRPr lang="ko-KR" altLang="en-US" sz="2400" dirty="0"/>
+          </a:p>
+        </p:txBody>
+      </p:sp>
+      <p:sp>
+        <p:nvSpPr>
+          <p:cNvPr id="16" name="TextBox 15">
+            <a:extLst>
+              <a:ext uri="{FF2B5EF4-FFF2-40B4-BE49-F238E27FC236}">
+                <a16:creationId xmlns:a16="http://schemas.microsoft.com/office/drawing/2014/main" id="{A074717E-6259-4DA9-AB8F-8C084F305D71}"/>
+              </a:ext>
+            </a:extLst>
+          </p:cNvPr>
+          <p:cNvSpPr txBox="1"/>
+          <p:nvPr/>
+        </p:nvSpPr>
+        <p:spPr>
+          <a:xfrm>
+            <a:off x="9256491" y="2903816"/>
+            <a:ext cx="716437" cy="307777"/>
+          </a:xfrm>
+          <a:prstGeom prst="rect">
+            <a:avLst/>
+          </a:prstGeom>
+          <a:noFill/>
+        </p:spPr>
+        <p:txBody>
+          <a:bodyPr wrap="square" rtlCol="0">
+            <a:spAutoFit/>
+          </a:bodyPr>
+          <a:lstStyle/>
+          <a:p>
+            <a:pPr algn="ctr"/>
+            <a:r>
+              <a:rPr lang="en-US" altLang="ko-KR" dirty="0"/>
+              <a:t>…</a:t>
+            </a:r>
+            <a:endParaRPr lang="ko-KR" altLang="en-US" dirty="0"/>
+          </a:p>
+        </p:txBody>
+      </p:sp>
+      <p:sp>
+        <p:nvSpPr>
+          <p:cNvPr id="22" name="화살표: 아래쪽 21">
+            <a:extLst>
+              <a:ext uri="{FF2B5EF4-FFF2-40B4-BE49-F238E27FC236}">
+                <a16:creationId xmlns:a16="http://schemas.microsoft.com/office/drawing/2014/main" id="{9A1B7D88-B706-4E27-A044-5DF95C065721}"/>
+              </a:ext>
+            </a:extLst>
+          </p:cNvPr>
+          <p:cNvSpPr/>
+          <p:nvPr/>
+        </p:nvSpPr>
+        <p:spPr>
+          <a:xfrm>
+            <a:off x="9424696" y="2529078"/>
+            <a:ext cx="356804" cy="392708"/>
+          </a:xfrm>
+          <a:prstGeom prst="downArrow">
+            <a:avLst/>
+          </a:prstGeom>
+        </p:spPr>
+        <p:style>
+          <a:lnRef idx="2">
+            <a:schemeClr val="accent1">
+              <a:shade val="50000"/>
+            </a:schemeClr>
+          </a:lnRef>
+          <a:fillRef idx="1">
+            <a:schemeClr val="accent1"/>
+          </a:fillRef>
+          <a:effectRef idx="0">
+            <a:schemeClr val="accent1"/>
+          </a:effectRef>
+          <a:fontRef idx="minor">
+            <a:schemeClr val="lt1"/>
+          </a:fontRef>
+        </p:style>
+        <p:txBody>
+          <a:bodyPr rtlCol="0" anchor="ctr"/>
+          <a:lstStyle/>
+          <a:p>
+            <a:pPr algn="ctr"/>
+            <a:endParaRPr lang="ko-KR" altLang="en-US"/>
+          </a:p>
+        </p:txBody>
+      </p:sp>
+      <p:sp>
+        <p:nvSpPr>
+          <p:cNvPr id="23" name="사각형: 둥근 모서리 22">
+            <a:extLst>
+              <a:ext uri="{FF2B5EF4-FFF2-40B4-BE49-F238E27FC236}">
+                <a16:creationId xmlns:a16="http://schemas.microsoft.com/office/drawing/2014/main" id="{68BC3FE3-51A6-4A39-B8EA-8D936829FD82}"/>
+              </a:ext>
+            </a:extLst>
+          </p:cNvPr>
+          <p:cNvSpPr/>
+          <p:nvPr/>
+        </p:nvSpPr>
+        <p:spPr>
+          <a:xfrm>
+            <a:off x="7893550" y="5195127"/>
+            <a:ext cx="3419096" cy="1166761"/>
+          </a:xfrm>
+          <a:prstGeom prst="roundRect">
+            <a:avLst/>
+          </a:prstGeom>
+        </p:spPr>
+        <p:style>
+          <a:lnRef idx="2">
+            <a:schemeClr val="accent1">
+              <a:shade val="50000"/>
+            </a:schemeClr>
+          </a:lnRef>
+          <a:fillRef idx="1">
+            <a:schemeClr val="accent1"/>
+          </a:fillRef>
+          <a:effectRef idx="0">
+            <a:schemeClr val="accent1"/>
+          </a:effectRef>
+          <a:fontRef idx="minor">
+            <a:schemeClr val="lt1"/>
+          </a:fontRef>
+        </p:style>
+        <p:txBody>
+          <a:bodyPr rtlCol="0" anchor="ctr"/>
+          <a:lstStyle/>
+          <a:p>
+            <a:pPr algn="ctr"/>
+            <a:r>
+              <a:rPr lang="en-US" altLang="ko-KR" sz="2400" dirty="0"/>
+              <a:t>WriteCommand</a:t>
+            </a:r>
+          </a:p>
+          <a:p>
+            <a:pPr algn="ctr"/>
+            <a:r>
+              <a:rPr lang="en-US" altLang="ko-KR" sz="2400" dirty="0"/>
+              <a:t>(LBA: 0, Data: 0x45)</a:t>
+            </a:r>
+            <a:endParaRPr lang="ko-KR" altLang="en-US" sz="2400" dirty="0"/>
+          </a:p>
+        </p:txBody>
+      </p:sp>
+      <p:sp>
+        <p:nvSpPr>
+          <p:cNvPr id="24" name="화살표: 아래쪽 23">
+            <a:extLst>
+              <a:ext uri="{FF2B5EF4-FFF2-40B4-BE49-F238E27FC236}">
+                <a16:creationId xmlns:a16="http://schemas.microsoft.com/office/drawing/2014/main" id="{698F3549-A47E-4D69-8315-2B1CB225DCBB}"/>
+              </a:ext>
+            </a:extLst>
+          </p:cNvPr>
+          <p:cNvSpPr/>
+          <p:nvPr/>
+        </p:nvSpPr>
+        <p:spPr>
+          <a:xfrm>
+            <a:off x="9436307" y="4665374"/>
+            <a:ext cx="356804" cy="392708"/>
+          </a:xfrm>
+          <a:prstGeom prst="downArrow">
+            <a:avLst/>
+          </a:prstGeom>
+        </p:spPr>
+        <p:style>
+          <a:lnRef idx="2">
+            <a:schemeClr val="accent1">
+              <a:shade val="50000"/>
+            </a:schemeClr>
+          </a:lnRef>
+          <a:fillRef idx="1">
+            <a:schemeClr val="accent1"/>
+          </a:fillRef>
+          <a:effectRef idx="0">
+            <a:schemeClr val="accent1"/>
+          </a:effectRef>
+          <a:fontRef idx="minor">
+            <a:schemeClr val="lt1"/>
+          </a:fontRef>
+        </p:style>
+        <p:txBody>
+          <a:bodyPr rtlCol="0" anchor="ctr"/>
+          <a:lstStyle/>
+          <a:p>
+            <a:pPr algn="ctr"/>
+            <a:endParaRPr lang="ko-KR" altLang="en-US"/>
+          </a:p>
+        </p:txBody>
+      </p:sp>
+    </p:spTree>
+    <p:extLst>
+      <p:ext uri="{BB962C8B-B14F-4D97-AF65-F5344CB8AC3E}">
+        <p14:creationId xmlns:p14="http://schemas.microsoft.com/office/powerpoint/2010/main" val="3725413656"/>
+      </p:ext>
+    </p:extLst>
+  </p:cSld>
+  <p:clrMapOvr>
+    <a:masterClrMapping/>
+  </p:clrMapOvr>
+</p:sld>
+</file>
+
+<file path=ppt/slides/slide12.xml><?xml version="1.0" encoding="utf-8"?>
+<p:sld xmlns:a="http://schemas.openxmlformats.org/drawingml/2006/main" xmlns:r="http://schemas.openxmlformats.org/officeDocument/2006/relationships" xmlns:p="http://schemas.openxmlformats.org/presentationml/2006/main">
+  <p:cSld>
+    <p:spTree>
+      <p:nvGrpSpPr>
+        <p:cNvPr id="1" name="Shape 58"/>
+        <p:cNvGrpSpPr/>
+        <p:nvPr/>
+      </p:nvGrpSpPr>
+      <p:grpSpPr>
+        <a:xfrm>
+          <a:off x="0" y="0"/>
+          <a:ext cx="0" cy="0"/>
+          <a:chOff x="0" y="0"/>
+          <a:chExt cx="0" cy="0"/>
+        </a:xfrm>
+      </p:grpSpPr>
+      <p:pic>
+        <p:nvPicPr>
+          <p:cNvPr id="3" name="그림 2">
+            <a:extLst>
+              <a:ext uri="{FF2B5EF4-FFF2-40B4-BE49-F238E27FC236}">
+                <a16:creationId xmlns:a16="http://schemas.microsoft.com/office/drawing/2014/main" id="{4DC65AC0-12C7-4130-879D-FD90F79ACCE6}"/>
+              </a:ext>
+            </a:extLst>
+          </p:cNvPr>
+          <p:cNvPicPr>
+            <a:picLocks noChangeAspect="1"/>
+          </p:cNvPicPr>
+          <p:nvPr/>
+        </p:nvPicPr>
+        <p:blipFill rotWithShape="1">
+          <a:blip r:embed="rId3"/>
+          <a:srcRect b="28166"/>
+          <a:stretch/>
+        </p:blipFill>
+        <p:spPr>
+          <a:xfrm>
+            <a:off x="464577" y="1143198"/>
+            <a:ext cx="6317002" cy="4557211"/>
+          </a:xfrm>
+          <a:prstGeom prst="rect">
+            <a:avLst/>
+          </a:prstGeom>
+        </p:spPr>
+      </p:pic>
+      <p:sp>
+        <p:nvSpPr>
+          <p:cNvPr id="59" name="Google Shape;59;p3"/>
+          <p:cNvSpPr txBox="1">
+            <a:spLocks noGrp="1"/>
+          </p:cNvSpPr>
+          <p:nvPr>
+            <p:ph type="title"/>
+          </p:nvPr>
+        </p:nvSpPr>
+        <p:spPr>
+          <a:xfrm>
+            <a:off x="605980" y="310143"/>
+            <a:ext cx="10515600" cy="649800"/>
+          </a:xfrm>
+          <a:prstGeom prst="rect">
+            <a:avLst/>
+          </a:prstGeom>
+          <a:noFill/>
+          <a:ln>
+            <a:noFill/>
+          </a:ln>
+        </p:spPr>
+        <p:txBody>
+          <a:bodyPr spcFirstLastPara="1" wrap="square" lIns="91425" tIns="45700" rIns="91425" bIns="45700" anchor="ctr" anchorCtr="0">
+            <a:normAutofit fontScale="90000"/>
+          </a:bodyPr>
+          <a:lstStyle/>
+          <a:p>
+            <a:pPr marL="0" lvl="0" indent="0" algn="l" rtl="0">
+              <a:lnSpc>
+                <a:spcPct val="90000"/>
+              </a:lnSpc>
+              <a:spcBef>
+                <a:spcPts val="0"/>
+              </a:spcBef>
+              <a:spcAft>
+                <a:spcPts val="0"/>
+              </a:spcAft>
+              <a:buClr>
+                <a:schemeClr val="dk1"/>
+              </a:buClr>
+              <a:buSzPts val="4400"/>
+              <a:buFont typeface="Malgun Gothic"/>
+              <a:buNone/>
+            </a:pPr>
+            <a:r>
+              <a:rPr lang="en-US" dirty="0"/>
+              <a:t>2. </a:t>
+            </a:r>
+            <a:r>
+              <a:rPr lang="ko-KR" altLang="en-US" dirty="0"/>
+              <a:t>기능 구현 소개 </a:t>
+            </a:r>
+            <a:r>
+              <a:rPr lang="en-US" altLang="ko-KR" dirty="0"/>
+              <a:t>- TestShell</a:t>
+            </a:r>
+            <a:endParaRPr dirty="0"/>
+          </a:p>
+        </p:txBody>
+      </p:sp>
+      <p:sp>
+        <p:nvSpPr>
+          <p:cNvPr id="10" name="직사각형 9">
+            <a:extLst>
+              <a:ext uri="{FF2B5EF4-FFF2-40B4-BE49-F238E27FC236}">
+                <a16:creationId xmlns:a16="http://schemas.microsoft.com/office/drawing/2014/main" id="{442CE9B2-8D75-4C09-86F4-3F3D644631D9}"/>
+              </a:ext>
+            </a:extLst>
+          </p:cNvPr>
+          <p:cNvSpPr/>
+          <p:nvPr/>
+        </p:nvSpPr>
+        <p:spPr>
+          <a:xfrm>
+            <a:off x="1223587" y="4161607"/>
+            <a:ext cx="5177213" cy="503767"/>
+          </a:xfrm>
+          <a:prstGeom prst="rect">
+            <a:avLst/>
+          </a:prstGeom>
+          <a:noFill/>
+          <a:ln w="31750">
+            <a:solidFill>
+              <a:srgbClr val="FF0000"/>
+            </a:solidFill>
+            <a:prstDash val="lgDash"/>
+          </a:ln>
+        </p:spPr>
+        <p:style>
+          <a:lnRef idx="2">
+            <a:schemeClr val="accent1">
+              <a:shade val="50000"/>
+            </a:schemeClr>
+          </a:lnRef>
+          <a:fillRef idx="1">
+            <a:schemeClr val="accent1"/>
+          </a:fillRef>
+          <a:effectRef idx="0">
+            <a:schemeClr val="accent1"/>
+          </a:effectRef>
+          <a:fontRef idx="minor">
+            <a:schemeClr val="lt1"/>
+          </a:fontRef>
+        </p:style>
+        <p:txBody>
+          <a:bodyPr rtlCol="0" anchor="ctr"/>
+          <a:lstStyle/>
+          <a:p>
+            <a:pPr algn="ctr"/>
+            <a:endParaRPr lang="ko-KR" altLang="en-US"/>
+          </a:p>
+        </p:txBody>
+      </p:sp>
+      <p:sp>
+        <p:nvSpPr>
+          <p:cNvPr id="23" name="사각형: 둥근 모서리 22">
+            <a:extLst>
+              <a:ext uri="{FF2B5EF4-FFF2-40B4-BE49-F238E27FC236}">
+                <a16:creationId xmlns:a16="http://schemas.microsoft.com/office/drawing/2014/main" id="{68BC3FE3-51A6-4A39-B8EA-8D936829FD82}"/>
+              </a:ext>
+            </a:extLst>
+          </p:cNvPr>
+          <p:cNvSpPr/>
+          <p:nvPr/>
+        </p:nvSpPr>
+        <p:spPr>
+          <a:xfrm>
+            <a:off x="7702485" y="1443420"/>
+            <a:ext cx="3419096" cy="1166761"/>
+          </a:xfrm>
+          <a:prstGeom prst="roundRect">
+            <a:avLst/>
+          </a:prstGeom>
+        </p:spPr>
+        <p:style>
+          <a:lnRef idx="2">
+            <a:schemeClr val="accent1">
+              <a:shade val="50000"/>
+            </a:schemeClr>
+          </a:lnRef>
+          <a:fillRef idx="1">
+            <a:schemeClr val="accent1"/>
+          </a:fillRef>
+          <a:effectRef idx="0">
+            <a:schemeClr val="accent1"/>
+          </a:effectRef>
+          <a:fontRef idx="minor">
+            <a:schemeClr val="lt1"/>
+          </a:fontRef>
+        </p:style>
+        <p:txBody>
+          <a:bodyPr rtlCol="0" anchor="ctr"/>
+          <a:lstStyle/>
+          <a:p>
+            <a:pPr algn="ctr"/>
+            <a:r>
+              <a:rPr lang="en-US" altLang="ko-KR" sz="2400" dirty="0"/>
+              <a:t>WriteCommand</a:t>
+            </a:r>
+          </a:p>
+          <a:p>
+            <a:pPr algn="ctr"/>
+            <a:r>
+              <a:rPr lang="en-US" altLang="ko-KR" sz="2400" dirty="0"/>
+              <a:t>(LBA: 0, Data: 0x45)</a:t>
+            </a:r>
+            <a:endParaRPr lang="ko-KR" altLang="en-US" sz="2400" dirty="0"/>
+          </a:p>
+        </p:txBody>
+      </p:sp>
+      <p:sp>
+        <p:nvSpPr>
+          <p:cNvPr id="9" name="TextBox 8">
+            <a:extLst>
+              <a:ext uri="{FF2B5EF4-FFF2-40B4-BE49-F238E27FC236}">
+                <a16:creationId xmlns:a16="http://schemas.microsoft.com/office/drawing/2014/main" id="{78B1022B-CD3A-41E7-9B3E-55048FC31702}"/>
+              </a:ext>
+            </a:extLst>
+          </p:cNvPr>
+          <p:cNvSpPr txBox="1"/>
+          <p:nvPr/>
+        </p:nvSpPr>
+        <p:spPr>
+          <a:xfrm>
+            <a:off x="7702485" y="2787743"/>
+            <a:ext cx="3419096" cy="461665"/>
+          </a:xfrm>
+          <a:prstGeom prst="rect">
+            <a:avLst/>
+          </a:prstGeom>
+          <a:noFill/>
+        </p:spPr>
+        <p:txBody>
+          <a:bodyPr wrap="square" rtlCol="0">
+            <a:spAutoFit/>
+          </a:bodyPr>
+          <a:lstStyle/>
+          <a:p>
+            <a:r>
+              <a:rPr lang="en-US" altLang="ko-KR" sz="2400" dirty="0" err="1"/>
+              <a:t>IView</a:t>
+            </a:r>
+            <a:r>
+              <a:rPr lang="en-US" altLang="ko-KR" sz="2400" dirty="0"/>
+              <a:t>* view = Execute();</a:t>
+            </a:r>
+            <a:endParaRPr lang="ko-KR" altLang="en-US" sz="2400" dirty="0"/>
+          </a:p>
+        </p:txBody>
+      </p:sp>
+      <p:sp>
+        <p:nvSpPr>
+          <p:cNvPr id="12" name="화살표: 아래쪽 11">
+            <a:extLst>
+              <a:ext uri="{FF2B5EF4-FFF2-40B4-BE49-F238E27FC236}">
+                <a16:creationId xmlns:a16="http://schemas.microsoft.com/office/drawing/2014/main" id="{94589158-B50C-45E0-BD1B-5BCB76A7812E}"/>
+              </a:ext>
+            </a:extLst>
+          </p:cNvPr>
+          <p:cNvSpPr/>
+          <p:nvPr/>
+        </p:nvSpPr>
+        <p:spPr>
+          <a:xfrm>
+            <a:off x="9257950" y="3329078"/>
+            <a:ext cx="308165" cy="559029"/>
+          </a:xfrm>
+          <a:prstGeom prst="downArrow">
+            <a:avLst/>
+          </a:prstGeom>
+        </p:spPr>
+        <p:style>
+          <a:lnRef idx="2">
+            <a:schemeClr val="accent1">
+              <a:shade val="50000"/>
+            </a:schemeClr>
+          </a:lnRef>
+          <a:fillRef idx="1">
+            <a:schemeClr val="accent1"/>
+          </a:fillRef>
+          <a:effectRef idx="0">
+            <a:schemeClr val="accent1"/>
+          </a:effectRef>
+          <a:fontRef idx="minor">
+            <a:schemeClr val="lt1"/>
+          </a:fontRef>
+        </p:style>
+        <p:txBody>
+          <a:bodyPr rtlCol="0" anchor="ctr"/>
+          <a:lstStyle/>
+          <a:p>
+            <a:pPr algn="ctr"/>
+            <a:endParaRPr lang="ko-KR" altLang="en-US"/>
+          </a:p>
+        </p:txBody>
+      </p:sp>
+      <p:sp>
+        <p:nvSpPr>
+          <p:cNvPr id="13" name="사각형: 둥근 모서리 12">
+            <a:extLst>
+              <a:ext uri="{FF2B5EF4-FFF2-40B4-BE49-F238E27FC236}">
+                <a16:creationId xmlns:a16="http://schemas.microsoft.com/office/drawing/2014/main" id="{D51D88C0-608B-49C0-9C6F-CA19EBFD49FC}"/>
+              </a:ext>
+            </a:extLst>
+          </p:cNvPr>
+          <p:cNvSpPr/>
+          <p:nvPr/>
+        </p:nvSpPr>
+        <p:spPr>
+          <a:xfrm>
+            <a:off x="7702485" y="4074781"/>
+            <a:ext cx="3419096" cy="461665"/>
+          </a:xfrm>
+          <a:prstGeom prst="roundRect">
+            <a:avLst/>
+          </a:prstGeom>
+        </p:spPr>
+        <p:style>
+          <a:lnRef idx="2">
+            <a:schemeClr val="accent1">
+              <a:shade val="50000"/>
+            </a:schemeClr>
+          </a:lnRef>
+          <a:fillRef idx="1">
+            <a:schemeClr val="accent1"/>
+          </a:fillRef>
+          <a:effectRef idx="0">
+            <a:schemeClr val="accent1"/>
+          </a:effectRef>
+          <a:fontRef idx="minor">
+            <a:schemeClr val="lt1"/>
+          </a:fontRef>
+        </p:style>
+        <p:txBody>
+          <a:bodyPr rtlCol="0" anchor="ctr"/>
+          <a:lstStyle/>
+          <a:p>
+            <a:pPr algn="ctr"/>
+            <a:r>
+              <a:rPr lang="en-US" altLang="ko-KR" sz="2400" dirty="0"/>
+              <a:t>WriteView</a:t>
+            </a:r>
+            <a:endParaRPr lang="ko-KR" altLang="en-US" sz="2400" dirty="0"/>
+          </a:p>
+        </p:txBody>
+      </p:sp>
+      <p:sp>
+        <p:nvSpPr>
+          <p:cNvPr id="14" name="직사각형 13">
+            <a:extLst>
+              <a:ext uri="{FF2B5EF4-FFF2-40B4-BE49-F238E27FC236}">
+                <a16:creationId xmlns:a16="http://schemas.microsoft.com/office/drawing/2014/main" id="{088D8AF0-6C23-45D8-8543-6AE2697E463D}"/>
+              </a:ext>
+            </a:extLst>
+          </p:cNvPr>
+          <p:cNvSpPr/>
+          <p:nvPr/>
+        </p:nvSpPr>
+        <p:spPr>
+          <a:xfrm>
+            <a:off x="7480570" y="2765837"/>
+            <a:ext cx="4095345" cy="503767"/>
+          </a:xfrm>
+          <a:prstGeom prst="rect">
+            <a:avLst/>
+          </a:prstGeom>
+          <a:noFill/>
+          <a:ln w="31750">
+            <a:solidFill>
+              <a:srgbClr val="FF0000"/>
+            </a:solidFill>
+            <a:prstDash val="lgDash"/>
+          </a:ln>
+        </p:spPr>
+        <p:style>
+          <a:lnRef idx="2">
+            <a:schemeClr val="accent1">
+              <a:shade val="50000"/>
+            </a:schemeClr>
+          </a:lnRef>
+          <a:fillRef idx="1">
+            <a:schemeClr val="accent1"/>
+          </a:fillRef>
+          <a:effectRef idx="0">
+            <a:schemeClr val="accent1"/>
+          </a:effectRef>
+          <a:fontRef idx="minor">
+            <a:schemeClr val="lt1"/>
+          </a:fontRef>
+        </p:style>
+        <p:txBody>
+          <a:bodyPr rtlCol="0" anchor="ctr"/>
+          <a:lstStyle/>
+          <a:p>
+            <a:pPr algn="ctr"/>
+            <a:endParaRPr lang="ko-KR" altLang="en-US"/>
+          </a:p>
+        </p:txBody>
+      </p:sp>
+    </p:spTree>
+    <p:extLst>
+      <p:ext uri="{BB962C8B-B14F-4D97-AF65-F5344CB8AC3E}">
+        <p14:creationId xmlns:p14="http://schemas.microsoft.com/office/powerpoint/2010/main" val="2865550197"/>
+      </p:ext>
+    </p:extLst>
+  </p:cSld>
+  <p:clrMapOvr>
+    <a:masterClrMapping/>
+  </p:clrMapOvr>
+</p:sld>
+</file>
+
+<file path=ppt/slides/slide13.xml><?xml version="1.0" encoding="utf-8"?>
+<p:sld xmlns:a="http://schemas.openxmlformats.org/drawingml/2006/main" xmlns:r="http://schemas.openxmlformats.org/officeDocument/2006/relationships" xmlns:p="http://schemas.openxmlformats.org/presentationml/2006/main">
+  <p:cSld>
+    <p:spTree>
+      <p:nvGrpSpPr>
+        <p:cNvPr id="1" name="Shape 58"/>
+        <p:cNvGrpSpPr/>
+        <p:nvPr/>
+      </p:nvGrpSpPr>
+      <p:grpSpPr>
+        <a:xfrm>
+          <a:off x="0" y="0"/>
+          <a:ext cx="0" cy="0"/>
+          <a:chOff x="0" y="0"/>
+          <a:chExt cx="0" cy="0"/>
+        </a:xfrm>
+      </p:grpSpPr>
+      <p:pic>
+        <p:nvPicPr>
+          <p:cNvPr id="3" name="그림 2">
+            <a:extLst>
+              <a:ext uri="{FF2B5EF4-FFF2-40B4-BE49-F238E27FC236}">
+                <a16:creationId xmlns:a16="http://schemas.microsoft.com/office/drawing/2014/main" id="{4DC65AC0-12C7-4130-879D-FD90F79ACCE6}"/>
+              </a:ext>
+            </a:extLst>
+          </p:cNvPr>
+          <p:cNvPicPr>
+            <a:picLocks noChangeAspect="1"/>
+          </p:cNvPicPr>
+          <p:nvPr/>
+        </p:nvPicPr>
+        <p:blipFill rotWithShape="1">
+          <a:blip r:embed="rId3">
+            <a:extLst>
+              <a:ext uri="{BEBA8EAE-BF5A-486C-A8C5-ECC9F3942E4B}">
+                <a14:imgProps xmlns:a14="http://schemas.microsoft.com/office/drawing/2010/main">
+                  <a14:imgLayer r:embed="rId4">
+                    <a14:imgEffect>
+                      <a14:artisticChalkSketch/>
+                    </a14:imgEffect>
+                  </a14:imgLayer>
+                </a14:imgProps>
+              </a:ext>
+            </a:extLst>
+          </a:blip>
+          <a:srcRect b="28166"/>
+          <a:stretch/>
+        </p:blipFill>
+        <p:spPr>
+          <a:xfrm>
+            <a:off x="464577" y="1143198"/>
+            <a:ext cx="6317002" cy="4557211"/>
+          </a:xfrm>
+          <a:prstGeom prst="rect">
+            <a:avLst/>
+          </a:prstGeom>
+        </p:spPr>
+      </p:pic>
+      <p:sp>
+        <p:nvSpPr>
+          <p:cNvPr id="59" name="Google Shape;59;p3"/>
+          <p:cNvSpPr txBox="1">
+            <a:spLocks noGrp="1"/>
+          </p:cNvSpPr>
+          <p:nvPr>
+            <p:ph type="title"/>
+          </p:nvPr>
+        </p:nvSpPr>
+        <p:spPr>
+          <a:xfrm>
+            <a:off x="605980" y="310143"/>
+            <a:ext cx="10515600" cy="649800"/>
+          </a:xfrm>
+          <a:prstGeom prst="rect">
+            <a:avLst/>
+          </a:prstGeom>
+          <a:noFill/>
+          <a:ln>
+            <a:noFill/>
+          </a:ln>
+        </p:spPr>
+        <p:txBody>
+          <a:bodyPr spcFirstLastPara="1" wrap="square" lIns="91425" tIns="45700" rIns="91425" bIns="45700" anchor="ctr" anchorCtr="0">
+            <a:normAutofit fontScale="90000"/>
+          </a:bodyPr>
+          <a:lstStyle/>
+          <a:p>
+            <a:pPr marL="0" lvl="0" indent="0" algn="l" rtl="0">
+              <a:lnSpc>
+                <a:spcPct val="90000"/>
+              </a:lnSpc>
+              <a:spcBef>
+                <a:spcPts val="0"/>
+              </a:spcBef>
+              <a:spcAft>
+                <a:spcPts val="0"/>
+              </a:spcAft>
+              <a:buClr>
+                <a:schemeClr val="dk1"/>
+              </a:buClr>
+              <a:buSzPts val="4400"/>
+              <a:buFont typeface="Malgun Gothic"/>
+              <a:buNone/>
+            </a:pPr>
+            <a:r>
+              <a:rPr lang="en-US" dirty="0"/>
+              <a:t>2. </a:t>
+            </a:r>
+            <a:r>
+              <a:rPr lang="ko-KR" altLang="en-US" dirty="0"/>
+              <a:t>기능 구현 소개 </a:t>
+            </a:r>
+            <a:r>
+              <a:rPr lang="en-US" altLang="ko-KR" dirty="0"/>
+              <a:t>- TestShell</a:t>
+            </a:r>
+            <a:endParaRPr dirty="0"/>
+          </a:p>
+        </p:txBody>
+      </p:sp>
+      <p:sp>
+        <p:nvSpPr>
+          <p:cNvPr id="10" name="직사각형 9">
+            <a:extLst>
+              <a:ext uri="{FF2B5EF4-FFF2-40B4-BE49-F238E27FC236}">
+                <a16:creationId xmlns:a16="http://schemas.microsoft.com/office/drawing/2014/main" id="{442CE9B2-8D75-4C09-86F4-3F3D644631D9}"/>
+              </a:ext>
+            </a:extLst>
+          </p:cNvPr>
+          <p:cNvSpPr/>
+          <p:nvPr/>
+        </p:nvSpPr>
+        <p:spPr>
+          <a:xfrm>
+            <a:off x="1223587" y="4161607"/>
+            <a:ext cx="5177213" cy="503767"/>
+          </a:xfrm>
+          <a:prstGeom prst="rect">
+            <a:avLst/>
+          </a:prstGeom>
+          <a:noFill/>
+          <a:ln w="31750">
+            <a:solidFill>
+              <a:srgbClr val="FF0000"/>
+            </a:solidFill>
+            <a:prstDash val="lgDash"/>
+          </a:ln>
+        </p:spPr>
+        <p:style>
+          <a:lnRef idx="2">
+            <a:schemeClr val="accent1">
+              <a:shade val="50000"/>
+            </a:schemeClr>
+          </a:lnRef>
+          <a:fillRef idx="1">
+            <a:schemeClr val="accent1"/>
+          </a:fillRef>
+          <a:effectRef idx="0">
+            <a:schemeClr val="accent1"/>
+          </a:effectRef>
+          <a:fontRef idx="minor">
+            <a:schemeClr val="lt1"/>
+          </a:fontRef>
+        </p:style>
+        <p:txBody>
+          <a:bodyPr rtlCol="0" anchor="ctr"/>
+          <a:lstStyle/>
+          <a:p>
+            <a:pPr algn="ctr"/>
+            <a:endParaRPr lang="ko-KR" altLang="en-US"/>
+          </a:p>
+        </p:txBody>
+      </p:sp>
+      <p:sp>
+        <p:nvSpPr>
+          <p:cNvPr id="23" name="사각형: 둥근 모서리 22">
+            <a:extLst>
+              <a:ext uri="{FF2B5EF4-FFF2-40B4-BE49-F238E27FC236}">
+                <a16:creationId xmlns:a16="http://schemas.microsoft.com/office/drawing/2014/main" id="{68BC3FE3-51A6-4A39-B8EA-8D936829FD82}"/>
+              </a:ext>
+            </a:extLst>
+          </p:cNvPr>
+          <p:cNvSpPr/>
+          <p:nvPr/>
+        </p:nvSpPr>
+        <p:spPr>
+          <a:xfrm>
+            <a:off x="7702485" y="1443420"/>
+            <a:ext cx="3419096" cy="1166761"/>
+          </a:xfrm>
+          <a:prstGeom prst="roundRect">
+            <a:avLst/>
+          </a:prstGeom>
+        </p:spPr>
+        <p:style>
+          <a:lnRef idx="2">
+            <a:schemeClr val="accent1">
+              <a:shade val="50000"/>
+            </a:schemeClr>
+          </a:lnRef>
+          <a:fillRef idx="1">
+            <a:schemeClr val="accent1"/>
+          </a:fillRef>
+          <a:effectRef idx="0">
+            <a:schemeClr val="accent1"/>
+          </a:effectRef>
+          <a:fontRef idx="minor">
+            <a:schemeClr val="lt1"/>
+          </a:fontRef>
+        </p:style>
+        <p:txBody>
+          <a:bodyPr rtlCol="0" anchor="ctr"/>
+          <a:lstStyle/>
+          <a:p>
+            <a:pPr algn="ctr"/>
+            <a:r>
+              <a:rPr lang="en-US" altLang="ko-KR" sz="2400" dirty="0"/>
+              <a:t>WriteCommand</a:t>
+            </a:r>
+          </a:p>
+          <a:p>
+            <a:pPr algn="ctr"/>
+            <a:r>
+              <a:rPr lang="en-US" altLang="ko-KR" sz="2400" dirty="0"/>
+              <a:t>(LBA: 0, Data: 0x45)</a:t>
+            </a:r>
+            <a:endParaRPr lang="ko-KR" altLang="en-US" sz="2400" dirty="0"/>
+          </a:p>
+        </p:txBody>
+      </p:sp>
+      <p:sp>
+        <p:nvSpPr>
+          <p:cNvPr id="11" name="사각형: 둥근 모서리 10">
+            <a:extLst>
+              <a:ext uri="{FF2B5EF4-FFF2-40B4-BE49-F238E27FC236}">
+                <a16:creationId xmlns:a16="http://schemas.microsoft.com/office/drawing/2014/main" id="{1C9ACA10-99BE-4E8B-B876-F83F510F2643}"/>
+              </a:ext>
+            </a:extLst>
+          </p:cNvPr>
+          <p:cNvSpPr/>
+          <p:nvPr/>
+        </p:nvSpPr>
+        <p:spPr>
+          <a:xfrm>
+            <a:off x="7702484" y="3429000"/>
+            <a:ext cx="3419096" cy="557065"/>
+          </a:xfrm>
+          <a:prstGeom prst="roundRect">
+            <a:avLst/>
+          </a:prstGeom>
+        </p:spPr>
+        <p:style>
+          <a:lnRef idx="2">
+            <a:schemeClr val="accent1">
+              <a:shade val="50000"/>
+            </a:schemeClr>
+          </a:lnRef>
+          <a:fillRef idx="1">
+            <a:schemeClr val="accent1"/>
+          </a:fillRef>
+          <a:effectRef idx="0">
+            <a:schemeClr val="accent1"/>
+          </a:effectRef>
+          <a:fontRef idx="minor">
+            <a:schemeClr val="lt1"/>
+          </a:fontRef>
+        </p:style>
+        <p:txBody>
+          <a:bodyPr rtlCol="0" anchor="ctr"/>
+          <a:lstStyle/>
+          <a:p>
+            <a:pPr algn="ctr"/>
+            <a:r>
+              <a:rPr lang="en-US" altLang="ko-KR" sz="2400" dirty="0"/>
+              <a:t>SsdWriteService</a:t>
+            </a:r>
+          </a:p>
+        </p:txBody>
+      </p:sp>
+      <p:pic>
+        <p:nvPicPr>
+          <p:cNvPr id="4" name="그림 3">
+            <a:extLst>
+              <a:ext uri="{FF2B5EF4-FFF2-40B4-BE49-F238E27FC236}">
+                <a16:creationId xmlns:a16="http://schemas.microsoft.com/office/drawing/2014/main" id="{CC87B31A-EEA4-4EEE-B635-DB810888A585}"/>
+              </a:ext>
+            </a:extLst>
+          </p:cNvPr>
+          <p:cNvPicPr>
+            <a:picLocks noChangeAspect="1"/>
+          </p:cNvPicPr>
+          <p:nvPr/>
+        </p:nvPicPr>
+        <p:blipFill>
+          <a:blip r:embed="rId5"/>
+          <a:stretch>
+            <a:fillRect/>
+          </a:stretch>
+        </p:blipFill>
+        <p:spPr>
+          <a:xfrm>
+            <a:off x="2228023" y="4804884"/>
+            <a:ext cx="8893890" cy="1518095"/>
+          </a:xfrm>
+          <a:prstGeom prst="rect">
+            <a:avLst/>
+          </a:prstGeom>
+        </p:spPr>
+      </p:pic>
+      <p:sp>
+        <p:nvSpPr>
+          <p:cNvPr id="16" name="화살표: 아래쪽 15">
+            <a:extLst>
+              <a:ext uri="{FF2B5EF4-FFF2-40B4-BE49-F238E27FC236}">
+                <a16:creationId xmlns:a16="http://schemas.microsoft.com/office/drawing/2014/main" id="{66F71581-BC5B-482D-B083-59140C403E67}"/>
+              </a:ext>
+            </a:extLst>
+          </p:cNvPr>
+          <p:cNvSpPr/>
+          <p:nvPr/>
+        </p:nvSpPr>
+        <p:spPr>
+          <a:xfrm>
+            <a:off x="9257949" y="2749691"/>
+            <a:ext cx="308165" cy="559029"/>
+          </a:xfrm>
+          <a:prstGeom prst="downArrow">
+            <a:avLst/>
+          </a:prstGeom>
+        </p:spPr>
+        <p:style>
+          <a:lnRef idx="2">
+            <a:schemeClr val="accent1">
+              <a:shade val="50000"/>
+            </a:schemeClr>
+          </a:lnRef>
+          <a:fillRef idx="1">
+            <a:schemeClr val="accent1"/>
+          </a:fillRef>
+          <a:effectRef idx="0">
+            <a:schemeClr val="accent1"/>
+          </a:effectRef>
+          <a:fontRef idx="minor">
+            <a:schemeClr val="lt1"/>
+          </a:fontRef>
+        </p:style>
+        <p:txBody>
+          <a:bodyPr rtlCol="0" anchor="ctr"/>
+          <a:lstStyle/>
+          <a:p>
+            <a:pPr algn="ctr"/>
+            <a:endParaRPr lang="ko-KR" altLang="en-US"/>
+          </a:p>
+        </p:txBody>
+      </p:sp>
+      <p:sp>
+        <p:nvSpPr>
+          <p:cNvPr id="5" name="TextBox 4">
+            <a:extLst>
+              <a:ext uri="{FF2B5EF4-FFF2-40B4-BE49-F238E27FC236}">
+                <a16:creationId xmlns:a16="http://schemas.microsoft.com/office/drawing/2014/main" id="{A9B90789-3B85-4683-9DFA-198362F8E54E}"/>
+              </a:ext>
+            </a:extLst>
+          </p:cNvPr>
+          <p:cNvSpPr txBox="1"/>
+          <p:nvPr/>
+        </p:nvSpPr>
+        <p:spPr>
+          <a:xfrm>
+            <a:off x="7856566" y="4125575"/>
+            <a:ext cx="3419096" cy="461665"/>
+          </a:xfrm>
+          <a:prstGeom prst="rect">
+            <a:avLst/>
+          </a:prstGeom>
+          <a:noFill/>
+        </p:spPr>
+        <p:txBody>
+          <a:bodyPr wrap="square" rtlCol="0">
+            <a:spAutoFit/>
+          </a:bodyPr>
+          <a:lstStyle/>
+          <a:p>
+            <a:r>
+              <a:rPr lang="en-US" altLang="ko-KR" sz="2400" dirty="0" err="1"/>
+              <a:t>Lba</a:t>
+            </a:r>
+            <a:r>
+              <a:rPr lang="en-US" altLang="ko-KR" sz="2400" dirty="0"/>
+              <a:t> = 0, data = 0x45</a:t>
+            </a:r>
+            <a:endParaRPr lang="ko-KR" altLang="en-US" sz="2400" dirty="0"/>
+          </a:p>
+        </p:txBody>
+      </p:sp>
+    </p:spTree>
+    <p:extLst>
+      <p:ext uri="{BB962C8B-B14F-4D97-AF65-F5344CB8AC3E}">
+        <p14:creationId xmlns:p14="http://schemas.microsoft.com/office/powerpoint/2010/main" val="4268242305"/>
+      </p:ext>
+    </p:extLst>
+  </p:cSld>
+  <p:clrMapOvr>
+    <a:masterClrMapping/>
+  </p:clrMapOvr>
+</p:sld>
+</file>
+
+<file path=ppt/slides/slide14.xml><?xml version="1.0" encoding="utf-8"?>
+<p:sld xmlns:a="http://schemas.openxmlformats.org/drawingml/2006/main" xmlns:r="http://schemas.openxmlformats.org/officeDocument/2006/relationships" xmlns:p="http://schemas.openxmlformats.org/presentationml/2006/main">
+  <p:cSld>
+    <p:spTree>
+      <p:nvGrpSpPr>
+        <p:cNvPr id="1" name="Shape 58"/>
+        <p:cNvGrpSpPr/>
+        <p:nvPr/>
+      </p:nvGrpSpPr>
+      <p:grpSpPr>
+        <a:xfrm>
+          <a:off x="0" y="0"/>
+          <a:ext cx="0" cy="0"/>
+          <a:chOff x="0" y="0"/>
+          <a:chExt cx="0" cy="0"/>
+        </a:xfrm>
+      </p:grpSpPr>
+      <p:sp>
+        <p:nvSpPr>
+          <p:cNvPr id="59" name="Google Shape;59;p3"/>
+          <p:cNvSpPr txBox="1">
+            <a:spLocks noGrp="1"/>
+          </p:cNvSpPr>
+          <p:nvPr>
+            <p:ph type="title"/>
+          </p:nvPr>
+        </p:nvSpPr>
+        <p:spPr>
+          <a:xfrm>
+            <a:off x="605980" y="310143"/>
+            <a:ext cx="10515600" cy="649800"/>
+          </a:xfrm>
+          <a:prstGeom prst="rect">
+            <a:avLst/>
+          </a:prstGeom>
+          <a:noFill/>
+          <a:ln>
+            <a:noFill/>
+          </a:ln>
+        </p:spPr>
+        <p:txBody>
+          <a:bodyPr spcFirstLastPara="1" wrap="square" lIns="91425" tIns="45700" rIns="91425" bIns="45700" anchor="ctr" anchorCtr="0">
+            <a:normAutofit fontScale="90000"/>
+          </a:bodyPr>
+          <a:lstStyle/>
+          <a:p>
+            <a:pPr marL="0" lvl="0" indent="0" algn="l" rtl="0">
+              <a:lnSpc>
+                <a:spcPct val="90000"/>
+              </a:lnSpc>
+              <a:spcBef>
+                <a:spcPts val="0"/>
+              </a:spcBef>
+              <a:spcAft>
+                <a:spcPts val="0"/>
+              </a:spcAft>
+              <a:buClr>
+                <a:schemeClr val="dk1"/>
+              </a:buClr>
+              <a:buSzPts val="4400"/>
+              <a:buFont typeface="Malgun Gothic"/>
+              <a:buNone/>
+            </a:pPr>
+            <a:r>
+              <a:rPr lang="en-US" dirty="0"/>
+              <a:t>2. </a:t>
+            </a:r>
+            <a:r>
+              <a:rPr lang="ko-KR" altLang="en-US" dirty="0"/>
+              <a:t>기능 구현 소개 </a:t>
+            </a:r>
+            <a:r>
+              <a:rPr lang="en-US" altLang="ko-KR" dirty="0"/>
+              <a:t>- TestShell</a:t>
+            </a:r>
+            <a:endParaRPr dirty="0"/>
+          </a:p>
+        </p:txBody>
+      </p:sp>
+      <p:sp>
+        <p:nvSpPr>
+          <p:cNvPr id="11" name="사각형: 둥근 모서리 10">
+            <a:extLst>
+              <a:ext uri="{FF2B5EF4-FFF2-40B4-BE49-F238E27FC236}">
+                <a16:creationId xmlns:a16="http://schemas.microsoft.com/office/drawing/2014/main" id="{1C9ACA10-99BE-4E8B-B876-F83F510F2643}"/>
+              </a:ext>
+            </a:extLst>
+          </p:cNvPr>
+          <p:cNvSpPr/>
+          <p:nvPr/>
+        </p:nvSpPr>
+        <p:spPr>
+          <a:xfrm>
+            <a:off x="506227" y="1201366"/>
+            <a:ext cx="3419096" cy="557065"/>
+          </a:xfrm>
+          <a:prstGeom prst="roundRect">
+            <a:avLst/>
+          </a:prstGeom>
+        </p:spPr>
+        <p:style>
+          <a:lnRef idx="2">
+            <a:schemeClr val="accent1">
+              <a:shade val="50000"/>
+            </a:schemeClr>
+          </a:lnRef>
+          <a:fillRef idx="1">
+            <a:schemeClr val="accent1"/>
+          </a:fillRef>
+          <a:effectRef idx="0">
+            <a:schemeClr val="accent1"/>
+          </a:effectRef>
+          <a:fontRef idx="minor">
+            <a:schemeClr val="lt1"/>
+          </a:fontRef>
+        </p:style>
+        <p:txBody>
+          <a:bodyPr rtlCol="0" anchor="ctr"/>
+          <a:lstStyle/>
+          <a:p>
+            <a:pPr algn="ctr"/>
+            <a:r>
+              <a:rPr lang="en-US" altLang="ko-KR" sz="2400" dirty="0"/>
+              <a:t>SsdWriteService</a:t>
+            </a:r>
+          </a:p>
+        </p:txBody>
+      </p:sp>
+      <p:pic>
+        <p:nvPicPr>
+          <p:cNvPr id="4" name="그림 3">
+            <a:extLst>
+              <a:ext uri="{FF2B5EF4-FFF2-40B4-BE49-F238E27FC236}">
+                <a16:creationId xmlns:a16="http://schemas.microsoft.com/office/drawing/2014/main" id="{CC87B31A-EEA4-4EEE-B635-DB810888A585}"/>
+              </a:ext>
+            </a:extLst>
+          </p:cNvPr>
+          <p:cNvPicPr>
+            <a:picLocks noChangeAspect="1"/>
+          </p:cNvPicPr>
+          <p:nvPr/>
+        </p:nvPicPr>
+        <p:blipFill>
+          <a:blip r:embed="rId3"/>
+          <a:stretch>
+            <a:fillRect/>
+          </a:stretch>
+        </p:blipFill>
+        <p:spPr>
+          <a:xfrm>
+            <a:off x="506227" y="1910906"/>
+            <a:ext cx="8000600" cy="1365620"/>
+          </a:xfrm>
+          <a:prstGeom prst="rect">
+            <a:avLst/>
+          </a:prstGeom>
+        </p:spPr>
+      </p:pic>
+      <p:pic>
+        <p:nvPicPr>
+          <p:cNvPr id="5" name="그림 4">
+            <a:extLst>
+              <a:ext uri="{FF2B5EF4-FFF2-40B4-BE49-F238E27FC236}">
+                <a16:creationId xmlns:a16="http://schemas.microsoft.com/office/drawing/2014/main" id="{88A78FFB-B769-418C-B68D-A8D161DE4BBE}"/>
+              </a:ext>
+            </a:extLst>
+          </p:cNvPr>
+          <p:cNvPicPr>
+            <a:picLocks noChangeAspect="1"/>
+          </p:cNvPicPr>
+          <p:nvPr/>
+        </p:nvPicPr>
+        <p:blipFill>
+          <a:blip r:embed="rId4"/>
+          <a:stretch>
+            <a:fillRect/>
+          </a:stretch>
+        </p:blipFill>
+        <p:spPr>
+          <a:xfrm>
+            <a:off x="506227" y="4227627"/>
+            <a:ext cx="7383487" cy="2320230"/>
+          </a:xfrm>
+          <a:prstGeom prst="rect">
+            <a:avLst/>
+          </a:prstGeom>
+        </p:spPr>
+      </p:pic>
+      <p:sp>
+        <p:nvSpPr>
+          <p:cNvPr id="12" name="사각형: 둥근 모서리 11">
+            <a:extLst>
+              <a:ext uri="{FF2B5EF4-FFF2-40B4-BE49-F238E27FC236}">
+                <a16:creationId xmlns:a16="http://schemas.microsoft.com/office/drawing/2014/main" id="{EA83AFAE-16D4-4855-9481-8B784E3A5D56}"/>
+              </a:ext>
+            </a:extLst>
+          </p:cNvPr>
+          <p:cNvSpPr/>
+          <p:nvPr/>
+        </p:nvSpPr>
+        <p:spPr>
+          <a:xfrm>
+            <a:off x="506227" y="3581474"/>
+            <a:ext cx="3419096" cy="557065"/>
+          </a:xfrm>
+          <a:prstGeom prst="roundRect">
+            <a:avLst/>
+          </a:prstGeom>
+        </p:spPr>
+        <p:style>
+          <a:lnRef idx="2">
+            <a:schemeClr val="accent1">
+              <a:shade val="50000"/>
+            </a:schemeClr>
+          </a:lnRef>
+          <a:fillRef idx="1">
+            <a:schemeClr val="accent1"/>
+          </a:fillRef>
+          <a:effectRef idx="0">
+            <a:schemeClr val="accent1"/>
+          </a:effectRef>
+          <a:fontRef idx="minor">
+            <a:schemeClr val="lt1"/>
+          </a:fontRef>
+        </p:style>
+        <p:txBody>
+          <a:bodyPr rtlCol="0" anchor="ctr"/>
+          <a:lstStyle/>
+          <a:p>
+            <a:pPr algn="ctr"/>
+            <a:r>
+              <a:rPr lang="en-US" altLang="ko-KR" sz="2400" dirty="0"/>
+              <a:t>SsdController</a:t>
+            </a:r>
+          </a:p>
+        </p:txBody>
+      </p:sp>
+      <p:sp>
+        <p:nvSpPr>
+          <p:cNvPr id="13" name="TextBox 12">
+            <a:extLst>
+              <a:ext uri="{FF2B5EF4-FFF2-40B4-BE49-F238E27FC236}">
+                <a16:creationId xmlns:a16="http://schemas.microsoft.com/office/drawing/2014/main" id="{C814A6E7-3B43-480C-98D1-F373F1958D8D}"/>
+              </a:ext>
+            </a:extLst>
+          </p:cNvPr>
+          <p:cNvSpPr txBox="1"/>
+          <p:nvPr/>
+        </p:nvSpPr>
+        <p:spPr>
+          <a:xfrm>
+            <a:off x="3925323" y="3689190"/>
+            <a:ext cx="6551625" cy="341632"/>
+          </a:xfrm>
+          <a:prstGeom prst="rect">
+            <a:avLst/>
+          </a:prstGeom>
+          <a:noFill/>
+        </p:spPr>
+        <p:txBody>
+          <a:bodyPr wrap="square">
+            <a:spAutoFit/>
+          </a:bodyPr>
+          <a:lstStyle/>
+          <a:p>
+            <a:pPr marL="177800" lvl="0" rtl="0">
+              <a:lnSpc>
+                <a:spcPct val="90000"/>
+              </a:lnSpc>
+              <a:spcBef>
+                <a:spcPts val="0"/>
+              </a:spcBef>
+              <a:spcAft>
+                <a:spcPts val="0"/>
+              </a:spcAft>
+              <a:buClr>
+                <a:schemeClr val="dk1"/>
+              </a:buClr>
+              <a:buSzPts val="2800"/>
+            </a:pPr>
+            <a:r>
+              <a:rPr lang="ko-KR" altLang="en-US" sz="1800" dirty="0">
+                <a:latin typeface="+mn-ea"/>
+                <a:ea typeface="+mn-ea"/>
+              </a:rPr>
+              <a:t>실제 </a:t>
+            </a:r>
+            <a:r>
+              <a:rPr lang="en-US" altLang="ko-KR" sz="1800" dirty="0">
+                <a:latin typeface="+mn-ea"/>
+                <a:ea typeface="+mn-ea"/>
+              </a:rPr>
+              <a:t>ssd.exe</a:t>
+            </a:r>
+            <a:r>
+              <a:rPr lang="ko-KR" altLang="en-US" sz="1800" dirty="0">
+                <a:latin typeface="+mn-ea"/>
+                <a:ea typeface="+mn-ea"/>
+              </a:rPr>
+              <a:t> 호출</a:t>
+            </a:r>
+            <a:endParaRPr lang="en-US" altLang="ko-KR" sz="1800" dirty="0">
+              <a:latin typeface="+mn-ea"/>
+              <a:ea typeface="+mn-ea"/>
+            </a:endParaRPr>
+          </a:p>
+        </p:txBody>
+      </p:sp>
+      <p:sp>
+        <p:nvSpPr>
+          <p:cNvPr id="14" name="화살표: 아래쪽 13">
+            <a:extLst>
+              <a:ext uri="{FF2B5EF4-FFF2-40B4-BE49-F238E27FC236}">
+                <a16:creationId xmlns:a16="http://schemas.microsoft.com/office/drawing/2014/main" id="{E75FEF1C-3817-4CA2-93F9-A66ABCB041BE}"/>
+              </a:ext>
+            </a:extLst>
+          </p:cNvPr>
+          <p:cNvSpPr/>
+          <p:nvPr/>
+        </p:nvSpPr>
+        <p:spPr>
+          <a:xfrm>
+            <a:off x="4640571" y="3099677"/>
+            <a:ext cx="356804" cy="392708"/>
+          </a:xfrm>
+          <a:prstGeom prst="downArrow">
+            <a:avLst/>
+          </a:prstGeom>
+          <a:solidFill>
+            <a:srgbClr val="FF0000"/>
+          </a:solidFill>
+        </p:spPr>
+        <p:style>
+          <a:lnRef idx="2">
+            <a:schemeClr val="accent1">
+              <a:shade val="50000"/>
+            </a:schemeClr>
+          </a:lnRef>
+          <a:fillRef idx="1">
+            <a:schemeClr val="accent1"/>
+          </a:fillRef>
+          <a:effectRef idx="0">
+            <a:schemeClr val="accent1"/>
+          </a:effectRef>
+          <a:fontRef idx="minor">
+            <a:schemeClr val="lt1"/>
+          </a:fontRef>
+        </p:style>
+        <p:txBody>
+          <a:bodyPr rtlCol="0" anchor="ctr"/>
+          <a:lstStyle/>
+          <a:p>
+            <a:pPr algn="ctr"/>
+            <a:endParaRPr lang="ko-KR" altLang="en-US"/>
+          </a:p>
+        </p:txBody>
+      </p:sp>
+      <p:pic>
+        <p:nvPicPr>
+          <p:cNvPr id="15" name="그림 14">
+            <a:extLst>
+              <a:ext uri="{FF2B5EF4-FFF2-40B4-BE49-F238E27FC236}">
+                <a16:creationId xmlns:a16="http://schemas.microsoft.com/office/drawing/2014/main" id="{752A5C17-7099-4745-92B2-DB0F594A7A26}"/>
+              </a:ext>
+            </a:extLst>
+          </p:cNvPr>
+          <p:cNvPicPr>
+            <a:picLocks noChangeAspect="1"/>
+          </p:cNvPicPr>
+          <p:nvPr/>
+        </p:nvPicPr>
+        <p:blipFill>
+          <a:blip r:embed="rId5"/>
+          <a:stretch>
+            <a:fillRect/>
+          </a:stretch>
+        </p:blipFill>
+        <p:spPr>
+          <a:xfrm>
+            <a:off x="9295890" y="4328399"/>
+            <a:ext cx="2667000" cy="1514475"/>
+          </a:xfrm>
+          <a:prstGeom prst="rect">
+            <a:avLst/>
+          </a:prstGeom>
+        </p:spPr>
+      </p:pic>
+      <p:sp>
+        <p:nvSpPr>
+          <p:cNvPr id="17" name="화살표: 아래쪽 16">
+            <a:extLst>
+              <a:ext uri="{FF2B5EF4-FFF2-40B4-BE49-F238E27FC236}">
+                <a16:creationId xmlns:a16="http://schemas.microsoft.com/office/drawing/2014/main" id="{BD3E3567-79F5-472A-A3B6-903382E78365}"/>
+              </a:ext>
+            </a:extLst>
+          </p:cNvPr>
+          <p:cNvSpPr/>
+          <p:nvPr/>
+        </p:nvSpPr>
+        <p:spPr>
+          <a:xfrm rot="16200000">
+            <a:off x="8713201" y="4652040"/>
+            <a:ext cx="308165" cy="559029"/>
+          </a:xfrm>
+          <a:prstGeom prst="downArrow">
+            <a:avLst/>
+          </a:prstGeom>
+        </p:spPr>
+        <p:style>
+          <a:lnRef idx="2">
+            <a:schemeClr val="accent1">
+              <a:shade val="50000"/>
+            </a:schemeClr>
+          </a:lnRef>
+          <a:fillRef idx="1">
+            <a:schemeClr val="accent1"/>
+          </a:fillRef>
+          <a:effectRef idx="0">
+            <a:schemeClr val="accent1"/>
+          </a:effectRef>
+          <a:fontRef idx="minor">
+            <a:schemeClr val="lt1"/>
+          </a:fontRef>
+        </p:style>
+        <p:txBody>
+          <a:bodyPr rtlCol="0" anchor="ctr"/>
+          <a:lstStyle/>
+          <a:p>
+            <a:pPr algn="ctr"/>
+            <a:endParaRPr lang="ko-KR" altLang="en-US"/>
+          </a:p>
+        </p:txBody>
+      </p:sp>
+      <p:sp>
+        <p:nvSpPr>
+          <p:cNvPr id="18" name="화살표: 아래쪽 17">
+            <a:extLst>
+              <a:ext uri="{FF2B5EF4-FFF2-40B4-BE49-F238E27FC236}">
+                <a16:creationId xmlns:a16="http://schemas.microsoft.com/office/drawing/2014/main" id="{2198E159-DBFA-4F7D-97F1-5DAF4924F205}"/>
+              </a:ext>
+            </a:extLst>
+          </p:cNvPr>
+          <p:cNvSpPr/>
+          <p:nvPr/>
+        </p:nvSpPr>
+        <p:spPr>
+          <a:xfrm rot="5400000" flipH="1">
+            <a:off x="8713201" y="5075291"/>
+            <a:ext cx="308165" cy="559029"/>
+          </a:xfrm>
+          <a:prstGeom prst="downArrow">
+            <a:avLst/>
+          </a:prstGeom>
+        </p:spPr>
+        <p:style>
+          <a:lnRef idx="2">
+            <a:schemeClr val="accent1">
+              <a:shade val="50000"/>
+            </a:schemeClr>
+          </a:lnRef>
+          <a:fillRef idx="1">
+            <a:schemeClr val="accent1"/>
+          </a:fillRef>
+          <a:effectRef idx="0">
+            <a:schemeClr val="accent1"/>
+          </a:effectRef>
+          <a:fontRef idx="minor">
+            <a:schemeClr val="lt1"/>
+          </a:fontRef>
+        </p:style>
+        <p:txBody>
+          <a:bodyPr rtlCol="0" anchor="ctr"/>
+          <a:lstStyle/>
+          <a:p>
+            <a:pPr algn="ctr"/>
+            <a:endParaRPr lang="ko-KR" altLang="en-US"/>
+          </a:p>
+        </p:txBody>
+      </p:sp>
+    </p:spTree>
+    <p:extLst>
+      <p:ext uri="{BB962C8B-B14F-4D97-AF65-F5344CB8AC3E}">
+        <p14:creationId xmlns:p14="http://schemas.microsoft.com/office/powerpoint/2010/main" val="4122674047"/>
+      </p:ext>
+    </p:extLst>
+  </p:cSld>
+  <p:clrMapOvr>
+    <a:masterClrMapping/>
+  </p:clrMapOvr>
+</p:sld>
+</file>
+
+<file path=ppt/slides/slide15.xml><?xml version="1.0" encoding="utf-8"?>
+<p:sld xmlns:a="http://schemas.openxmlformats.org/drawingml/2006/main" xmlns:r="http://schemas.openxmlformats.org/officeDocument/2006/relationships" xmlns:p="http://schemas.openxmlformats.org/presentationml/2006/main">
+  <p:cSld>
+    <p:spTree>
+      <p:nvGrpSpPr>
+        <p:cNvPr id="1" name="Shape 58"/>
+        <p:cNvGrpSpPr/>
+        <p:nvPr/>
+      </p:nvGrpSpPr>
+      <p:grpSpPr>
+        <a:xfrm>
+          <a:off x="0" y="0"/>
+          <a:ext cx="0" cy="0"/>
+          <a:chOff x="0" y="0"/>
+          <a:chExt cx="0" cy="0"/>
+        </a:xfrm>
+      </p:grpSpPr>
+      <p:sp>
+        <p:nvSpPr>
+          <p:cNvPr id="59" name="Google Shape;59;p3"/>
+          <p:cNvSpPr txBox="1">
+            <a:spLocks noGrp="1"/>
+          </p:cNvSpPr>
+          <p:nvPr>
+            <p:ph type="title"/>
+          </p:nvPr>
+        </p:nvSpPr>
+        <p:spPr>
+          <a:xfrm>
+            <a:off x="605980" y="310143"/>
+            <a:ext cx="10515600" cy="649800"/>
+          </a:xfrm>
+          <a:prstGeom prst="rect">
+            <a:avLst/>
+          </a:prstGeom>
+          <a:noFill/>
+          <a:ln>
+            <a:noFill/>
+          </a:ln>
+        </p:spPr>
+        <p:txBody>
+          <a:bodyPr spcFirstLastPara="1" wrap="square" lIns="91425" tIns="45700" rIns="91425" bIns="45700" anchor="ctr" anchorCtr="0">
+            <a:normAutofit fontScale="90000"/>
+          </a:bodyPr>
+          <a:lstStyle/>
+          <a:p>
+            <a:pPr marL="0" lvl="0" indent="0" algn="l" rtl="0">
+              <a:lnSpc>
+                <a:spcPct val="90000"/>
+              </a:lnSpc>
+              <a:spcBef>
+                <a:spcPts val="0"/>
+              </a:spcBef>
+              <a:spcAft>
+                <a:spcPts val="0"/>
+              </a:spcAft>
+              <a:buClr>
+                <a:schemeClr val="dk1"/>
+              </a:buClr>
+              <a:buSzPts val="4400"/>
+              <a:buFont typeface="Malgun Gothic"/>
+              <a:buNone/>
+            </a:pPr>
+            <a:r>
+              <a:rPr lang="en-US" dirty="0"/>
+              <a:t>2. </a:t>
+            </a:r>
+            <a:r>
+              <a:rPr lang="ko-KR" altLang="en-US" dirty="0"/>
+              <a:t>기능 구현 소개 </a:t>
+            </a:r>
+            <a:r>
+              <a:rPr lang="en-US" altLang="ko-KR" dirty="0"/>
+              <a:t>- TestShell</a:t>
+            </a:r>
+            <a:endParaRPr dirty="0"/>
+          </a:p>
+        </p:txBody>
+      </p:sp>
+      <p:sp>
+        <p:nvSpPr>
+          <p:cNvPr id="11" name="사각형: 둥근 모서리 10">
+            <a:extLst>
+              <a:ext uri="{FF2B5EF4-FFF2-40B4-BE49-F238E27FC236}">
+                <a16:creationId xmlns:a16="http://schemas.microsoft.com/office/drawing/2014/main" id="{1C9ACA10-99BE-4E8B-B876-F83F510F2643}"/>
+              </a:ext>
+            </a:extLst>
+          </p:cNvPr>
+          <p:cNvSpPr/>
+          <p:nvPr/>
+        </p:nvSpPr>
+        <p:spPr>
+          <a:xfrm>
+            <a:off x="506227" y="4052441"/>
+            <a:ext cx="3419096" cy="557065"/>
+          </a:xfrm>
+          <a:prstGeom prst="roundRect">
+            <a:avLst/>
+          </a:prstGeom>
+        </p:spPr>
+        <p:style>
+          <a:lnRef idx="2">
+            <a:schemeClr val="accent1">
+              <a:shade val="50000"/>
+            </a:schemeClr>
+          </a:lnRef>
+          <a:fillRef idx="1">
+            <a:schemeClr val="accent1"/>
+          </a:fillRef>
+          <a:effectRef idx="0">
+            <a:schemeClr val="accent1"/>
+          </a:effectRef>
+          <a:fontRef idx="minor">
+            <a:schemeClr val="lt1"/>
+          </a:fontRef>
+        </p:style>
+        <p:txBody>
+          <a:bodyPr rtlCol="0" anchor="ctr"/>
+          <a:lstStyle/>
+          <a:p>
+            <a:pPr algn="ctr"/>
+            <a:r>
+              <a:rPr lang="en-US" altLang="ko-KR" sz="2400" dirty="0"/>
+              <a:t>SsdWriteService</a:t>
+            </a:r>
+          </a:p>
+        </p:txBody>
+      </p:sp>
+      <p:pic>
+        <p:nvPicPr>
+          <p:cNvPr id="4" name="그림 3">
+            <a:extLst>
+              <a:ext uri="{FF2B5EF4-FFF2-40B4-BE49-F238E27FC236}">
+                <a16:creationId xmlns:a16="http://schemas.microsoft.com/office/drawing/2014/main" id="{CC87B31A-EEA4-4EEE-B635-DB810888A585}"/>
+              </a:ext>
+            </a:extLst>
+          </p:cNvPr>
+          <p:cNvPicPr>
+            <a:picLocks noChangeAspect="1"/>
+          </p:cNvPicPr>
+          <p:nvPr/>
+        </p:nvPicPr>
+        <p:blipFill>
+          <a:blip r:embed="rId3"/>
+          <a:stretch>
+            <a:fillRect/>
+          </a:stretch>
+        </p:blipFill>
+        <p:spPr>
+          <a:xfrm>
+            <a:off x="506227" y="4897586"/>
+            <a:ext cx="8893890" cy="1518095"/>
+          </a:xfrm>
+          <a:prstGeom prst="rect">
+            <a:avLst/>
+          </a:prstGeom>
+        </p:spPr>
+      </p:pic>
+      <p:sp>
+        <p:nvSpPr>
+          <p:cNvPr id="8" name="사각형: 둥근 모서리 7">
+            <a:extLst>
+              <a:ext uri="{FF2B5EF4-FFF2-40B4-BE49-F238E27FC236}">
+                <a16:creationId xmlns:a16="http://schemas.microsoft.com/office/drawing/2014/main" id="{8B0EABFB-D21E-440E-BD91-7A14D6E8DCD0}"/>
+              </a:ext>
+            </a:extLst>
+          </p:cNvPr>
+          <p:cNvSpPr/>
+          <p:nvPr/>
+        </p:nvSpPr>
+        <p:spPr>
+          <a:xfrm>
+            <a:off x="506227" y="1248022"/>
+            <a:ext cx="3419096" cy="557065"/>
+          </a:xfrm>
+          <a:prstGeom prst="roundRect">
+            <a:avLst/>
+          </a:prstGeom>
+        </p:spPr>
+        <p:style>
+          <a:lnRef idx="2">
+            <a:schemeClr val="accent1">
+              <a:shade val="50000"/>
+            </a:schemeClr>
+          </a:lnRef>
+          <a:fillRef idx="1">
+            <a:schemeClr val="accent1"/>
+          </a:fillRef>
+          <a:effectRef idx="0">
+            <a:schemeClr val="accent1"/>
+          </a:effectRef>
+          <a:fontRef idx="minor">
+            <a:schemeClr val="lt1"/>
+          </a:fontRef>
+        </p:style>
+        <p:txBody>
+          <a:bodyPr rtlCol="0" anchor="ctr"/>
+          <a:lstStyle/>
+          <a:p>
+            <a:pPr algn="ctr"/>
+            <a:r>
+              <a:rPr lang="en-US" altLang="ko-KR" sz="2400" dirty="0"/>
+              <a:t>WriteCommand</a:t>
+            </a:r>
+          </a:p>
+        </p:txBody>
+      </p:sp>
+      <p:pic>
+        <p:nvPicPr>
+          <p:cNvPr id="3" name="그림 2">
+            <a:extLst>
+              <a:ext uri="{FF2B5EF4-FFF2-40B4-BE49-F238E27FC236}">
+                <a16:creationId xmlns:a16="http://schemas.microsoft.com/office/drawing/2014/main" id="{A885F21D-554E-40E0-8870-9F8EB3A41C53}"/>
+              </a:ext>
+            </a:extLst>
+          </p:cNvPr>
+          <p:cNvPicPr>
+            <a:picLocks noChangeAspect="1"/>
+          </p:cNvPicPr>
+          <p:nvPr/>
+        </p:nvPicPr>
+        <p:blipFill>
+          <a:blip r:embed="rId4"/>
+          <a:stretch>
+            <a:fillRect/>
+          </a:stretch>
+        </p:blipFill>
+        <p:spPr>
+          <a:xfrm>
+            <a:off x="506227" y="1981922"/>
+            <a:ext cx="8893890" cy="1651128"/>
+          </a:xfrm>
+          <a:prstGeom prst="rect">
+            <a:avLst/>
+          </a:prstGeom>
+        </p:spPr>
+      </p:pic>
+      <p:sp>
+        <p:nvSpPr>
+          <p:cNvPr id="6" name="화살표: 오른쪽으로 구부러짐 5">
+            <a:extLst>
+              <a:ext uri="{FF2B5EF4-FFF2-40B4-BE49-F238E27FC236}">
+                <a16:creationId xmlns:a16="http://schemas.microsoft.com/office/drawing/2014/main" id="{C3FDD485-1EDF-4437-8EE7-799E75BFB2F8}"/>
+              </a:ext>
+            </a:extLst>
+          </p:cNvPr>
+          <p:cNvSpPr/>
+          <p:nvPr/>
+        </p:nvSpPr>
+        <p:spPr>
+          <a:xfrm flipH="1" flipV="1">
+            <a:off x="8959174" y="2801565"/>
+            <a:ext cx="2191589" cy="3005847"/>
+          </a:xfrm>
+          <a:prstGeom prst="curvedRightArrow">
+            <a:avLst/>
+          </a:prstGeom>
+        </p:spPr>
+        <p:style>
+          <a:lnRef idx="2">
+            <a:schemeClr val="accent1">
+              <a:shade val="50000"/>
+            </a:schemeClr>
+          </a:lnRef>
+          <a:fillRef idx="1">
+            <a:schemeClr val="accent1"/>
+          </a:fillRef>
+          <a:effectRef idx="0">
+            <a:schemeClr val="accent1"/>
+          </a:effectRef>
+          <a:fontRef idx="minor">
+            <a:schemeClr val="lt1"/>
+          </a:fontRef>
+        </p:style>
+        <p:txBody>
+          <a:bodyPr rtlCol="0" anchor="ctr"/>
+          <a:lstStyle/>
+          <a:p>
+            <a:pPr algn="ctr"/>
+            <a:endParaRPr lang="ko-KR" altLang="en-US">
+              <a:solidFill>
+                <a:schemeClr val="tx1"/>
+              </a:solidFill>
+            </a:endParaRPr>
+          </a:p>
+        </p:txBody>
+      </p:sp>
+      <p:sp>
+        <p:nvSpPr>
+          <p:cNvPr id="14" name="사각형: 둥근 모서리 13">
+            <a:extLst>
+              <a:ext uri="{FF2B5EF4-FFF2-40B4-BE49-F238E27FC236}">
+                <a16:creationId xmlns:a16="http://schemas.microsoft.com/office/drawing/2014/main" id="{7DDC8216-649C-475D-9D13-BD86242DD029}"/>
+              </a:ext>
+            </a:extLst>
+          </p:cNvPr>
+          <p:cNvSpPr/>
+          <p:nvPr/>
+        </p:nvSpPr>
+        <p:spPr>
+          <a:xfrm>
+            <a:off x="8512089" y="4052440"/>
+            <a:ext cx="3419096" cy="557065"/>
+          </a:xfrm>
+          <a:prstGeom prst="roundRect">
+            <a:avLst/>
+          </a:prstGeom>
+        </p:spPr>
+        <p:style>
+          <a:lnRef idx="2">
+            <a:schemeClr val="accent1">
+              <a:shade val="50000"/>
+            </a:schemeClr>
+          </a:lnRef>
+          <a:fillRef idx="1">
+            <a:schemeClr val="accent1"/>
+          </a:fillRef>
+          <a:effectRef idx="0">
+            <a:schemeClr val="accent1"/>
+          </a:effectRef>
+          <a:fontRef idx="minor">
+            <a:schemeClr val="lt1"/>
+          </a:fontRef>
+        </p:style>
+        <p:txBody>
+          <a:bodyPr rtlCol="0" anchor="ctr"/>
+          <a:lstStyle/>
+          <a:p>
+            <a:pPr algn="ctr"/>
+            <a:r>
+              <a:rPr lang="en-US" altLang="ko-KR" sz="2400" dirty="0"/>
+              <a:t>SsdWriteResult</a:t>
+            </a:r>
+          </a:p>
+        </p:txBody>
+      </p:sp>
+      <p:sp>
+        <p:nvSpPr>
+          <p:cNvPr id="15" name="직사각형 14">
+            <a:extLst>
+              <a:ext uri="{FF2B5EF4-FFF2-40B4-BE49-F238E27FC236}">
+                <a16:creationId xmlns:a16="http://schemas.microsoft.com/office/drawing/2014/main" id="{1DE8E0EA-D384-4A92-A793-7ABE92CFABC5}"/>
+              </a:ext>
+            </a:extLst>
+          </p:cNvPr>
+          <p:cNvSpPr/>
+          <p:nvPr/>
+        </p:nvSpPr>
+        <p:spPr>
+          <a:xfrm>
+            <a:off x="5107457" y="2950154"/>
+            <a:ext cx="1789454" cy="318340"/>
+          </a:xfrm>
+          <a:prstGeom prst="rect">
+            <a:avLst/>
+          </a:prstGeom>
+          <a:noFill/>
+          <a:ln w="31750">
+            <a:solidFill>
+              <a:srgbClr val="FF0000"/>
+            </a:solidFill>
+            <a:prstDash val="lgDash"/>
+          </a:ln>
+        </p:spPr>
+        <p:style>
+          <a:lnRef idx="2">
+            <a:schemeClr val="accent1">
+              <a:shade val="50000"/>
+            </a:schemeClr>
+          </a:lnRef>
+          <a:fillRef idx="1">
+            <a:schemeClr val="accent1"/>
+          </a:fillRef>
+          <a:effectRef idx="0">
+            <a:schemeClr val="accent1"/>
+          </a:effectRef>
+          <a:fontRef idx="minor">
+            <a:schemeClr val="lt1"/>
+          </a:fontRef>
+        </p:style>
+        <p:txBody>
+          <a:bodyPr rtlCol="0" anchor="ctr"/>
+          <a:lstStyle/>
+          <a:p>
+            <a:pPr algn="ctr"/>
+            <a:endParaRPr lang="ko-KR" altLang="en-US"/>
+          </a:p>
+        </p:txBody>
+      </p:sp>
+      <p:sp>
+        <p:nvSpPr>
+          <p:cNvPr id="16" name="직사각형 15">
+            <a:extLst>
+              <a:ext uri="{FF2B5EF4-FFF2-40B4-BE49-F238E27FC236}">
+                <a16:creationId xmlns:a16="http://schemas.microsoft.com/office/drawing/2014/main" id="{C2A6607B-0C38-492C-B11B-A736533AF30E}"/>
+              </a:ext>
+            </a:extLst>
+          </p:cNvPr>
+          <p:cNvSpPr/>
+          <p:nvPr/>
+        </p:nvSpPr>
+        <p:spPr>
+          <a:xfrm>
+            <a:off x="605979" y="5028897"/>
+            <a:ext cx="1884301" cy="418592"/>
+          </a:xfrm>
+          <a:prstGeom prst="rect">
+            <a:avLst/>
+          </a:prstGeom>
+          <a:noFill/>
+          <a:ln w="31750">
+            <a:solidFill>
+              <a:srgbClr val="FF0000"/>
+            </a:solidFill>
+            <a:prstDash val="lgDash"/>
+          </a:ln>
+        </p:spPr>
+        <p:style>
+          <a:lnRef idx="2">
+            <a:schemeClr val="accent1">
+              <a:shade val="50000"/>
+            </a:schemeClr>
+          </a:lnRef>
+          <a:fillRef idx="1">
+            <a:schemeClr val="accent1"/>
+          </a:fillRef>
+          <a:effectRef idx="0">
+            <a:schemeClr val="accent1"/>
+          </a:effectRef>
+          <a:fontRef idx="minor">
+            <a:schemeClr val="lt1"/>
+          </a:fontRef>
+        </p:style>
+        <p:txBody>
+          <a:bodyPr rtlCol="0" anchor="ctr"/>
+          <a:lstStyle/>
+          <a:p>
+            <a:pPr algn="ctr"/>
+            <a:endParaRPr lang="ko-KR" altLang="en-US"/>
+          </a:p>
+        </p:txBody>
+      </p:sp>
+    </p:spTree>
+    <p:extLst>
+      <p:ext uri="{BB962C8B-B14F-4D97-AF65-F5344CB8AC3E}">
+        <p14:creationId xmlns:p14="http://schemas.microsoft.com/office/powerpoint/2010/main" val="997426515"/>
+      </p:ext>
+    </p:extLst>
+  </p:cSld>
+  <p:clrMapOvr>
+    <a:masterClrMapping/>
+  </p:clrMapOvr>
+</p:sld>
+</file>
+
+<file path=ppt/slides/slide16.xml><?xml version="1.0" encoding="utf-8"?>
+<p:sld xmlns:a="http://schemas.openxmlformats.org/drawingml/2006/main" xmlns:r="http://schemas.openxmlformats.org/officeDocument/2006/relationships" xmlns:p="http://schemas.openxmlformats.org/presentationml/2006/main">
+  <p:cSld>
+    <p:spTree>
+      <p:nvGrpSpPr>
+        <p:cNvPr id="1" name="Shape 58"/>
+        <p:cNvGrpSpPr/>
+        <p:nvPr/>
+      </p:nvGrpSpPr>
+      <p:grpSpPr>
+        <a:xfrm>
+          <a:off x="0" y="0"/>
+          <a:ext cx="0" cy="0"/>
+          <a:chOff x="0" y="0"/>
+          <a:chExt cx="0" cy="0"/>
+        </a:xfrm>
+      </p:grpSpPr>
+      <p:sp>
+        <p:nvSpPr>
+          <p:cNvPr id="59" name="Google Shape;59;p3"/>
+          <p:cNvSpPr txBox="1">
+            <a:spLocks noGrp="1"/>
+          </p:cNvSpPr>
+          <p:nvPr>
+            <p:ph type="title"/>
+          </p:nvPr>
+        </p:nvSpPr>
+        <p:spPr>
+          <a:xfrm>
+            <a:off x="605980" y="310143"/>
+            <a:ext cx="10515600" cy="649800"/>
+          </a:xfrm>
+          <a:prstGeom prst="rect">
+            <a:avLst/>
+          </a:prstGeom>
+          <a:noFill/>
+          <a:ln>
+            <a:noFill/>
+          </a:ln>
+        </p:spPr>
+        <p:txBody>
+          <a:bodyPr spcFirstLastPara="1" wrap="square" lIns="91425" tIns="45700" rIns="91425" bIns="45700" anchor="ctr" anchorCtr="0">
+            <a:normAutofit fontScale="90000"/>
+          </a:bodyPr>
+          <a:lstStyle/>
+          <a:p>
+            <a:pPr marL="0" lvl="0" indent="0" algn="l" rtl="0">
+              <a:lnSpc>
+                <a:spcPct val="90000"/>
+              </a:lnSpc>
+              <a:spcBef>
+                <a:spcPts val="0"/>
+              </a:spcBef>
+              <a:spcAft>
+                <a:spcPts val="0"/>
+              </a:spcAft>
+              <a:buClr>
+                <a:schemeClr val="dk1"/>
+              </a:buClr>
+              <a:buSzPts val="4400"/>
+              <a:buFont typeface="Malgun Gothic"/>
+              <a:buNone/>
+            </a:pPr>
+            <a:r>
+              <a:rPr lang="en-US" dirty="0"/>
+              <a:t>2. </a:t>
+            </a:r>
+            <a:r>
+              <a:rPr lang="ko-KR" altLang="en-US" dirty="0"/>
+              <a:t>기능 구현 소개 </a:t>
+            </a:r>
+            <a:r>
+              <a:rPr lang="en-US" altLang="ko-KR" dirty="0"/>
+              <a:t>- TestShell</a:t>
+            </a:r>
+            <a:endParaRPr dirty="0"/>
+          </a:p>
+        </p:txBody>
+      </p:sp>
+      <p:pic>
+        <p:nvPicPr>
+          <p:cNvPr id="12" name="그림 11">
+            <a:extLst>
+              <a:ext uri="{FF2B5EF4-FFF2-40B4-BE49-F238E27FC236}">
+                <a16:creationId xmlns:a16="http://schemas.microsoft.com/office/drawing/2014/main" id="{FF84630B-6C8E-488F-88E0-3CEED6A15057}"/>
+              </a:ext>
+            </a:extLst>
+          </p:cNvPr>
+          <p:cNvPicPr>
+            <a:picLocks noChangeAspect="1"/>
+          </p:cNvPicPr>
+          <p:nvPr/>
+        </p:nvPicPr>
+        <p:blipFill rotWithShape="1">
+          <a:blip r:embed="rId3"/>
+          <a:srcRect b="28166"/>
+          <a:stretch/>
+        </p:blipFill>
+        <p:spPr>
+          <a:xfrm>
+            <a:off x="464577" y="1143198"/>
+            <a:ext cx="6317002" cy="4557211"/>
+          </a:xfrm>
+          <a:prstGeom prst="rect">
+            <a:avLst/>
+          </a:prstGeom>
+        </p:spPr>
+      </p:pic>
+      <p:sp>
+        <p:nvSpPr>
+          <p:cNvPr id="13" name="직사각형 12">
+            <a:extLst>
+              <a:ext uri="{FF2B5EF4-FFF2-40B4-BE49-F238E27FC236}">
+                <a16:creationId xmlns:a16="http://schemas.microsoft.com/office/drawing/2014/main" id="{CD8AB3BB-4260-4AFE-91CB-249E17367975}"/>
+              </a:ext>
+            </a:extLst>
+          </p:cNvPr>
+          <p:cNvSpPr/>
+          <p:nvPr/>
+        </p:nvSpPr>
+        <p:spPr>
+          <a:xfrm>
+            <a:off x="1301409" y="4696628"/>
+            <a:ext cx="4642192" cy="721678"/>
+          </a:xfrm>
+          <a:prstGeom prst="rect">
+            <a:avLst/>
+          </a:prstGeom>
+          <a:noFill/>
+          <a:ln w="31750">
+            <a:solidFill>
+              <a:srgbClr val="FF0000"/>
+            </a:solidFill>
+            <a:prstDash val="lgDash"/>
+          </a:ln>
+        </p:spPr>
+        <p:style>
+          <a:lnRef idx="2">
+            <a:schemeClr val="accent1">
+              <a:shade val="50000"/>
+            </a:schemeClr>
+          </a:lnRef>
+          <a:fillRef idx="1">
+            <a:schemeClr val="accent1"/>
+          </a:fillRef>
+          <a:effectRef idx="0">
+            <a:schemeClr val="accent1"/>
+          </a:effectRef>
+          <a:fontRef idx="minor">
+            <a:schemeClr val="lt1"/>
+          </a:fontRef>
+        </p:style>
+        <p:txBody>
+          <a:bodyPr rtlCol="0" anchor="ctr"/>
+          <a:lstStyle/>
+          <a:p>
+            <a:pPr algn="ctr"/>
+            <a:endParaRPr lang="ko-KR" altLang="en-US"/>
+          </a:p>
+        </p:txBody>
+      </p:sp>
+      <p:pic>
+        <p:nvPicPr>
+          <p:cNvPr id="5" name="그림 4">
+            <a:extLst>
+              <a:ext uri="{FF2B5EF4-FFF2-40B4-BE49-F238E27FC236}">
+                <a16:creationId xmlns:a16="http://schemas.microsoft.com/office/drawing/2014/main" id="{2D13EDE2-465D-4ED5-84C0-8B930932085E}"/>
+              </a:ext>
+            </a:extLst>
+          </p:cNvPr>
+          <p:cNvPicPr>
+            <a:picLocks noChangeAspect="1"/>
+          </p:cNvPicPr>
+          <p:nvPr/>
+        </p:nvPicPr>
+        <p:blipFill>
+          <a:blip r:embed="rId4"/>
+          <a:stretch>
+            <a:fillRect/>
+          </a:stretch>
+        </p:blipFill>
+        <p:spPr>
+          <a:xfrm>
+            <a:off x="7345103" y="4888351"/>
+            <a:ext cx="4382320" cy="1059910"/>
+          </a:xfrm>
+          <a:prstGeom prst="rect">
+            <a:avLst/>
+          </a:prstGeom>
+        </p:spPr>
+      </p:pic>
+      <p:sp>
+        <p:nvSpPr>
+          <p:cNvPr id="17" name="직사각형 16">
+            <a:extLst>
+              <a:ext uri="{FF2B5EF4-FFF2-40B4-BE49-F238E27FC236}">
+                <a16:creationId xmlns:a16="http://schemas.microsoft.com/office/drawing/2014/main" id="{B5E9AF84-FF95-4AAF-AC42-9C11747E8DEC}"/>
+              </a:ext>
+            </a:extLst>
+          </p:cNvPr>
+          <p:cNvSpPr/>
+          <p:nvPr/>
+        </p:nvSpPr>
+        <p:spPr>
+          <a:xfrm>
+            <a:off x="7459018" y="5236310"/>
+            <a:ext cx="2609110" cy="610013"/>
+          </a:xfrm>
+          <a:prstGeom prst="rect">
+            <a:avLst/>
+          </a:prstGeom>
+          <a:noFill/>
+          <a:ln w="31750">
+            <a:solidFill>
+              <a:srgbClr val="FF0000"/>
+            </a:solidFill>
+            <a:prstDash val="lgDash"/>
+          </a:ln>
+        </p:spPr>
+        <p:style>
+          <a:lnRef idx="2">
+            <a:schemeClr val="accent1">
+              <a:shade val="50000"/>
+            </a:schemeClr>
+          </a:lnRef>
+          <a:fillRef idx="1">
+            <a:schemeClr val="accent1"/>
+          </a:fillRef>
+          <a:effectRef idx="0">
+            <a:schemeClr val="accent1"/>
+          </a:effectRef>
+          <a:fontRef idx="minor">
+            <a:schemeClr val="lt1"/>
+          </a:fontRef>
+        </p:style>
+        <p:txBody>
+          <a:bodyPr rtlCol="0" anchor="ctr"/>
+          <a:lstStyle/>
+          <a:p>
+            <a:pPr algn="ctr"/>
+            <a:endParaRPr lang="ko-KR" altLang="en-US"/>
+          </a:p>
+        </p:txBody>
+      </p:sp>
+      <p:sp>
+        <p:nvSpPr>
+          <p:cNvPr id="18" name="사각형: 둥근 모서리 17">
+            <a:extLst>
+              <a:ext uri="{FF2B5EF4-FFF2-40B4-BE49-F238E27FC236}">
+                <a16:creationId xmlns:a16="http://schemas.microsoft.com/office/drawing/2014/main" id="{366423B0-3220-4FBE-9599-BA9B830243B8}"/>
+              </a:ext>
+            </a:extLst>
+          </p:cNvPr>
+          <p:cNvSpPr/>
+          <p:nvPr/>
+        </p:nvSpPr>
+        <p:spPr>
+          <a:xfrm>
+            <a:off x="7826715" y="4157306"/>
+            <a:ext cx="3419096" cy="557065"/>
+          </a:xfrm>
+          <a:prstGeom prst="roundRect">
+            <a:avLst/>
+          </a:prstGeom>
+        </p:spPr>
+        <p:style>
+          <a:lnRef idx="2">
+            <a:schemeClr val="accent1">
+              <a:shade val="50000"/>
+            </a:schemeClr>
+          </a:lnRef>
+          <a:fillRef idx="1">
+            <a:schemeClr val="accent1"/>
+          </a:fillRef>
+          <a:effectRef idx="0">
+            <a:schemeClr val="accent1"/>
+          </a:effectRef>
+          <a:fontRef idx="minor">
+            <a:schemeClr val="lt1"/>
+          </a:fontRef>
+        </p:style>
+        <p:txBody>
+          <a:bodyPr rtlCol="0" anchor="ctr"/>
+          <a:lstStyle/>
+          <a:p>
+            <a:pPr algn="ctr"/>
+            <a:r>
+              <a:rPr lang="en-US" altLang="ko-KR" sz="2400" dirty="0"/>
+              <a:t>WriteView</a:t>
+            </a:r>
+          </a:p>
+        </p:txBody>
+      </p:sp>
+    </p:spTree>
+    <p:extLst>
+      <p:ext uri="{BB962C8B-B14F-4D97-AF65-F5344CB8AC3E}">
+        <p14:creationId xmlns:p14="http://schemas.microsoft.com/office/powerpoint/2010/main" val="4288039433"/>
+      </p:ext>
+    </p:extLst>
+  </p:cSld>
+  <p:clrMapOvr>
+    <a:masterClrMapping/>
+  </p:clrMapOvr>
+</p:sld>
+</file>
+
+<file path=ppt/slides/slide17.xml><?xml version="1.0" encoding="utf-8"?>
+<p:sld xmlns:a="http://schemas.openxmlformats.org/drawingml/2006/main" xmlns:r="http://schemas.openxmlformats.org/officeDocument/2006/relationships" xmlns:p="http://schemas.openxmlformats.org/presentationml/2006/main">
+  <p:cSld>
+    <p:spTree>
+      <p:nvGrpSpPr>
+        <p:cNvPr id="1" name="Shape 58"/>
+        <p:cNvGrpSpPr/>
+        <p:nvPr/>
+      </p:nvGrpSpPr>
+      <p:grpSpPr>
+        <a:xfrm>
+          <a:off x="0" y="0"/>
+          <a:ext cx="0" cy="0"/>
+          <a:chOff x="0" y="0"/>
+          <a:chExt cx="0" cy="0"/>
+        </a:xfrm>
+      </p:grpSpPr>
+      <p:sp>
+        <p:nvSpPr>
+          <p:cNvPr id="59" name="Google Shape;59;p3"/>
+          <p:cNvSpPr txBox="1">
+            <a:spLocks noGrp="1"/>
+          </p:cNvSpPr>
+          <p:nvPr>
+            <p:ph type="title"/>
+          </p:nvPr>
+        </p:nvSpPr>
+        <p:spPr>
+          <a:xfrm>
+            <a:off x="605980" y="310143"/>
+            <a:ext cx="10515600" cy="649800"/>
+          </a:xfrm>
+          <a:prstGeom prst="rect">
+            <a:avLst/>
+          </a:prstGeom>
+          <a:noFill/>
+          <a:ln>
+            <a:noFill/>
+          </a:ln>
+        </p:spPr>
+        <p:txBody>
+          <a:bodyPr spcFirstLastPara="1" wrap="square" lIns="91425" tIns="45700" rIns="91425" bIns="45700" anchor="ctr" anchorCtr="0">
+            <a:normAutofit fontScale="90000"/>
+          </a:bodyPr>
+          <a:lstStyle/>
+          <a:p>
+            <a:pPr marL="0" lvl="0" indent="0" algn="l" rtl="0">
+              <a:lnSpc>
+                <a:spcPct val="90000"/>
+              </a:lnSpc>
+              <a:spcBef>
+                <a:spcPts val="0"/>
+              </a:spcBef>
+              <a:spcAft>
+                <a:spcPts val="0"/>
+              </a:spcAft>
+              <a:buClr>
+                <a:schemeClr val="dk1"/>
+              </a:buClr>
+              <a:buSzPts val="4400"/>
+              <a:buFont typeface="Malgun Gothic"/>
+              <a:buNone/>
+            </a:pPr>
+            <a:r>
+              <a:rPr lang="en-US" dirty="0"/>
+              <a:t>2. </a:t>
+            </a:r>
+            <a:r>
+              <a:rPr lang="ko-KR" altLang="en-US" dirty="0"/>
+              <a:t>기능 구현 소개 </a:t>
+            </a:r>
+            <a:r>
+              <a:rPr lang="en-US" altLang="ko-KR" dirty="0"/>
+              <a:t>- TestShell</a:t>
+            </a:r>
+            <a:endParaRPr dirty="0"/>
+          </a:p>
+        </p:txBody>
+      </p:sp>
+      <p:sp>
+        <p:nvSpPr>
+          <p:cNvPr id="9" name="TextBox 8">
+            <a:extLst>
+              <a:ext uri="{FF2B5EF4-FFF2-40B4-BE49-F238E27FC236}">
+                <a16:creationId xmlns:a16="http://schemas.microsoft.com/office/drawing/2014/main" id="{6C704FFD-A1D6-41EA-B864-0A7C66A37985}"/>
+              </a:ext>
+            </a:extLst>
+          </p:cNvPr>
+          <p:cNvSpPr txBox="1"/>
+          <p:nvPr/>
+        </p:nvSpPr>
+        <p:spPr>
+          <a:xfrm>
+            <a:off x="202675" y="1228797"/>
+            <a:ext cx="11741085" cy="480131"/>
+          </a:xfrm>
+          <a:prstGeom prst="rect">
+            <a:avLst/>
+          </a:prstGeom>
+          <a:noFill/>
+        </p:spPr>
+        <p:txBody>
+          <a:bodyPr wrap="square">
+            <a:spAutoFit/>
+          </a:bodyPr>
+          <a:lstStyle/>
+          <a:p>
+            <a:pPr marL="635000" lvl="0" indent="-457200" algn="l" rtl="0">
+              <a:lnSpc>
+                <a:spcPct val="90000"/>
+              </a:lnSpc>
+              <a:spcBef>
+                <a:spcPts val="0"/>
+              </a:spcBef>
+              <a:spcAft>
+                <a:spcPts val="0"/>
+              </a:spcAft>
+              <a:buClr>
+                <a:schemeClr val="dk1"/>
+              </a:buClr>
+              <a:buSzPts val="2800"/>
+              <a:buFontTx/>
+              <a:buChar char="-"/>
+            </a:pPr>
+            <a:r>
+              <a:rPr lang="ko-KR" altLang="en-US" sz="2800" dirty="0">
+                <a:latin typeface="+mn-ea"/>
+                <a:ea typeface="+mn-ea"/>
+              </a:rPr>
+              <a:t>의존성 지옥</a:t>
+            </a:r>
+            <a:r>
+              <a:rPr lang="en-US" altLang="ko-KR" sz="2800" dirty="0">
+                <a:latin typeface="+mn-ea"/>
+                <a:ea typeface="+mn-ea"/>
+              </a:rPr>
+              <a:t>…</a:t>
+            </a:r>
+          </a:p>
+        </p:txBody>
+      </p:sp>
+      <p:sp>
+        <p:nvSpPr>
+          <p:cNvPr id="2" name="사각형: 둥근 모서리 1">
+            <a:extLst>
+              <a:ext uri="{FF2B5EF4-FFF2-40B4-BE49-F238E27FC236}">
+                <a16:creationId xmlns:a16="http://schemas.microsoft.com/office/drawing/2014/main" id="{B30EFF90-C0D6-4E93-BB18-5CD30D2FF55E}"/>
+              </a:ext>
+            </a:extLst>
+          </p:cNvPr>
+          <p:cNvSpPr/>
+          <p:nvPr/>
+        </p:nvSpPr>
+        <p:spPr>
+          <a:xfrm>
+            <a:off x="1081325" y="1831354"/>
+            <a:ext cx="2764409" cy="565626"/>
+          </a:xfrm>
+          <a:prstGeom prst="roundRect">
+            <a:avLst/>
+          </a:prstGeom>
+        </p:spPr>
+        <p:style>
+          <a:lnRef idx="2">
+            <a:schemeClr val="accent1">
+              <a:shade val="50000"/>
+            </a:schemeClr>
+          </a:lnRef>
+          <a:fillRef idx="1">
+            <a:schemeClr val="accent1"/>
+          </a:fillRef>
+          <a:effectRef idx="0">
+            <a:schemeClr val="accent1"/>
+          </a:effectRef>
+          <a:fontRef idx="minor">
+            <a:schemeClr val="lt1"/>
+          </a:fontRef>
+        </p:style>
+        <p:txBody>
+          <a:bodyPr rtlCol="0" anchor="ctr"/>
+          <a:lstStyle/>
+          <a:p>
+            <a:pPr algn="ctr"/>
+            <a:r>
+              <a:rPr lang="en-US" altLang="ko-KR" sz="2400" dirty="0"/>
+              <a:t>Application</a:t>
+            </a:r>
+            <a:endParaRPr lang="ko-KR" altLang="en-US" sz="2400" dirty="0"/>
+          </a:p>
+        </p:txBody>
+      </p:sp>
+      <p:sp>
+        <p:nvSpPr>
+          <p:cNvPr id="12" name="사각형: 둥근 모서리 11">
+            <a:extLst>
+              <a:ext uri="{FF2B5EF4-FFF2-40B4-BE49-F238E27FC236}">
+                <a16:creationId xmlns:a16="http://schemas.microsoft.com/office/drawing/2014/main" id="{5A18EC55-B51F-4550-ACF9-4BE13873446B}"/>
+              </a:ext>
+            </a:extLst>
+          </p:cNvPr>
+          <p:cNvSpPr/>
+          <p:nvPr/>
+        </p:nvSpPr>
+        <p:spPr>
+          <a:xfrm>
+            <a:off x="3775887" y="3452974"/>
+            <a:ext cx="2764409" cy="565626"/>
+          </a:xfrm>
+          <a:prstGeom prst="roundRect">
+            <a:avLst/>
+          </a:prstGeom>
+        </p:spPr>
+        <p:style>
+          <a:lnRef idx="2">
+            <a:schemeClr val="accent1">
+              <a:shade val="50000"/>
+            </a:schemeClr>
+          </a:lnRef>
+          <a:fillRef idx="1">
+            <a:schemeClr val="accent1"/>
+          </a:fillRef>
+          <a:effectRef idx="0">
+            <a:schemeClr val="accent1"/>
+          </a:effectRef>
+          <a:fontRef idx="minor">
+            <a:schemeClr val="lt1"/>
+          </a:fontRef>
+        </p:style>
+        <p:txBody>
+          <a:bodyPr rtlCol="0" anchor="ctr"/>
+          <a:lstStyle/>
+          <a:p>
+            <a:pPr algn="ctr"/>
+            <a:r>
+              <a:rPr lang="en-US" altLang="ko-KR" sz="2400" dirty="0"/>
+              <a:t>WriteCommand</a:t>
+            </a:r>
+            <a:endParaRPr lang="ko-KR" altLang="en-US" sz="2400" dirty="0"/>
+          </a:p>
+        </p:txBody>
+      </p:sp>
+      <p:sp>
+        <p:nvSpPr>
+          <p:cNvPr id="14" name="사각형: 둥근 모서리 13">
+            <a:extLst>
+              <a:ext uri="{FF2B5EF4-FFF2-40B4-BE49-F238E27FC236}">
+                <a16:creationId xmlns:a16="http://schemas.microsoft.com/office/drawing/2014/main" id="{049989AA-0C53-4383-B5AA-7F5961F73407}"/>
+              </a:ext>
+            </a:extLst>
+          </p:cNvPr>
+          <p:cNvSpPr/>
+          <p:nvPr/>
+        </p:nvSpPr>
+        <p:spPr>
+          <a:xfrm>
+            <a:off x="2696117" y="2609539"/>
+            <a:ext cx="3568494" cy="565626"/>
+          </a:xfrm>
+          <a:prstGeom prst="roundRect">
+            <a:avLst/>
+          </a:prstGeom>
+        </p:spPr>
+        <p:style>
+          <a:lnRef idx="2">
+            <a:schemeClr val="accent1">
+              <a:shade val="50000"/>
+            </a:schemeClr>
+          </a:lnRef>
+          <a:fillRef idx="1">
+            <a:schemeClr val="accent1"/>
+          </a:fillRef>
+          <a:effectRef idx="0">
+            <a:schemeClr val="accent1"/>
+          </a:effectRef>
+          <a:fontRef idx="minor">
+            <a:schemeClr val="lt1"/>
+          </a:fontRef>
+        </p:style>
+        <p:txBody>
+          <a:bodyPr rtlCol="0" anchor="ctr"/>
+          <a:lstStyle/>
+          <a:p>
+            <a:pPr algn="ctr"/>
+            <a:r>
+              <a:rPr lang="en-US" altLang="ko-KR" sz="2400" dirty="0"/>
+              <a:t>WriteCommandMapper</a:t>
+            </a:r>
+            <a:endParaRPr lang="ko-KR" altLang="en-US" sz="2400" dirty="0"/>
+          </a:p>
+        </p:txBody>
+      </p:sp>
+      <p:sp>
+        <p:nvSpPr>
+          <p:cNvPr id="15" name="사각형: 둥근 모서리 14">
+            <a:extLst>
+              <a:ext uri="{FF2B5EF4-FFF2-40B4-BE49-F238E27FC236}">
+                <a16:creationId xmlns:a16="http://schemas.microsoft.com/office/drawing/2014/main" id="{FBD21BDF-1B39-4EFE-94A5-D2527556DF0D}"/>
+              </a:ext>
+            </a:extLst>
+          </p:cNvPr>
+          <p:cNvSpPr/>
+          <p:nvPr/>
+        </p:nvSpPr>
+        <p:spPr>
+          <a:xfrm>
+            <a:off x="5871385" y="5063577"/>
+            <a:ext cx="2764409" cy="565626"/>
+          </a:xfrm>
+          <a:prstGeom prst="roundRect">
+            <a:avLst/>
+          </a:prstGeom>
+        </p:spPr>
+        <p:style>
+          <a:lnRef idx="2">
+            <a:schemeClr val="accent1">
+              <a:shade val="50000"/>
+            </a:schemeClr>
+          </a:lnRef>
+          <a:fillRef idx="1">
+            <a:schemeClr val="accent1"/>
+          </a:fillRef>
+          <a:effectRef idx="0">
+            <a:schemeClr val="accent1"/>
+          </a:effectRef>
+          <a:fontRef idx="minor">
+            <a:schemeClr val="lt1"/>
+          </a:fontRef>
+        </p:style>
+        <p:txBody>
+          <a:bodyPr rtlCol="0" anchor="ctr"/>
+          <a:lstStyle/>
+          <a:p>
+            <a:pPr algn="ctr"/>
+            <a:r>
+              <a:rPr lang="en-US" altLang="ko-KR" sz="2400" dirty="0"/>
+              <a:t>SsdController</a:t>
+            </a:r>
+            <a:endParaRPr lang="ko-KR" altLang="en-US" sz="2400" dirty="0"/>
+          </a:p>
+        </p:txBody>
+      </p:sp>
+      <p:sp>
+        <p:nvSpPr>
+          <p:cNvPr id="20" name="사각형: 둥근 모서리 19">
+            <a:extLst>
+              <a:ext uri="{FF2B5EF4-FFF2-40B4-BE49-F238E27FC236}">
+                <a16:creationId xmlns:a16="http://schemas.microsoft.com/office/drawing/2014/main" id="{857825F3-CAB0-45E1-8D2F-5C531C17B008}"/>
+              </a:ext>
+            </a:extLst>
+          </p:cNvPr>
+          <p:cNvSpPr/>
+          <p:nvPr/>
+        </p:nvSpPr>
+        <p:spPr>
+          <a:xfrm>
+            <a:off x="4670832" y="4262753"/>
+            <a:ext cx="2764409" cy="565626"/>
+          </a:xfrm>
+          <a:prstGeom prst="roundRect">
+            <a:avLst/>
+          </a:prstGeom>
+        </p:spPr>
+        <p:style>
+          <a:lnRef idx="2">
+            <a:schemeClr val="accent1">
+              <a:shade val="50000"/>
+            </a:schemeClr>
+          </a:lnRef>
+          <a:fillRef idx="1">
+            <a:schemeClr val="accent1"/>
+          </a:fillRef>
+          <a:effectRef idx="0">
+            <a:schemeClr val="accent1"/>
+          </a:effectRef>
+          <a:fontRef idx="minor">
+            <a:schemeClr val="lt1"/>
+          </a:fontRef>
+        </p:style>
+        <p:txBody>
+          <a:bodyPr rtlCol="0" anchor="ctr"/>
+          <a:lstStyle/>
+          <a:p>
+            <a:pPr algn="ctr"/>
+            <a:r>
+              <a:rPr lang="en-US" altLang="ko-KR" sz="2400" dirty="0"/>
+              <a:t>SsdWriteService</a:t>
+            </a:r>
+            <a:endParaRPr lang="ko-KR" altLang="en-US" sz="2400" dirty="0"/>
+          </a:p>
+        </p:txBody>
+      </p:sp>
+      <p:sp>
+        <p:nvSpPr>
+          <p:cNvPr id="3" name="화살표: 오른쪽으로 구부러짐 2">
+            <a:extLst>
+              <a:ext uri="{FF2B5EF4-FFF2-40B4-BE49-F238E27FC236}">
+                <a16:creationId xmlns:a16="http://schemas.microsoft.com/office/drawing/2014/main" id="{B6243E7E-171A-4700-950C-806449F249E9}"/>
+              </a:ext>
+            </a:extLst>
+          </p:cNvPr>
+          <p:cNvSpPr/>
+          <p:nvPr/>
+        </p:nvSpPr>
+        <p:spPr>
+          <a:xfrm rot="18991705">
+            <a:off x="2029919" y="2568139"/>
+            <a:ext cx="443855" cy="565626"/>
+          </a:xfrm>
+          <a:prstGeom prst="curvedRightArrow">
+            <a:avLst/>
+          </a:prstGeom>
+          <a:solidFill>
+            <a:srgbClr val="FF0000"/>
+          </a:solidFill>
+          <a:ln>
+            <a:noFill/>
+          </a:ln>
+        </p:spPr>
+        <p:style>
+          <a:lnRef idx="2">
+            <a:schemeClr val="accent1">
+              <a:shade val="50000"/>
+            </a:schemeClr>
+          </a:lnRef>
+          <a:fillRef idx="1">
+            <a:schemeClr val="accent1"/>
+          </a:fillRef>
+          <a:effectRef idx="0">
+            <a:schemeClr val="accent1"/>
+          </a:effectRef>
+          <a:fontRef idx="minor">
+            <a:schemeClr val="lt1"/>
+          </a:fontRef>
+        </p:style>
+        <p:txBody>
+          <a:bodyPr rtlCol="0" anchor="ctr"/>
+          <a:lstStyle/>
+          <a:p>
+            <a:pPr algn="ctr"/>
+            <a:endParaRPr lang="ko-KR" altLang="en-US">
+              <a:solidFill>
+                <a:schemeClr val="tx1"/>
+              </a:solidFill>
+            </a:endParaRPr>
+          </a:p>
+        </p:txBody>
+      </p:sp>
+      <p:sp>
+        <p:nvSpPr>
+          <p:cNvPr id="21" name="화살표: 오른쪽으로 구부러짐 20">
+            <a:extLst>
+              <a:ext uri="{FF2B5EF4-FFF2-40B4-BE49-F238E27FC236}">
+                <a16:creationId xmlns:a16="http://schemas.microsoft.com/office/drawing/2014/main" id="{E882506E-C301-4B32-80F2-622DFC00DAF5}"/>
+              </a:ext>
+            </a:extLst>
+          </p:cNvPr>
+          <p:cNvSpPr/>
+          <p:nvPr/>
+        </p:nvSpPr>
+        <p:spPr>
+          <a:xfrm rot="18991705">
+            <a:off x="3109690" y="3413981"/>
+            <a:ext cx="443855" cy="565626"/>
+          </a:xfrm>
+          <a:prstGeom prst="curvedRightArrow">
+            <a:avLst/>
+          </a:prstGeom>
+          <a:solidFill>
+            <a:srgbClr val="FF0000"/>
+          </a:solidFill>
+          <a:ln>
+            <a:noFill/>
+          </a:ln>
+        </p:spPr>
+        <p:style>
+          <a:lnRef idx="2">
+            <a:schemeClr val="accent1">
+              <a:shade val="50000"/>
+            </a:schemeClr>
+          </a:lnRef>
+          <a:fillRef idx="1">
+            <a:schemeClr val="accent1"/>
+          </a:fillRef>
+          <a:effectRef idx="0">
+            <a:schemeClr val="accent1"/>
+          </a:effectRef>
+          <a:fontRef idx="minor">
+            <a:schemeClr val="lt1"/>
+          </a:fontRef>
+        </p:style>
+        <p:txBody>
+          <a:bodyPr rtlCol="0" anchor="ctr"/>
+          <a:lstStyle/>
+          <a:p>
+            <a:pPr algn="ctr"/>
+            <a:endParaRPr lang="ko-KR" altLang="en-US">
+              <a:solidFill>
+                <a:schemeClr val="tx1"/>
+              </a:solidFill>
+            </a:endParaRPr>
+          </a:p>
+        </p:txBody>
+      </p:sp>
+      <p:sp>
+        <p:nvSpPr>
+          <p:cNvPr id="27" name="화살표: 오른쪽으로 구부러짐 26">
+            <a:extLst>
+              <a:ext uri="{FF2B5EF4-FFF2-40B4-BE49-F238E27FC236}">
+                <a16:creationId xmlns:a16="http://schemas.microsoft.com/office/drawing/2014/main" id="{32300CE0-8524-43CE-B9B7-3B79E422C116}"/>
+              </a:ext>
+            </a:extLst>
+          </p:cNvPr>
+          <p:cNvSpPr/>
+          <p:nvPr/>
+        </p:nvSpPr>
+        <p:spPr>
+          <a:xfrm rot="18991705">
+            <a:off x="4093275" y="4187639"/>
+            <a:ext cx="443855" cy="565626"/>
+          </a:xfrm>
+          <a:prstGeom prst="curvedRightArrow">
+            <a:avLst/>
+          </a:prstGeom>
+          <a:solidFill>
+            <a:srgbClr val="FF0000"/>
+          </a:solidFill>
+          <a:ln>
+            <a:noFill/>
+          </a:ln>
+        </p:spPr>
+        <p:style>
+          <a:lnRef idx="2">
+            <a:schemeClr val="accent1">
+              <a:shade val="50000"/>
+            </a:schemeClr>
+          </a:lnRef>
+          <a:fillRef idx="1">
+            <a:schemeClr val="accent1"/>
+          </a:fillRef>
+          <a:effectRef idx="0">
+            <a:schemeClr val="accent1"/>
+          </a:effectRef>
+          <a:fontRef idx="minor">
+            <a:schemeClr val="lt1"/>
+          </a:fontRef>
+        </p:style>
+        <p:txBody>
+          <a:bodyPr rtlCol="0" anchor="ctr"/>
+          <a:lstStyle/>
+          <a:p>
+            <a:pPr algn="ctr"/>
+            <a:endParaRPr lang="ko-KR" altLang="en-US">
+              <a:solidFill>
+                <a:schemeClr val="tx1"/>
+              </a:solidFill>
+            </a:endParaRPr>
+          </a:p>
+        </p:txBody>
+      </p:sp>
+      <p:sp>
+        <p:nvSpPr>
+          <p:cNvPr id="28" name="화살표: 오른쪽으로 구부러짐 27">
+            <a:extLst>
+              <a:ext uri="{FF2B5EF4-FFF2-40B4-BE49-F238E27FC236}">
+                <a16:creationId xmlns:a16="http://schemas.microsoft.com/office/drawing/2014/main" id="{78E0B6D7-A0C0-4717-A4C8-A06BB67DC80E}"/>
+              </a:ext>
+            </a:extLst>
+          </p:cNvPr>
+          <p:cNvSpPr/>
+          <p:nvPr/>
+        </p:nvSpPr>
+        <p:spPr>
+          <a:xfrm rot="18991705">
+            <a:off x="5291794" y="5053721"/>
+            <a:ext cx="443855" cy="565626"/>
+          </a:xfrm>
+          <a:prstGeom prst="curvedRightArrow">
+            <a:avLst/>
+          </a:prstGeom>
+          <a:solidFill>
+            <a:srgbClr val="FF0000"/>
+          </a:solidFill>
+          <a:ln>
+            <a:noFill/>
+          </a:ln>
+        </p:spPr>
+        <p:style>
+          <a:lnRef idx="2">
+            <a:schemeClr val="accent1">
+              <a:shade val="50000"/>
+            </a:schemeClr>
+          </a:lnRef>
+          <a:fillRef idx="1">
+            <a:schemeClr val="accent1"/>
+          </a:fillRef>
+          <a:effectRef idx="0">
+            <a:schemeClr val="accent1"/>
+          </a:effectRef>
+          <a:fontRef idx="minor">
+            <a:schemeClr val="lt1"/>
+          </a:fontRef>
+        </p:style>
+        <p:txBody>
+          <a:bodyPr rtlCol="0" anchor="ctr"/>
+          <a:lstStyle/>
+          <a:p>
+            <a:pPr algn="ctr"/>
+            <a:endParaRPr lang="ko-KR" altLang="en-US">
+              <a:solidFill>
+                <a:schemeClr val="tx1"/>
+              </a:solidFill>
+            </a:endParaRPr>
+          </a:p>
+        </p:txBody>
+      </p:sp>
+    </p:spTree>
+    <p:extLst>
+      <p:ext uri="{BB962C8B-B14F-4D97-AF65-F5344CB8AC3E}">
+        <p14:creationId xmlns:p14="http://schemas.microsoft.com/office/powerpoint/2010/main" val="3711296610"/>
+      </p:ext>
+    </p:extLst>
+  </p:cSld>
+  <p:clrMapOvr>
+    <a:masterClrMapping/>
+  </p:clrMapOvr>
+</p:sld>
+</file>
+
+<file path=ppt/slides/slide18.xml><?xml version="1.0" encoding="utf-8"?>
+<p:sld xmlns:a="http://schemas.openxmlformats.org/drawingml/2006/main" xmlns:r="http://schemas.openxmlformats.org/officeDocument/2006/relationships" xmlns:p="http://schemas.openxmlformats.org/presentationml/2006/main">
+  <p:cSld>
+    <p:spTree>
+      <p:nvGrpSpPr>
+        <p:cNvPr id="1" name="Shape 58"/>
+        <p:cNvGrpSpPr/>
+        <p:nvPr/>
+      </p:nvGrpSpPr>
+      <p:grpSpPr>
+        <a:xfrm>
+          <a:off x="0" y="0"/>
+          <a:ext cx="0" cy="0"/>
+          <a:chOff x="0" y="0"/>
+          <a:chExt cx="0" cy="0"/>
+        </a:xfrm>
+      </p:grpSpPr>
+      <p:sp>
+        <p:nvSpPr>
+          <p:cNvPr id="59" name="Google Shape;59;p3"/>
+          <p:cNvSpPr txBox="1">
+            <a:spLocks noGrp="1"/>
+          </p:cNvSpPr>
+          <p:nvPr>
+            <p:ph type="title"/>
+          </p:nvPr>
+        </p:nvSpPr>
+        <p:spPr>
+          <a:xfrm>
+            <a:off x="605980" y="310143"/>
+            <a:ext cx="10515600" cy="649800"/>
+          </a:xfrm>
+          <a:prstGeom prst="rect">
+            <a:avLst/>
+          </a:prstGeom>
+          <a:noFill/>
+          <a:ln>
+            <a:noFill/>
+          </a:ln>
+        </p:spPr>
+        <p:txBody>
+          <a:bodyPr spcFirstLastPara="1" wrap="square" lIns="91425" tIns="45700" rIns="91425" bIns="45700" anchor="ctr" anchorCtr="0">
+            <a:normAutofit fontScale="90000"/>
+          </a:bodyPr>
+          <a:lstStyle/>
+          <a:p>
+            <a:pPr marL="0" lvl="0" indent="0" algn="l" rtl="0">
+              <a:lnSpc>
+                <a:spcPct val="90000"/>
+              </a:lnSpc>
+              <a:spcBef>
+                <a:spcPts val="0"/>
+              </a:spcBef>
+              <a:spcAft>
+                <a:spcPts val="0"/>
+              </a:spcAft>
+              <a:buClr>
+                <a:schemeClr val="dk1"/>
+              </a:buClr>
+              <a:buSzPts val="4400"/>
+              <a:buFont typeface="Malgun Gothic"/>
+              <a:buNone/>
+            </a:pPr>
+            <a:r>
+              <a:rPr lang="en-US" dirty="0"/>
+              <a:t>2. </a:t>
+            </a:r>
+            <a:r>
+              <a:rPr lang="ko-KR" altLang="en-US" dirty="0"/>
+              <a:t>기능 구현 소개 </a:t>
+            </a:r>
+            <a:r>
+              <a:rPr lang="en-US" altLang="ko-KR" dirty="0"/>
+              <a:t>- TestShell</a:t>
+            </a:r>
+            <a:endParaRPr dirty="0"/>
+          </a:p>
+        </p:txBody>
+      </p:sp>
+      <p:sp>
+        <p:nvSpPr>
+          <p:cNvPr id="9" name="TextBox 8">
+            <a:extLst>
+              <a:ext uri="{FF2B5EF4-FFF2-40B4-BE49-F238E27FC236}">
+                <a16:creationId xmlns:a16="http://schemas.microsoft.com/office/drawing/2014/main" id="{6C704FFD-A1D6-41EA-B864-0A7C66A37985}"/>
+              </a:ext>
+            </a:extLst>
+          </p:cNvPr>
+          <p:cNvSpPr txBox="1"/>
+          <p:nvPr/>
+        </p:nvSpPr>
+        <p:spPr>
+          <a:xfrm>
+            <a:off x="202675" y="1228797"/>
+            <a:ext cx="11741085" cy="480131"/>
+          </a:xfrm>
+          <a:prstGeom prst="rect">
+            <a:avLst/>
+          </a:prstGeom>
+          <a:noFill/>
+        </p:spPr>
+        <p:txBody>
+          <a:bodyPr wrap="square">
+            <a:spAutoFit/>
+          </a:bodyPr>
+          <a:lstStyle/>
+          <a:p>
+            <a:pPr marL="635000" lvl="0" indent="-457200" algn="l" rtl="0">
+              <a:lnSpc>
+                <a:spcPct val="90000"/>
+              </a:lnSpc>
+              <a:spcBef>
+                <a:spcPts val="0"/>
+              </a:spcBef>
+              <a:spcAft>
+                <a:spcPts val="0"/>
+              </a:spcAft>
+              <a:buClr>
+                <a:schemeClr val="dk1"/>
+              </a:buClr>
+              <a:buSzPts val="2800"/>
+              <a:buFontTx/>
+              <a:buChar char="-"/>
+            </a:pPr>
+            <a:r>
+              <a:rPr lang="en-US" altLang="ko-KR" sz="2800" dirty="0">
+                <a:latin typeface="+mn-ea"/>
+                <a:ea typeface="+mn-ea"/>
+              </a:rPr>
+              <a:t>DI </a:t>
+            </a:r>
+            <a:r>
+              <a:rPr lang="ko-KR" altLang="en-US" sz="2800" dirty="0">
+                <a:latin typeface="+mn-ea"/>
+                <a:ea typeface="+mn-ea"/>
+              </a:rPr>
+              <a:t>컨테이너 도입 </a:t>
+            </a:r>
+            <a:r>
+              <a:rPr lang="en-US" altLang="ko-KR" sz="2800" dirty="0">
+                <a:latin typeface="+mn-ea"/>
+                <a:ea typeface="+mn-ea"/>
+              </a:rPr>
+              <a:t>: </a:t>
+            </a:r>
+            <a:r>
+              <a:rPr lang="ko-KR" altLang="en-US" sz="2800" dirty="0">
+                <a:latin typeface="+mn-ea"/>
+                <a:ea typeface="+mn-ea"/>
+              </a:rPr>
+              <a:t>객체의 라이프사이클과 의존관계 설정을 담당함</a:t>
+            </a:r>
+            <a:endParaRPr lang="en-US" altLang="ko-KR" sz="2800" dirty="0">
+              <a:latin typeface="+mn-ea"/>
+              <a:ea typeface="+mn-ea"/>
+            </a:endParaRPr>
+          </a:p>
+        </p:txBody>
+      </p:sp>
+      <p:grpSp>
+        <p:nvGrpSpPr>
+          <p:cNvPr id="32" name="그룹 31">
+            <a:extLst>
+              <a:ext uri="{FF2B5EF4-FFF2-40B4-BE49-F238E27FC236}">
+                <a16:creationId xmlns:a16="http://schemas.microsoft.com/office/drawing/2014/main" id="{8FE86B27-A31C-4DAB-9238-D7A69CDD719D}"/>
+              </a:ext>
+            </a:extLst>
+          </p:cNvPr>
+          <p:cNvGrpSpPr/>
+          <p:nvPr/>
+        </p:nvGrpSpPr>
+        <p:grpSpPr>
+          <a:xfrm>
+            <a:off x="605980" y="1906621"/>
+            <a:ext cx="9501058" cy="4421137"/>
+            <a:chOff x="605980" y="1825558"/>
+            <a:chExt cx="10629900" cy="4978856"/>
+          </a:xfrm>
+        </p:grpSpPr>
+        <p:pic>
+          <p:nvPicPr>
+            <p:cNvPr id="7" name="그림 6">
+              <a:extLst>
+                <a:ext uri="{FF2B5EF4-FFF2-40B4-BE49-F238E27FC236}">
+                  <a16:creationId xmlns:a16="http://schemas.microsoft.com/office/drawing/2014/main" id="{A67D3F13-51B3-4949-A277-5663EEB13F11}"/>
+                </a:ext>
+              </a:extLst>
+            </p:cNvPr>
+            <p:cNvPicPr>
+              <a:picLocks noChangeAspect="1"/>
+            </p:cNvPicPr>
+            <p:nvPr/>
+          </p:nvPicPr>
+          <p:blipFill>
+            <a:blip r:embed="rId3"/>
+            <a:stretch>
+              <a:fillRect/>
+            </a:stretch>
+          </p:blipFill>
+          <p:spPr>
+            <a:xfrm>
+              <a:off x="605980" y="1825558"/>
+              <a:ext cx="9039225" cy="1981200"/>
+            </a:xfrm>
+            <a:prstGeom prst="rect">
+              <a:avLst/>
+            </a:prstGeom>
+          </p:spPr>
+        </p:pic>
+        <p:pic>
+          <p:nvPicPr>
+            <p:cNvPr id="10" name="그림 9">
+              <a:extLst>
+                <a:ext uri="{FF2B5EF4-FFF2-40B4-BE49-F238E27FC236}">
+                  <a16:creationId xmlns:a16="http://schemas.microsoft.com/office/drawing/2014/main" id="{B9B35814-EF5A-41F3-A5CB-BA54AABA15E4}"/>
+                </a:ext>
+              </a:extLst>
+            </p:cNvPr>
+            <p:cNvPicPr>
+              <a:picLocks noChangeAspect="1"/>
+            </p:cNvPicPr>
+            <p:nvPr/>
+          </p:nvPicPr>
+          <p:blipFill>
+            <a:blip r:embed="rId4"/>
+            <a:stretch>
+              <a:fillRect/>
+            </a:stretch>
+          </p:blipFill>
+          <p:spPr>
+            <a:xfrm>
+              <a:off x="605980" y="4011546"/>
+              <a:ext cx="10629900" cy="1266825"/>
+            </a:xfrm>
+            <a:prstGeom prst="rect">
+              <a:avLst/>
+            </a:prstGeom>
+          </p:spPr>
+        </p:pic>
+        <p:pic>
+          <p:nvPicPr>
+            <p:cNvPr id="13" name="그림 12">
+              <a:extLst>
+                <a:ext uri="{FF2B5EF4-FFF2-40B4-BE49-F238E27FC236}">
+                  <a16:creationId xmlns:a16="http://schemas.microsoft.com/office/drawing/2014/main" id="{5F0E9661-EA6E-40F6-89F9-893F4B8A5993}"/>
+                </a:ext>
+              </a:extLst>
+            </p:cNvPr>
+            <p:cNvPicPr>
+              <a:picLocks noChangeAspect="1"/>
+            </p:cNvPicPr>
+            <p:nvPr/>
+          </p:nvPicPr>
+          <p:blipFill>
+            <a:blip r:embed="rId5"/>
+            <a:stretch>
+              <a:fillRect/>
+            </a:stretch>
+          </p:blipFill>
+          <p:spPr>
+            <a:xfrm>
+              <a:off x="605980" y="5476875"/>
+              <a:ext cx="8606114" cy="1327539"/>
+            </a:xfrm>
+            <a:prstGeom prst="rect">
+              <a:avLst/>
+            </a:prstGeom>
+          </p:spPr>
+        </p:pic>
+        <p:sp>
+          <p:nvSpPr>
+            <p:cNvPr id="22" name="직사각형 21">
+              <a:extLst>
+                <a:ext uri="{FF2B5EF4-FFF2-40B4-BE49-F238E27FC236}">
+                  <a16:creationId xmlns:a16="http://schemas.microsoft.com/office/drawing/2014/main" id="{3CE7D8BE-4BF0-41A5-B12E-3572B8A639D9}"/>
+                </a:ext>
+              </a:extLst>
+            </p:cNvPr>
+            <p:cNvSpPr/>
+            <p:nvPr/>
+          </p:nvSpPr>
+          <p:spPr>
+            <a:xfrm>
+              <a:off x="4706090" y="2925233"/>
+              <a:ext cx="1957357" cy="430809"/>
+            </a:xfrm>
+            <a:prstGeom prst="rect">
+              <a:avLst/>
+            </a:prstGeom>
+            <a:noFill/>
+            <a:ln w="31750">
+              <a:solidFill>
+                <a:srgbClr val="FF0000"/>
+              </a:solidFill>
+              <a:prstDash val="lgDash"/>
+            </a:ln>
+          </p:spPr>
+          <p:style>
+            <a:lnRef idx="2">
+              <a:schemeClr val="accent1">
+                <a:shade val="50000"/>
+              </a:schemeClr>
+            </a:lnRef>
+            <a:fillRef idx="1">
+              <a:schemeClr val="accent1"/>
+            </a:fillRef>
+            <a:effectRef idx="0">
+              <a:schemeClr val="accent1"/>
+            </a:effectRef>
+            <a:fontRef idx="minor">
+              <a:schemeClr val="lt1"/>
+            </a:fontRef>
+          </p:style>
+          <p:txBody>
+            <a:bodyPr rtlCol="0" anchor="ctr"/>
+            <a:lstStyle/>
+            <a:p>
+              <a:pPr algn="ctr"/>
+              <a:endParaRPr lang="ko-KR" altLang="en-US"/>
+            </a:p>
+          </p:txBody>
+        </p:sp>
+        <p:sp>
+          <p:nvSpPr>
+            <p:cNvPr id="23" name="직사각형 22">
+              <a:extLst>
+                <a:ext uri="{FF2B5EF4-FFF2-40B4-BE49-F238E27FC236}">
+                  <a16:creationId xmlns:a16="http://schemas.microsoft.com/office/drawing/2014/main" id="{2FE7A86A-B0C6-437D-9792-B3E18F7C53F0}"/>
+                </a:ext>
+              </a:extLst>
+            </p:cNvPr>
+            <p:cNvSpPr/>
+            <p:nvPr/>
+          </p:nvSpPr>
+          <p:spPr>
+            <a:xfrm>
+              <a:off x="9278523" y="4429553"/>
+              <a:ext cx="1843057" cy="366183"/>
+            </a:xfrm>
+            <a:prstGeom prst="rect">
+              <a:avLst/>
+            </a:prstGeom>
+            <a:noFill/>
+            <a:ln w="31750">
+              <a:solidFill>
+                <a:srgbClr val="FF0000"/>
+              </a:solidFill>
+              <a:prstDash val="lgDash"/>
+            </a:ln>
+          </p:spPr>
+          <p:style>
+            <a:lnRef idx="2">
+              <a:schemeClr val="accent1">
+                <a:shade val="50000"/>
+              </a:schemeClr>
+            </a:lnRef>
+            <a:fillRef idx="1">
+              <a:schemeClr val="accent1"/>
+            </a:fillRef>
+            <a:effectRef idx="0">
+              <a:schemeClr val="accent1"/>
+            </a:effectRef>
+            <a:fontRef idx="minor">
+              <a:schemeClr val="lt1"/>
+            </a:fontRef>
+          </p:style>
+          <p:txBody>
+            <a:bodyPr rtlCol="0" anchor="ctr"/>
+            <a:lstStyle/>
+            <a:p>
+              <a:pPr algn="ctr"/>
+              <a:endParaRPr lang="ko-KR" altLang="en-US"/>
+            </a:p>
+          </p:txBody>
+        </p:sp>
+        <p:sp>
+          <p:nvSpPr>
+            <p:cNvPr id="24" name="직사각형 23">
+              <a:extLst>
+                <a:ext uri="{FF2B5EF4-FFF2-40B4-BE49-F238E27FC236}">
+                  <a16:creationId xmlns:a16="http://schemas.microsoft.com/office/drawing/2014/main" id="{36239ED7-DE10-4A71-93F8-45FE2F50A729}"/>
+                </a:ext>
+              </a:extLst>
+            </p:cNvPr>
+            <p:cNvSpPr/>
+            <p:nvPr/>
+          </p:nvSpPr>
+          <p:spPr>
+            <a:xfrm>
+              <a:off x="739302" y="4047395"/>
+              <a:ext cx="5356698" cy="1049899"/>
+            </a:xfrm>
+            <a:prstGeom prst="rect">
+              <a:avLst/>
+            </a:prstGeom>
+            <a:noFill/>
+            <a:ln w="31750">
+              <a:solidFill>
+                <a:srgbClr val="FF0000"/>
+              </a:solidFill>
+              <a:prstDash val="lgDash"/>
+            </a:ln>
+          </p:spPr>
+          <p:style>
+            <a:lnRef idx="2">
+              <a:schemeClr val="accent1">
+                <a:shade val="50000"/>
+              </a:schemeClr>
+            </a:lnRef>
+            <a:fillRef idx="1">
+              <a:schemeClr val="accent1"/>
+            </a:fillRef>
+            <a:effectRef idx="0">
+              <a:schemeClr val="accent1"/>
+            </a:effectRef>
+            <a:fontRef idx="minor">
+              <a:schemeClr val="lt1"/>
+            </a:fontRef>
+          </p:style>
+          <p:txBody>
+            <a:bodyPr rtlCol="0" anchor="ctr"/>
+            <a:lstStyle/>
+            <a:p>
+              <a:pPr algn="ctr"/>
+              <a:endParaRPr lang="ko-KR" altLang="en-US"/>
+            </a:p>
+          </p:txBody>
+        </p:sp>
+        <p:sp>
+          <p:nvSpPr>
+            <p:cNvPr id="25" name="직사각형 24">
+              <a:extLst>
+                <a:ext uri="{FF2B5EF4-FFF2-40B4-BE49-F238E27FC236}">
+                  <a16:creationId xmlns:a16="http://schemas.microsoft.com/office/drawing/2014/main" id="{FF31F7E3-F99D-4F3D-A634-BBE9859D75AC}"/>
+                </a:ext>
+              </a:extLst>
+            </p:cNvPr>
+            <p:cNvSpPr/>
+            <p:nvPr/>
+          </p:nvSpPr>
+          <p:spPr>
+            <a:xfrm>
+              <a:off x="739302" y="5519254"/>
+              <a:ext cx="5124478" cy="1183103"/>
+            </a:xfrm>
+            <a:prstGeom prst="rect">
+              <a:avLst/>
+            </a:prstGeom>
+            <a:noFill/>
+            <a:ln w="31750">
+              <a:solidFill>
+                <a:srgbClr val="FF0000"/>
+              </a:solidFill>
+              <a:prstDash val="lgDash"/>
+            </a:ln>
+          </p:spPr>
+          <p:style>
+            <a:lnRef idx="2">
+              <a:schemeClr val="accent1">
+                <a:shade val="50000"/>
+              </a:schemeClr>
+            </a:lnRef>
+            <a:fillRef idx="1">
+              <a:schemeClr val="accent1"/>
+            </a:fillRef>
+            <a:effectRef idx="0">
+              <a:schemeClr val="accent1"/>
+            </a:effectRef>
+            <a:fontRef idx="minor">
+              <a:schemeClr val="lt1"/>
+            </a:fontRef>
+          </p:style>
+          <p:txBody>
+            <a:bodyPr rtlCol="0" anchor="ctr"/>
+            <a:lstStyle/>
+            <a:p>
+              <a:pPr algn="ctr"/>
+              <a:endParaRPr lang="ko-KR" altLang="en-US"/>
+            </a:p>
+          </p:txBody>
+        </p:sp>
+        <p:cxnSp>
+          <p:nvCxnSpPr>
+            <p:cNvPr id="17" name="직선 화살표 연결선 16">
+              <a:extLst>
+                <a:ext uri="{FF2B5EF4-FFF2-40B4-BE49-F238E27FC236}">
+                  <a16:creationId xmlns:a16="http://schemas.microsoft.com/office/drawing/2014/main" id="{62544337-7CAC-4D87-987B-7DCBAA2E3CB4}"/>
+                </a:ext>
+              </a:extLst>
+            </p:cNvPr>
+            <p:cNvCxnSpPr/>
+            <p:nvPr/>
+          </p:nvCxnSpPr>
+          <p:spPr>
+            <a:xfrm flipV="1">
+              <a:off x="5920930" y="4795736"/>
+              <a:ext cx="3291164" cy="723518"/>
+            </a:xfrm>
+            <a:prstGeom prst="straightConnector1">
+              <a:avLst/>
+            </a:prstGeom>
+            <a:ln w="25400">
+              <a:solidFill>
+                <a:srgbClr val="FF0000"/>
+              </a:solidFill>
+              <a:headEnd w="lg" len="lg"/>
+              <a:tailEnd type="triangle" w="lg" len="lg"/>
+            </a:ln>
+          </p:spPr>
+          <p:style>
+            <a:lnRef idx="1">
+              <a:schemeClr val="accent1"/>
+            </a:lnRef>
+            <a:fillRef idx="0">
+              <a:schemeClr val="accent1"/>
+            </a:fillRef>
+            <a:effectRef idx="0">
+              <a:schemeClr val="accent1"/>
+            </a:effectRef>
+            <a:fontRef idx="minor">
+              <a:schemeClr val="tx1"/>
+            </a:fontRef>
+          </p:style>
+        </p:cxnSp>
+        <p:cxnSp>
+          <p:nvCxnSpPr>
+            <p:cNvPr id="29" name="직선 화살표 연결선 28">
+              <a:extLst>
+                <a:ext uri="{FF2B5EF4-FFF2-40B4-BE49-F238E27FC236}">
+                  <a16:creationId xmlns:a16="http://schemas.microsoft.com/office/drawing/2014/main" id="{CE070260-2AF6-4B69-A8BA-084CD19C54AF}"/>
+                </a:ext>
+              </a:extLst>
+            </p:cNvPr>
+            <p:cNvCxnSpPr>
+              <a:cxnSpLocks/>
+              <a:endCxn id="22" idx="2"/>
+            </p:cNvCxnSpPr>
+            <p:nvPr/>
+          </p:nvCxnSpPr>
+          <p:spPr>
+            <a:xfrm flipV="1">
+              <a:off x="5125592" y="3356042"/>
+              <a:ext cx="559177" cy="649220"/>
+            </a:xfrm>
+            <a:prstGeom prst="straightConnector1">
+              <a:avLst/>
+            </a:prstGeom>
+            <a:ln w="25400">
+              <a:solidFill>
+                <a:srgbClr val="FF0000"/>
+              </a:solidFill>
+              <a:headEnd w="lg" len="lg"/>
+              <a:tailEnd type="triangle" w="lg" len="lg"/>
+            </a:ln>
+          </p:spPr>
+          <p:style>
+            <a:lnRef idx="1">
+              <a:schemeClr val="accent1"/>
+            </a:lnRef>
+            <a:fillRef idx="0">
+              <a:schemeClr val="accent1"/>
+            </a:fillRef>
+            <a:effectRef idx="0">
+              <a:schemeClr val="accent1"/>
+            </a:effectRef>
+            <a:fontRef idx="minor">
+              <a:schemeClr val="tx1"/>
+            </a:fontRef>
+          </p:style>
+        </p:cxnSp>
+      </p:grpSp>
+    </p:spTree>
+    <p:extLst>
+      <p:ext uri="{BB962C8B-B14F-4D97-AF65-F5344CB8AC3E}">
+        <p14:creationId xmlns:p14="http://schemas.microsoft.com/office/powerpoint/2010/main" val="449703693"/>
+      </p:ext>
+    </p:extLst>
+  </p:cSld>
+  <p:clrMapOvr>
+    <a:masterClrMapping/>
+  </p:clrMapOvr>
+</p:sld>
+</file>
+
+<file path=ppt/slides/slide19.xml><?xml version="1.0" encoding="utf-8"?>
+<p:sld xmlns:a="http://schemas.openxmlformats.org/drawingml/2006/main" xmlns:r="http://schemas.openxmlformats.org/officeDocument/2006/relationships" xmlns:p="http://schemas.openxmlformats.org/presentationml/2006/main">
+  <p:cSld>
+    <p:spTree>
+      <p:nvGrpSpPr>
+        <p:cNvPr id="1" name="Shape 53"/>
+        <p:cNvGrpSpPr/>
+        <p:nvPr/>
+      </p:nvGrpSpPr>
+      <p:grpSpPr>
+        <a:xfrm>
+          <a:off x="0" y="0"/>
+          <a:ext cx="0" cy="0"/>
+          <a:chOff x="0" y="0"/>
+          <a:chExt cx="0" cy="0"/>
+        </a:xfrm>
+      </p:grpSpPr>
+      <p:sp>
+        <p:nvSpPr>
+          <p:cNvPr id="54" name="Google Shape;54;p2"/>
+          <p:cNvSpPr txBox="1">
+            <a:spLocks noGrp="1"/>
+          </p:cNvSpPr>
+          <p:nvPr>
+            <p:ph type="body" idx="1"/>
+          </p:nvPr>
+        </p:nvSpPr>
+        <p:spPr>
+          <a:xfrm>
+            <a:off x="1632000" y="1860184"/>
+            <a:ext cx="8928000" cy="2533083"/>
+          </a:xfrm>
+          <a:prstGeom prst="rect">
+            <a:avLst/>
+          </a:prstGeom>
+          <a:noFill/>
+          <a:ln>
+            <a:noFill/>
+          </a:ln>
+        </p:spPr>
+        <p:txBody>
+          <a:bodyPr spcFirstLastPara="1" wrap="square" lIns="0" tIns="45700" rIns="91425" bIns="45700" anchor="ctr" anchorCtr="0">
+            <a:noAutofit/>
+          </a:bodyPr>
+          <a:lstStyle/>
+          <a:p>
+            <a:pPr marL="0" lvl="0" indent="0" algn="ctr" rtl="0">
+              <a:lnSpc>
+                <a:spcPct val="90000"/>
+              </a:lnSpc>
+              <a:spcBef>
+                <a:spcPts val="0"/>
+              </a:spcBef>
+              <a:spcAft>
+                <a:spcPts val="0"/>
+              </a:spcAft>
+              <a:buClr>
+                <a:schemeClr val="dk1"/>
+              </a:buClr>
+              <a:buSzPts val="3200"/>
+              <a:buNone/>
+            </a:pPr>
+            <a:r>
+              <a:rPr lang="en-US" dirty="0"/>
+              <a:t>3. TDD </a:t>
+            </a:r>
+            <a:r>
+              <a:rPr lang="ko-KR" altLang="en-US" dirty="0"/>
+              <a:t>활용 예시</a:t>
+            </a:r>
+            <a:endParaRPr dirty="0"/>
+          </a:p>
+        </p:txBody>
+      </p:sp>
+    </p:spTree>
+    <p:extLst>
+      <p:ext uri="{BB962C8B-B14F-4D97-AF65-F5344CB8AC3E}">
+        <p14:creationId xmlns:p14="http://schemas.microsoft.com/office/powerpoint/2010/main" val="2401939471"/>
+      </p:ext>
+    </p:extLst>
+  </p:cSld>
+  <p:clrMapOvr>
+    <a:masterClrMapping/>
+  </p:clrMapOvr>
+</p:sld>
+</file>
+
 <file path=ppt/slides/slide2.xml><?xml version="1.0" encoding="utf-8"?>
 <p:sld xmlns:a="http://schemas.openxmlformats.org/drawingml/2006/main" xmlns:r="http://schemas.openxmlformats.org/officeDocument/2006/relationships" xmlns:p="http://schemas.openxmlformats.org/presentationml/2006/main">
   <p:cSld>
@@ -5466,6 +11859,93 @@
         </p:txBody>
       </p:sp>
     </p:spTree>
+  </p:cSld>
+  <p:clrMapOvr>
+    <a:masterClrMapping/>
+  </p:clrMapOvr>
+</p:sld>
+</file>
+
+<file path=ppt/slides/slide20.xml><?xml version="1.0" encoding="utf-8"?>
+<p:sld xmlns:a="http://schemas.openxmlformats.org/drawingml/2006/main" xmlns:r="http://schemas.openxmlformats.org/officeDocument/2006/relationships" xmlns:p="http://schemas.openxmlformats.org/presentationml/2006/main">
+  <p:cSld>
+    <p:spTree>
+      <p:nvGrpSpPr>
+        <p:cNvPr id="1" name="Shape 53"/>
+        <p:cNvGrpSpPr/>
+        <p:nvPr/>
+      </p:nvGrpSpPr>
+      <p:grpSpPr>
+        <a:xfrm>
+          <a:off x="0" y="0"/>
+          <a:ext cx="0" cy="0"/>
+          <a:chOff x="0" y="0"/>
+          <a:chExt cx="0" cy="0"/>
+        </a:xfrm>
+      </p:grpSpPr>
+      <p:sp>
+        <p:nvSpPr>
+          <p:cNvPr id="54" name="Google Shape;54;p2"/>
+          <p:cNvSpPr txBox="1">
+            <a:spLocks noGrp="1"/>
+          </p:cNvSpPr>
+          <p:nvPr>
+            <p:ph type="body" idx="1"/>
+          </p:nvPr>
+        </p:nvSpPr>
+        <p:spPr>
+          <a:xfrm>
+            <a:off x="1632000" y="1860184"/>
+            <a:ext cx="8928000" cy="2533083"/>
+          </a:xfrm>
+          <a:prstGeom prst="rect">
+            <a:avLst/>
+          </a:prstGeom>
+          <a:noFill/>
+          <a:ln>
+            <a:noFill/>
+          </a:ln>
+        </p:spPr>
+        <p:txBody>
+          <a:bodyPr spcFirstLastPara="1" wrap="square" lIns="0" tIns="45700" rIns="91425" bIns="45700" anchor="ctr" anchorCtr="0">
+            <a:noAutofit/>
+          </a:bodyPr>
+          <a:lstStyle/>
+          <a:p>
+            <a:pPr marL="0" lvl="0" indent="0" algn="ctr" rtl="0">
+              <a:lnSpc>
+                <a:spcPct val="90000"/>
+              </a:lnSpc>
+              <a:spcBef>
+                <a:spcPts val="0"/>
+              </a:spcBef>
+              <a:spcAft>
+                <a:spcPts val="0"/>
+              </a:spcAft>
+              <a:buClr>
+                <a:schemeClr val="dk1"/>
+              </a:buClr>
+              <a:buSzPts val="3200"/>
+              <a:buNone/>
+            </a:pPr>
+            <a:r>
+              <a:rPr lang="en-US" dirty="0"/>
+              <a:t>4. Mocking </a:t>
+            </a:r>
+            <a:r>
+              <a:rPr lang="ko-KR" altLang="en-US" dirty="0"/>
+              <a:t>활용 예시</a:t>
+            </a:r>
+            <a:endParaRPr dirty="0"/>
+          </a:p>
+        </p:txBody>
+      </p:sp>
+    </p:spTree>
+    <p:extLst>
+      <p:ext uri="{BB962C8B-B14F-4D97-AF65-F5344CB8AC3E}">
+        <p14:creationId xmlns:p14="http://schemas.microsoft.com/office/powerpoint/2010/main" val="1945072022"/>
+      </p:ext>
+    </p:extLst>
   </p:cSld>
   <p:clrMapOvr>
     <a:masterClrMapping/>
@@ -5664,15 +12144,7 @@
             </a:r>
             <a:r>
               <a:rPr lang="en-US" altLang="ko-KR" dirty="0"/>
-              <a:t>: </a:t>
-            </a:r>
-            <a:r>
-              <a:rPr lang="en-US" altLang="ko-KR" dirty="0" err="1"/>
-              <a:t>TestShell</a:t>
-            </a:r>
-            <a:r>
-              <a:rPr lang="en-US" altLang="ko-KR" dirty="0"/>
-              <a:t> </a:t>
+              <a:t>: TestShell </a:t>
             </a:r>
             <a:r>
               <a:rPr lang="ko-KR" altLang="en-US" dirty="0"/>
@@ -5739,15 +12211,7 @@
             </a:r>
             <a:r>
               <a:rPr lang="en-US" altLang="ko-KR" dirty="0"/>
-              <a:t>: </a:t>
-            </a:r>
-            <a:r>
-              <a:rPr lang="en-US" altLang="ko-KR" dirty="0" err="1"/>
-              <a:t>TestShell</a:t>
-            </a:r>
-            <a:r>
-              <a:rPr lang="en-US" altLang="ko-KR" dirty="0"/>
-              <a:t> </a:t>
+              <a:t>: TestShell </a:t>
             </a:r>
             <a:r>
               <a:rPr lang="ko-KR" altLang="en-US" dirty="0"/>
@@ -5836,7 +12300,11 @@
             </a:r>
             <a:r>
               <a:rPr lang="ko-KR" altLang="en-US" dirty="0"/>
-              <a:t>조원 소개 및 역할</a:t>
+              <a:t>기능 구현 소개 </a:t>
+            </a:r>
+            <a:r>
+              <a:rPr lang="en-US" altLang="ko-KR" dirty="0"/>
+              <a:t>- SSD</a:t>
             </a:r>
             <a:endParaRPr dirty="0"/>
           </a:p>
@@ -5919,11 +12387,15 @@
             </a:pPr>
             <a:r>
               <a:rPr lang="en-US" dirty="0"/>
-              <a:t>3. </a:t>
+              <a:t>2. </a:t>
             </a:r>
             <a:r>
               <a:rPr lang="ko-KR" altLang="en-US" dirty="0"/>
-              <a:t>조원 소개 및 역할</a:t>
+              <a:t>기능 구현 소개 </a:t>
+            </a:r>
+            <a:r>
+              <a:rPr lang="en-US" altLang="ko-KR" dirty="0"/>
+              <a:t>- TestShell</a:t>
             </a:r>
             <a:endParaRPr dirty="0"/>
           </a:p>
@@ -5932,7 +12404,2659 @@
     </p:spTree>
     <p:extLst>
       <p:ext uri="{BB962C8B-B14F-4D97-AF65-F5344CB8AC3E}">
-        <p14:creationId xmlns:p14="http://schemas.microsoft.com/office/powerpoint/2010/main" val="2401939471"/>
+        <p14:creationId xmlns:p14="http://schemas.microsoft.com/office/powerpoint/2010/main" val="2240559599"/>
+      </p:ext>
+    </p:extLst>
+  </p:cSld>
+  <p:clrMapOvr>
+    <a:masterClrMapping/>
+  </p:clrMapOvr>
+</p:sld>
+</file>
+
+<file path=ppt/slides/slide6.xml><?xml version="1.0" encoding="utf-8"?>
+<p:sld xmlns:a="http://schemas.openxmlformats.org/drawingml/2006/main" xmlns:r="http://schemas.openxmlformats.org/officeDocument/2006/relationships" xmlns:p="http://schemas.openxmlformats.org/presentationml/2006/main">
+  <p:cSld>
+    <p:spTree>
+      <p:nvGrpSpPr>
+        <p:cNvPr id="1" name="Shape 58"/>
+        <p:cNvGrpSpPr/>
+        <p:nvPr/>
+      </p:nvGrpSpPr>
+      <p:grpSpPr>
+        <a:xfrm>
+          <a:off x="0" y="0"/>
+          <a:ext cx="0" cy="0"/>
+          <a:chOff x="0" y="0"/>
+          <a:chExt cx="0" cy="0"/>
+        </a:xfrm>
+      </p:grpSpPr>
+      <p:sp>
+        <p:nvSpPr>
+          <p:cNvPr id="59" name="Google Shape;59;p3"/>
+          <p:cNvSpPr txBox="1">
+            <a:spLocks noGrp="1"/>
+          </p:cNvSpPr>
+          <p:nvPr>
+            <p:ph type="title"/>
+          </p:nvPr>
+        </p:nvSpPr>
+        <p:spPr>
+          <a:xfrm>
+            <a:off x="605980" y="310143"/>
+            <a:ext cx="10515600" cy="649800"/>
+          </a:xfrm>
+          <a:prstGeom prst="rect">
+            <a:avLst/>
+          </a:prstGeom>
+          <a:noFill/>
+          <a:ln>
+            <a:noFill/>
+          </a:ln>
+        </p:spPr>
+        <p:txBody>
+          <a:bodyPr spcFirstLastPara="1" wrap="square" lIns="91425" tIns="45700" rIns="91425" bIns="45700" anchor="ctr" anchorCtr="0">
+            <a:normAutofit fontScale="90000"/>
+          </a:bodyPr>
+          <a:lstStyle/>
+          <a:p>
+            <a:pPr marL="0" lvl="0" indent="0" algn="l" rtl="0">
+              <a:lnSpc>
+                <a:spcPct val="90000"/>
+              </a:lnSpc>
+              <a:spcBef>
+                <a:spcPts val="0"/>
+              </a:spcBef>
+              <a:spcAft>
+                <a:spcPts val="0"/>
+              </a:spcAft>
+              <a:buClr>
+                <a:schemeClr val="dk1"/>
+              </a:buClr>
+              <a:buSzPts val="4400"/>
+              <a:buFont typeface="Malgun Gothic"/>
+              <a:buNone/>
+            </a:pPr>
+            <a:r>
+              <a:rPr lang="en-US" dirty="0"/>
+              <a:t>2. </a:t>
+            </a:r>
+            <a:r>
+              <a:rPr lang="ko-KR" altLang="en-US" dirty="0"/>
+              <a:t>기능 구현 소개 </a:t>
+            </a:r>
+            <a:r>
+              <a:rPr lang="en-US" altLang="ko-KR" dirty="0"/>
+              <a:t>- TestShell</a:t>
+            </a:r>
+            <a:endParaRPr dirty="0"/>
+          </a:p>
+        </p:txBody>
+      </p:sp>
+      <p:pic>
+        <p:nvPicPr>
+          <p:cNvPr id="5" name="그림 4">
+            <a:extLst>
+              <a:ext uri="{FF2B5EF4-FFF2-40B4-BE49-F238E27FC236}">
+                <a16:creationId xmlns:a16="http://schemas.microsoft.com/office/drawing/2014/main" id="{1A23CD6C-28B4-4306-820B-20B8523C1935}"/>
+              </a:ext>
+            </a:extLst>
+          </p:cNvPr>
+          <p:cNvPicPr>
+            <a:picLocks noChangeAspect="1"/>
+          </p:cNvPicPr>
+          <p:nvPr/>
+        </p:nvPicPr>
+        <p:blipFill>
+          <a:blip r:embed="rId3"/>
+          <a:stretch>
+            <a:fillRect/>
+          </a:stretch>
+        </p:blipFill>
+        <p:spPr>
+          <a:xfrm>
+            <a:off x="1461391" y="2451442"/>
+            <a:ext cx="2815950" cy="2496409"/>
+          </a:xfrm>
+          <a:prstGeom prst="rect">
+            <a:avLst/>
+          </a:prstGeom>
+        </p:spPr>
+      </p:pic>
+      <p:sp>
+        <p:nvSpPr>
+          <p:cNvPr id="9" name="TextBox 8">
+            <a:extLst>
+              <a:ext uri="{FF2B5EF4-FFF2-40B4-BE49-F238E27FC236}">
+                <a16:creationId xmlns:a16="http://schemas.microsoft.com/office/drawing/2014/main" id="{6C704FFD-A1D6-41EA-B864-0A7C66A37985}"/>
+              </a:ext>
+            </a:extLst>
+          </p:cNvPr>
+          <p:cNvSpPr txBox="1"/>
+          <p:nvPr/>
+        </p:nvSpPr>
+        <p:spPr>
+          <a:xfrm>
+            <a:off x="202675" y="1228797"/>
+            <a:ext cx="11741085" cy="480131"/>
+          </a:xfrm>
+          <a:prstGeom prst="rect">
+            <a:avLst/>
+          </a:prstGeom>
+          <a:noFill/>
+        </p:spPr>
+        <p:txBody>
+          <a:bodyPr wrap="square">
+            <a:spAutoFit/>
+          </a:bodyPr>
+          <a:lstStyle/>
+          <a:p>
+            <a:pPr marL="635000" lvl="0" indent="-457200" algn="l" rtl="0">
+              <a:lnSpc>
+                <a:spcPct val="90000"/>
+              </a:lnSpc>
+              <a:spcBef>
+                <a:spcPts val="0"/>
+              </a:spcBef>
+              <a:spcAft>
+                <a:spcPts val="0"/>
+              </a:spcAft>
+              <a:buClr>
+                <a:schemeClr val="dk1"/>
+              </a:buClr>
+              <a:buSzPts val="2800"/>
+              <a:buFontTx/>
+              <a:buChar char="-"/>
+            </a:pPr>
+            <a:r>
+              <a:rPr lang="en-US" altLang="ko-KR" sz="2800" dirty="0">
+                <a:latin typeface="+mn-ea"/>
+                <a:ea typeface="+mn-ea"/>
+              </a:rPr>
+              <a:t>Layered Architecture</a:t>
+            </a:r>
+            <a:r>
+              <a:rPr lang="ko-KR" altLang="en-US" sz="2800" dirty="0">
+                <a:latin typeface="+mn-ea"/>
+                <a:ea typeface="+mn-ea"/>
+              </a:rPr>
+              <a:t>로 </a:t>
+            </a:r>
+            <a:r>
+              <a:rPr lang="en-US" altLang="ko-KR" sz="2800" dirty="0">
+                <a:latin typeface="+mn-ea"/>
+                <a:ea typeface="+mn-ea"/>
+              </a:rPr>
+              <a:t>UI</a:t>
+            </a:r>
+            <a:r>
+              <a:rPr lang="ko-KR" altLang="en-US" sz="2800" dirty="0">
+                <a:latin typeface="+mn-ea"/>
+                <a:ea typeface="+mn-ea"/>
+              </a:rPr>
+              <a:t>와 비즈니스 로직을 분리하여 설계</a:t>
+            </a:r>
+            <a:endParaRPr lang="en-US" altLang="ko-KR" sz="2800" dirty="0">
+              <a:latin typeface="+mn-ea"/>
+              <a:ea typeface="+mn-ea"/>
+            </a:endParaRPr>
+          </a:p>
+        </p:txBody>
+      </p:sp>
+      <p:pic>
+        <p:nvPicPr>
+          <p:cNvPr id="8" name="그림 7">
+            <a:extLst>
+              <a:ext uri="{FF2B5EF4-FFF2-40B4-BE49-F238E27FC236}">
+                <a16:creationId xmlns:a16="http://schemas.microsoft.com/office/drawing/2014/main" id="{BA0528A6-EDC9-4571-AA55-DBAD4B3CF2E3}"/>
+              </a:ext>
+            </a:extLst>
+          </p:cNvPr>
+          <p:cNvPicPr>
+            <a:picLocks noChangeAspect="1"/>
+          </p:cNvPicPr>
+          <p:nvPr/>
+        </p:nvPicPr>
+        <p:blipFill>
+          <a:blip r:embed="rId4"/>
+          <a:stretch>
+            <a:fillRect/>
+          </a:stretch>
+        </p:blipFill>
+        <p:spPr>
+          <a:xfrm>
+            <a:off x="6581873" y="2185172"/>
+            <a:ext cx="2667000" cy="1514475"/>
+          </a:xfrm>
+          <a:prstGeom prst="rect">
+            <a:avLst/>
+          </a:prstGeom>
+        </p:spPr>
+      </p:pic>
+      <p:pic>
+        <p:nvPicPr>
+          <p:cNvPr id="11" name="그림 10">
+            <a:extLst>
+              <a:ext uri="{FF2B5EF4-FFF2-40B4-BE49-F238E27FC236}">
+                <a16:creationId xmlns:a16="http://schemas.microsoft.com/office/drawing/2014/main" id="{A0380CA7-B3B8-4BA8-A52E-21FAD0D17B05}"/>
+              </a:ext>
+            </a:extLst>
+          </p:cNvPr>
+          <p:cNvPicPr>
+            <a:picLocks noChangeAspect="1"/>
+          </p:cNvPicPr>
+          <p:nvPr/>
+        </p:nvPicPr>
+        <p:blipFill>
+          <a:blip r:embed="rId5"/>
+          <a:stretch>
+            <a:fillRect/>
+          </a:stretch>
+        </p:blipFill>
+        <p:spPr>
+          <a:xfrm>
+            <a:off x="7452269" y="3429000"/>
+            <a:ext cx="2747534" cy="1679501"/>
+          </a:xfrm>
+          <a:prstGeom prst="rect">
+            <a:avLst/>
+          </a:prstGeom>
+        </p:spPr>
+      </p:pic>
+      <p:cxnSp>
+        <p:nvCxnSpPr>
+          <p:cNvPr id="13" name="직선 연결선 12">
+            <a:extLst>
+              <a:ext uri="{FF2B5EF4-FFF2-40B4-BE49-F238E27FC236}">
+                <a16:creationId xmlns:a16="http://schemas.microsoft.com/office/drawing/2014/main" id="{F2297225-E8A6-46CE-B1FF-09BAD6598D79}"/>
+              </a:ext>
+            </a:extLst>
+          </p:cNvPr>
+          <p:cNvCxnSpPr/>
+          <p:nvPr/>
+        </p:nvCxnSpPr>
+        <p:spPr>
+          <a:xfrm>
+            <a:off x="5731497" y="1951348"/>
+            <a:ext cx="0" cy="4166648"/>
+          </a:xfrm>
+          <a:prstGeom prst="line">
+            <a:avLst/>
+          </a:prstGeom>
+          <a:ln w="25400">
+            <a:prstDash val="lgDash"/>
+          </a:ln>
+        </p:spPr>
+        <p:style>
+          <a:lnRef idx="1">
+            <a:schemeClr val="accent1"/>
+          </a:lnRef>
+          <a:fillRef idx="0">
+            <a:schemeClr val="accent1"/>
+          </a:fillRef>
+          <a:effectRef idx="0">
+            <a:schemeClr val="accent1"/>
+          </a:effectRef>
+          <a:fontRef idx="minor">
+            <a:schemeClr val="tx1"/>
+          </a:fontRef>
+        </p:style>
+      </p:cxnSp>
+      <p:sp>
+        <p:nvSpPr>
+          <p:cNvPr id="16" name="TextBox 15">
+            <a:extLst>
+              <a:ext uri="{FF2B5EF4-FFF2-40B4-BE49-F238E27FC236}">
+                <a16:creationId xmlns:a16="http://schemas.microsoft.com/office/drawing/2014/main" id="{33A2933A-702E-4E5B-99AE-8597BAA86E1C}"/>
+              </a:ext>
+            </a:extLst>
+          </p:cNvPr>
+          <p:cNvSpPr txBox="1"/>
+          <p:nvPr/>
+        </p:nvSpPr>
+        <p:spPr>
+          <a:xfrm>
+            <a:off x="688157" y="5350921"/>
+            <a:ext cx="4666268" cy="480131"/>
+          </a:xfrm>
+          <a:prstGeom prst="rect">
+            <a:avLst/>
+          </a:prstGeom>
+          <a:noFill/>
+        </p:spPr>
+        <p:txBody>
+          <a:bodyPr wrap="square">
+            <a:spAutoFit/>
+          </a:bodyPr>
+          <a:lstStyle/>
+          <a:p>
+            <a:pPr marL="177800" lvl="0" algn="ctr" rtl="0">
+              <a:lnSpc>
+                <a:spcPct val="90000"/>
+              </a:lnSpc>
+              <a:spcBef>
+                <a:spcPts val="0"/>
+              </a:spcBef>
+              <a:spcAft>
+                <a:spcPts val="0"/>
+              </a:spcAft>
+              <a:buClr>
+                <a:schemeClr val="dk1"/>
+              </a:buClr>
+              <a:buSzPts val="2800"/>
+            </a:pPr>
+            <a:r>
+              <a:rPr lang="en-US" altLang="ko-KR" sz="2800" dirty="0">
+                <a:latin typeface="+mn-ea"/>
+                <a:ea typeface="+mn-ea"/>
+              </a:rPr>
+              <a:t>UI (Presentation) Layer</a:t>
+            </a:r>
+          </a:p>
+        </p:txBody>
+      </p:sp>
+      <p:sp>
+        <p:nvSpPr>
+          <p:cNvPr id="17" name="TextBox 16">
+            <a:extLst>
+              <a:ext uri="{FF2B5EF4-FFF2-40B4-BE49-F238E27FC236}">
+                <a16:creationId xmlns:a16="http://schemas.microsoft.com/office/drawing/2014/main" id="{50C612DF-CAD9-430C-96CA-F8860B358C21}"/>
+              </a:ext>
+            </a:extLst>
+          </p:cNvPr>
+          <p:cNvSpPr txBox="1"/>
+          <p:nvPr/>
+        </p:nvSpPr>
+        <p:spPr>
+          <a:xfrm>
+            <a:off x="7061854" y="5350920"/>
+            <a:ext cx="3863812" cy="480131"/>
+          </a:xfrm>
+          <a:prstGeom prst="rect">
+            <a:avLst/>
+          </a:prstGeom>
+          <a:noFill/>
+        </p:spPr>
+        <p:txBody>
+          <a:bodyPr wrap="square">
+            <a:spAutoFit/>
+          </a:bodyPr>
+          <a:lstStyle/>
+          <a:p>
+            <a:pPr marL="177800" lvl="0" algn="ctr" rtl="0">
+              <a:lnSpc>
+                <a:spcPct val="90000"/>
+              </a:lnSpc>
+              <a:spcBef>
+                <a:spcPts val="0"/>
+              </a:spcBef>
+              <a:spcAft>
+                <a:spcPts val="0"/>
+              </a:spcAft>
+              <a:buClr>
+                <a:schemeClr val="dk1"/>
+              </a:buClr>
+              <a:buSzPts val="2800"/>
+            </a:pPr>
+            <a:r>
+              <a:rPr lang="en-US" altLang="ko-KR" sz="2800" dirty="0">
+                <a:latin typeface="+mn-ea"/>
+                <a:ea typeface="+mn-ea"/>
+              </a:rPr>
+              <a:t> Business Layer</a:t>
+            </a:r>
+          </a:p>
+        </p:txBody>
+      </p:sp>
+    </p:spTree>
+    <p:extLst>
+      <p:ext uri="{BB962C8B-B14F-4D97-AF65-F5344CB8AC3E}">
+        <p14:creationId xmlns:p14="http://schemas.microsoft.com/office/powerpoint/2010/main" val="4025753533"/>
+      </p:ext>
+    </p:extLst>
+  </p:cSld>
+  <p:clrMapOvr>
+    <a:masterClrMapping/>
+  </p:clrMapOvr>
+</p:sld>
+</file>
+
+<file path=ppt/slides/slide7.xml><?xml version="1.0" encoding="utf-8"?>
+<p:sld xmlns:a="http://schemas.openxmlformats.org/drawingml/2006/main" xmlns:r="http://schemas.openxmlformats.org/officeDocument/2006/relationships" xmlns:p="http://schemas.openxmlformats.org/presentationml/2006/main">
+  <p:cSld>
+    <p:spTree>
+      <p:nvGrpSpPr>
+        <p:cNvPr id="1" name="Shape 58"/>
+        <p:cNvGrpSpPr/>
+        <p:nvPr/>
+      </p:nvGrpSpPr>
+      <p:grpSpPr>
+        <a:xfrm>
+          <a:off x="0" y="0"/>
+          <a:ext cx="0" cy="0"/>
+          <a:chOff x="0" y="0"/>
+          <a:chExt cx="0" cy="0"/>
+        </a:xfrm>
+      </p:grpSpPr>
+      <p:sp>
+        <p:nvSpPr>
+          <p:cNvPr id="59" name="Google Shape;59;p3"/>
+          <p:cNvSpPr txBox="1">
+            <a:spLocks noGrp="1"/>
+          </p:cNvSpPr>
+          <p:nvPr>
+            <p:ph type="title"/>
+          </p:nvPr>
+        </p:nvSpPr>
+        <p:spPr>
+          <a:xfrm>
+            <a:off x="605980" y="310143"/>
+            <a:ext cx="10515600" cy="649800"/>
+          </a:xfrm>
+          <a:prstGeom prst="rect">
+            <a:avLst/>
+          </a:prstGeom>
+          <a:noFill/>
+          <a:ln>
+            <a:noFill/>
+          </a:ln>
+        </p:spPr>
+        <p:txBody>
+          <a:bodyPr spcFirstLastPara="1" wrap="square" lIns="91425" tIns="45700" rIns="91425" bIns="45700" anchor="ctr" anchorCtr="0">
+            <a:normAutofit fontScale="90000"/>
+          </a:bodyPr>
+          <a:lstStyle/>
+          <a:p>
+            <a:pPr marL="0" lvl="0" indent="0" algn="l" rtl="0">
+              <a:lnSpc>
+                <a:spcPct val="90000"/>
+              </a:lnSpc>
+              <a:spcBef>
+                <a:spcPts val="0"/>
+              </a:spcBef>
+              <a:spcAft>
+                <a:spcPts val="0"/>
+              </a:spcAft>
+              <a:buClr>
+                <a:schemeClr val="dk1"/>
+              </a:buClr>
+              <a:buSzPts val="4400"/>
+              <a:buFont typeface="Malgun Gothic"/>
+              <a:buNone/>
+            </a:pPr>
+            <a:r>
+              <a:rPr lang="en-US" dirty="0"/>
+              <a:t>2. </a:t>
+            </a:r>
+            <a:r>
+              <a:rPr lang="ko-KR" altLang="en-US" dirty="0"/>
+              <a:t>기능 구현 소개 </a:t>
+            </a:r>
+            <a:r>
+              <a:rPr lang="en-US" altLang="ko-KR" dirty="0"/>
+              <a:t>- TestShell</a:t>
+            </a:r>
+            <a:endParaRPr dirty="0"/>
+          </a:p>
+        </p:txBody>
+      </p:sp>
+      <p:sp>
+        <p:nvSpPr>
+          <p:cNvPr id="9" name="TextBox 8">
+            <a:extLst>
+              <a:ext uri="{FF2B5EF4-FFF2-40B4-BE49-F238E27FC236}">
+                <a16:creationId xmlns:a16="http://schemas.microsoft.com/office/drawing/2014/main" id="{6C704FFD-A1D6-41EA-B864-0A7C66A37985}"/>
+              </a:ext>
+            </a:extLst>
+          </p:cNvPr>
+          <p:cNvSpPr txBox="1"/>
+          <p:nvPr/>
+        </p:nvSpPr>
+        <p:spPr>
+          <a:xfrm>
+            <a:off x="202675" y="1228797"/>
+            <a:ext cx="11741085" cy="480131"/>
+          </a:xfrm>
+          <a:prstGeom prst="rect">
+            <a:avLst/>
+          </a:prstGeom>
+          <a:noFill/>
+        </p:spPr>
+        <p:txBody>
+          <a:bodyPr wrap="square">
+            <a:spAutoFit/>
+          </a:bodyPr>
+          <a:lstStyle/>
+          <a:p>
+            <a:pPr marL="635000" lvl="0" indent="-457200" algn="l" rtl="0">
+              <a:lnSpc>
+                <a:spcPct val="90000"/>
+              </a:lnSpc>
+              <a:spcBef>
+                <a:spcPts val="0"/>
+              </a:spcBef>
+              <a:spcAft>
+                <a:spcPts val="0"/>
+              </a:spcAft>
+              <a:buClr>
+                <a:schemeClr val="dk1"/>
+              </a:buClr>
+              <a:buSzPts val="2800"/>
+              <a:buFontTx/>
+              <a:buChar char="-"/>
+            </a:pPr>
+            <a:r>
+              <a:rPr lang="en-US" altLang="ko-KR" sz="2800" dirty="0">
+                <a:latin typeface="+mn-ea"/>
+                <a:ea typeface="+mn-ea"/>
+              </a:rPr>
+              <a:t>UI</a:t>
+            </a:r>
+            <a:r>
+              <a:rPr lang="ko-KR" altLang="en-US" sz="2800" dirty="0">
+                <a:latin typeface="+mn-ea"/>
+                <a:ea typeface="+mn-ea"/>
+              </a:rPr>
+              <a:t>와 비즈니스 로직을 분리하여 설계</a:t>
+            </a:r>
+            <a:endParaRPr lang="en-US" altLang="ko-KR" sz="2800" dirty="0">
+              <a:latin typeface="+mn-ea"/>
+              <a:ea typeface="+mn-ea"/>
+            </a:endParaRPr>
+          </a:p>
+        </p:txBody>
+      </p:sp>
+      <p:cxnSp>
+        <p:nvCxnSpPr>
+          <p:cNvPr id="13" name="직선 연결선 12">
+            <a:extLst>
+              <a:ext uri="{FF2B5EF4-FFF2-40B4-BE49-F238E27FC236}">
+                <a16:creationId xmlns:a16="http://schemas.microsoft.com/office/drawing/2014/main" id="{F2297225-E8A6-46CE-B1FF-09BAD6598D79}"/>
+              </a:ext>
+            </a:extLst>
+          </p:cNvPr>
+          <p:cNvCxnSpPr>
+            <a:cxnSpLocks/>
+          </p:cNvCxnSpPr>
+          <p:nvPr/>
+        </p:nvCxnSpPr>
+        <p:spPr>
+          <a:xfrm>
+            <a:off x="535517" y="5090491"/>
+            <a:ext cx="11323403" cy="0"/>
+          </a:xfrm>
+          <a:prstGeom prst="line">
+            <a:avLst/>
+          </a:prstGeom>
+          <a:ln w="25400">
+            <a:prstDash val="lgDash"/>
+          </a:ln>
+        </p:spPr>
+        <p:style>
+          <a:lnRef idx="1">
+            <a:schemeClr val="accent1"/>
+          </a:lnRef>
+          <a:fillRef idx="0">
+            <a:schemeClr val="accent1"/>
+          </a:fillRef>
+          <a:effectRef idx="0">
+            <a:schemeClr val="accent1"/>
+          </a:effectRef>
+          <a:fontRef idx="minor">
+            <a:schemeClr val="tx1"/>
+          </a:fontRef>
+        </p:style>
+      </p:cxnSp>
+      <p:sp>
+        <p:nvSpPr>
+          <p:cNvPr id="16" name="TextBox 15">
+            <a:extLst>
+              <a:ext uri="{FF2B5EF4-FFF2-40B4-BE49-F238E27FC236}">
+                <a16:creationId xmlns:a16="http://schemas.microsoft.com/office/drawing/2014/main" id="{33A2933A-702E-4E5B-99AE-8597BAA86E1C}"/>
+              </a:ext>
+            </a:extLst>
+          </p:cNvPr>
+          <p:cNvSpPr txBox="1"/>
+          <p:nvPr/>
+        </p:nvSpPr>
+        <p:spPr>
+          <a:xfrm>
+            <a:off x="456023" y="2967335"/>
+            <a:ext cx="2089214" cy="923330"/>
+          </a:xfrm>
+          <a:prstGeom prst="rect">
+            <a:avLst/>
+          </a:prstGeom>
+          <a:noFill/>
+        </p:spPr>
+        <p:txBody>
+          <a:bodyPr wrap="square">
+            <a:spAutoFit/>
+          </a:bodyPr>
+          <a:lstStyle/>
+          <a:p>
+            <a:pPr marL="177800" lvl="0" algn="ctr" rtl="0">
+              <a:lnSpc>
+                <a:spcPct val="90000"/>
+              </a:lnSpc>
+              <a:spcBef>
+                <a:spcPts val="0"/>
+              </a:spcBef>
+              <a:spcAft>
+                <a:spcPts val="0"/>
+              </a:spcAft>
+              <a:buClr>
+                <a:schemeClr val="dk1"/>
+              </a:buClr>
+              <a:buSzPts val="2800"/>
+            </a:pPr>
+            <a:r>
+              <a:rPr lang="en-US" altLang="ko-KR" sz="2000" b="1" dirty="0">
+                <a:latin typeface="+mn-ea"/>
+                <a:ea typeface="+mn-ea"/>
+              </a:rPr>
+              <a:t>UI (Presentation) Layer</a:t>
+            </a:r>
+          </a:p>
+        </p:txBody>
+      </p:sp>
+      <p:sp>
+        <p:nvSpPr>
+          <p:cNvPr id="17" name="TextBox 16">
+            <a:extLst>
+              <a:ext uri="{FF2B5EF4-FFF2-40B4-BE49-F238E27FC236}">
+                <a16:creationId xmlns:a16="http://schemas.microsoft.com/office/drawing/2014/main" id="{50C612DF-CAD9-430C-96CA-F8860B358C21}"/>
+              </a:ext>
+            </a:extLst>
+          </p:cNvPr>
+          <p:cNvSpPr txBox="1"/>
+          <p:nvPr/>
+        </p:nvSpPr>
+        <p:spPr>
+          <a:xfrm>
+            <a:off x="328759" y="5735160"/>
+            <a:ext cx="2289537" cy="369332"/>
+          </a:xfrm>
+          <a:prstGeom prst="rect">
+            <a:avLst/>
+          </a:prstGeom>
+          <a:noFill/>
+        </p:spPr>
+        <p:txBody>
+          <a:bodyPr wrap="square">
+            <a:spAutoFit/>
+          </a:bodyPr>
+          <a:lstStyle/>
+          <a:p>
+            <a:pPr marL="177800" lvl="0" algn="ctr" rtl="0">
+              <a:lnSpc>
+                <a:spcPct val="90000"/>
+              </a:lnSpc>
+              <a:spcBef>
+                <a:spcPts val="0"/>
+              </a:spcBef>
+              <a:spcAft>
+                <a:spcPts val="0"/>
+              </a:spcAft>
+              <a:buClr>
+                <a:schemeClr val="dk1"/>
+              </a:buClr>
+              <a:buSzPts val="2800"/>
+            </a:pPr>
+            <a:r>
+              <a:rPr lang="en-US" altLang="ko-KR" sz="2000" b="1" dirty="0">
+                <a:latin typeface="+mn-ea"/>
+                <a:ea typeface="+mn-ea"/>
+              </a:rPr>
+              <a:t> Business Layer</a:t>
+            </a:r>
+          </a:p>
+        </p:txBody>
+      </p:sp>
+      <p:sp>
+        <p:nvSpPr>
+          <p:cNvPr id="2" name="사각형: 둥근 모서리 1">
+            <a:extLst>
+              <a:ext uri="{FF2B5EF4-FFF2-40B4-BE49-F238E27FC236}">
+                <a16:creationId xmlns:a16="http://schemas.microsoft.com/office/drawing/2014/main" id="{B30EFF90-C0D6-4E93-BB18-5CD30D2FF55E}"/>
+              </a:ext>
+            </a:extLst>
+          </p:cNvPr>
+          <p:cNvSpPr/>
+          <p:nvPr/>
+        </p:nvSpPr>
+        <p:spPr>
+          <a:xfrm>
+            <a:off x="2618297" y="1977782"/>
+            <a:ext cx="2764409" cy="565626"/>
+          </a:xfrm>
+          <a:prstGeom prst="roundRect">
+            <a:avLst/>
+          </a:prstGeom>
+        </p:spPr>
+        <p:style>
+          <a:lnRef idx="2">
+            <a:schemeClr val="accent1">
+              <a:shade val="50000"/>
+            </a:schemeClr>
+          </a:lnRef>
+          <a:fillRef idx="1">
+            <a:schemeClr val="accent1"/>
+          </a:fillRef>
+          <a:effectRef idx="0">
+            <a:schemeClr val="accent1"/>
+          </a:effectRef>
+          <a:fontRef idx="minor">
+            <a:schemeClr val="lt1"/>
+          </a:fontRef>
+        </p:style>
+        <p:txBody>
+          <a:bodyPr rtlCol="0" anchor="ctr"/>
+          <a:lstStyle/>
+          <a:p>
+            <a:pPr algn="ctr"/>
+            <a:r>
+              <a:rPr lang="en-US" altLang="ko-KR" sz="2400" dirty="0"/>
+              <a:t>Application</a:t>
+            </a:r>
+            <a:endParaRPr lang="ko-KR" altLang="en-US" sz="2400" dirty="0"/>
+          </a:p>
+        </p:txBody>
+      </p:sp>
+      <p:sp>
+        <p:nvSpPr>
+          <p:cNvPr id="12" name="사각형: 둥근 모서리 11">
+            <a:extLst>
+              <a:ext uri="{FF2B5EF4-FFF2-40B4-BE49-F238E27FC236}">
+                <a16:creationId xmlns:a16="http://schemas.microsoft.com/office/drawing/2014/main" id="{5A18EC55-B51F-4550-ACF9-4BE13873446B}"/>
+              </a:ext>
+            </a:extLst>
+          </p:cNvPr>
+          <p:cNvSpPr/>
+          <p:nvPr/>
+        </p:nvSpPr>
+        <p:spPr>
+          <a:xfrm>
+            <a:off x="2618297" y="3597340"/>
+            <a:ext cx="2764409" cy="565626"/>
+          </a:xfrm>
+          <a:prstGeom prst="roundRect">
+            <a:avLst/>
+          </a:prstGeom>
+        </p:spPr>
+        <p:style>
+          <a:lnRef idx="2">
+            <a:schemeClr val="accent1">
+              <a:shade val="50000"/>
+            </a:schemeClr>
+          </a:lnRef>
+          <a:fillRef idx="1">
+            <a:schemeClr val="accent1"/>
+          </a:fillRef>
+          <a:effectRef idx="0">
+            <a:schemeClr val="accent1"/>
+          </a:effectRef>
+          <a:fontRef idx="minor">
+            <a:schemeClr val="lt1"/>
+          </a:fontRef>
+        </p:style>
+        <p:txBody>
+          <a:bodyPr rtlCol="0" anchor="ctr"/>
+          <a:lstStyle/>
+          <a:p>
+            <a:pPr algn="ctr"/>
+            <a:r>
+              <a:rPr lang="en-US" altLang="ko-KR" sz="2400" dirty="0"/>
+              <a:t>Command</a:t>
+            </a:r>
+            <a:endParaRPr lang="ko-KR" altLang="en-US" sz="2400" dirty="0"/>
+          </a:p>
+        </p:txBody>
+      </p:sp>
+      <p:sp>
+        <p:nvSpPr>
+          <p:cNvPr id="14" name="사각형: 둥근 모서리 13">
+            <a:extLst>
+              <a:ext uri="{FF2B5EF4-FFF2-40B4-BE49-F238E27FC236}">
+                <a16:creationId xmlns:a16="http://schemas.microsoft.com/office/drawing/2014/main" id="{049989AA-0C53-4383-B5AA-7F5961F73407}"/>
+              </a:ext>
+            </a:extLst>
+          </p:cNvPr>
+          <p:cNvSpPr/>
+          <p:nvPr/>
+        </p:nvSpPr>
+        <p:spPr>
+          <a:xfrm>
+            <a:off x="2618297" y="2787561"/>
+            <a:ext cx="2764409" cy="565626"/>
+          </a:xfrm>
+          <a:prstGeom prst="roundRect">
+            <a:avLst/>
+          </a:prstGeom>
+        </p:spPr>
+        <p:style>
+          <a:lnRef idx="2">
+            <a:schemeClr val="accent1">
+              <a:shade val="50000"/>
+            </a:schemeClr>
+          </a:lnRef>
+          <a:fillRef idx="1">
+            <a:schemeClr val="accent1"/>
+          </a:fillRef>
+          <a:effectRef idx="0">
+            <a:schemeClr val="accent1"/>
+          </a:effectRef>
+          <a:fontRef idx="minor">
+            <a:schemeClr val="lt1"/>
+          </a:fontRef>
+        </p:style>
+        <p:txBody>
+          <a:bodyPr rtlCol="0" anchor="ctr"/>
+          <a:lstStyle/>
+          <a:p>
+            <a:pPr algn="ctr"/>
+            <a:r>
+              <a:rPr lang="en-US" altLang="ko-KR" sz="2400" dirty="0"/>
+              <a:t>CommandMapper</a:t>
+            </a:r>
+            <a:endParaRPr lang="ko-KR" altLang="en-US" sz="2400" dirty="0"/>
+          </a:p>
+        </p:txBody>
+      </p:sp>
+      <p:sp>
+        <p:nvSpPr>
+          <p:cNvPr id="15" name="사각형: 둥근 모서리 14">
+            <a:extLst>
+              <a:ext uri="{FF2B5EF4-FFF2-40B4-BE49-F238E27FC236}">
+                <a16:creationId xmlns:a16="http://schemas.microsoft.com/office/drawing/2014/main" id="{FBD21BDF-1B39-4EFE-94A5-D2527556DF0D}"/>
+              </a:ext>
+            </a:extLst>
+          </p:cNvPr>
+          <p:cNvSpPr/>
+          <p:nvPr/>
+        </p:nvSpPr>
+        <p:spPr>
+          <a:xfrm>
+            <a:off x="2618297" y="5216898"/>
+            <a:ext cx="2764409" cy="565626"/>
+          </a:xfrm>
+          <a:prstGeom prst="roundRect">
+            <a:avLst/>
+          </a:prstGeom>
+        </p:spPr>
+        <p:style>
+          <a:lnRef idx="2">
+            <a:schemeClr val="accent1">
+              <a:shade val="50000"/>
+            </a:schemeClr>
+          </a:lnRef>
+          <a:fillRef idx="1">
+            <a:schemeClr val="accent1"/>
+          </a:fillRef>
+          <a:effectRef idx="0">
+            <a:schemeClr val="accent1"/>
+          </a:effectRef>
+          <a:fontRef idx="minor">
+            <a:schemeClr val="lt1"/>
+          </a:fontRef>
+        </p:style>
+        <p:txBody>
+          <a:bodyPr rtlCol="0" anchor="ctr"/>
+          <a:lstStyle/>
+          <a:p>
+            <a:pPr algn="ctr"/>
+            <a:r>
+              <a:rPr lang="en-US" altLang="ko-KR" sz="2400" dirty="0"/>
+              <a:t>Service</a:t>
+            </a:r>
+            <a:endParaRPr lang="ko-KR" altLang="en-US" sz="2400" dirty="0"/>
+          </a:p>
+        </p:txBody>
+      </p:sp>
+      <p:sp>
+        <p:nvSpPr>
+          <p:cNvPr id="18" name="사각형: 둥근 모서리 17">
+            <a:extLst>
+              <a:ext uri="{FF2B5EF4-FFF2-40B4-BE49-F238E27FC236}">
+                <a16:creationId xmlns:a16="http://schemas.microsoft.com/office/drawing/2014/main" id="{702433AB-9EA2-4777-86EA-EB8B1176E84C}"/>
+              </a:ext>
+            </a:extLst>
+          </p:cNvPr>
+          <p:cNvSpPr/>
+          <p:nvPr/>
+        </p:nvSpPr>
+        <p:spPr>
+          <a:xfrm>
+            <a:off x="2618297" y="6026677"/>
+            <a:ext cx="2764409" cy="565626"/>
+          </a:xfrm>
+          <a:prstGeom prst="roundRect">
+            <a:avLst/>
+          </a:prstGeom>
+        </p:spPr>
+        <p:style>
+          <a:lnRef idx="2">
+            <a:schemeClr val="accent1">
+              <a:shade val="50000"/>
+            </a:schemeClr>
+          </a:lnRef>
+          <a:fillRef idx="1">
+            <a:schemeClr val="accent1"/>
+          </a:fillRef>
+          <a:effectRef idx="0">
+            <a:schemeClr val="accent1"/>
+          </a:effectRef>
+          <a:fontRef idx="minor">
+            <a:schemeClr val="lt1"/>
+          </a:fontRef>
+        </p:style>
+        <p:txBody>
+          <a:bodyPr rtlCol="0" anchor="ctr"/>
+          <a:lstStyle/>
+          <a:p>
+            <a:pPr algn="ctr"/>
+            <a:r>
+              <a:rPr lang="en-US" altLang="ko-KR" sz="2400" dirty="0"/>
+              <a:t>Infrastructure</a:t>
+            </a:r>
+            <a:endParaRPr lang="ko-KR" altLang="en-US" sz="2400" dirty="0"/>
+          </a:p>
+        </p:txBody>
+      </p:sp>
+      <p:sp>
+        <p:nvSpPr>
+          <p:cNvPr id="19" name="TextBox 18">
+            <a:extLst>
+              <a:ext uri="{FF2B5EF4-FFF2-40B4-BE49-F238E27FC236}">
+                <a16:creationId xmlns:a16="http://schemas.microsoft.com/office/drawing/2014/main" id="{F25B1EFB-0819-449E-9E9C-6E07675B6FE3}"/>
+              </a:ext>
+            </a:extLst>
+          </p:cNvPr>
+          <p:cNvSpPr txBox="1"/>
+          <p:nvPr/>
+        </p:nvSpPr>
+        <p:spPr>
+          <a:xfrm>
+            <a:off x="5552390" y="2072888"/>
+            <a:ext cx="6551625" cy="341632"/>
+          </a:xfrm>
+          <a:prstGeom prst="rect">
+            <a:avLst/>
+          </a:prstGeom>
+          <a:noFill/>
+        </p:spPr>
+        <p:txBody>
+          <a:bodyPr wrap="square">
+            <a:spAutoFit/>
+          </a:bodyPr>
+          <a:lstStyle/>
+          <a:p>
+            <a:pPr marL="177800" lvl="0" rtl="0">
+              <a:lnSpc>
+                <a:spcPct val="90000"/>
+              </a:lnSpc>
+              <a:spcBef>
+                <a:spcPts val="0"/>
+              </a:spcBef>
+              <a:spcAft>
+                <a:spcPts val="0"/>
+              </a:spcAft>
+              <a:buClr>
+                <a:schemeClr val="dk1"/>
+              </a:buClr>
+              <a:buSzPts val="2800"/>
+            </a:pPr>
+            <a:r>
+              <a:rPr lang="ko-KR" altLang="en-US" sz="1800" dirty="0">
+                <a:latin typeface="+mn-ea"/>
+                <a:ea typeface="+mn-ea"/>
+              </a:rPr>
+              <a:t>사용자의 입출력을 받고 결과를 출력하는 </a:t>
+            </a:r>
+            <a:r>
+              <a:rPr lang="en-US" altLang="ko-KR" sz="1800" dirty="0">
+                <a:latin typeface="+mn-ea"/>
+                <a:ea typeface="+mn-ea"/>
+              </a:rPr>
+              <a:t>Console App.</a:t>
+            </a:r>
+          </a:p>
+        </p:txBody>
+      </p:sp>
+      <p:sp>
+        <p:nvSpPr>
+          <p:cNvPr id="20" name="사각형: 둥근 모서리 19">
+            <a:extLst>
+              <a:ext uri="{FF2B5EF4-FFF2-40B4-BE49-F238E27FC236}">
+                <a16:creationId xmlns:a16="http://schemas.microsoft.com/office/drawing/2014/main" id="{857825F3-CAB0-45E1-8D2F-5C531C17B008}"/>
+              </a:ext>
+            </a:extLst>
+          </p:cNvPr>
+          <p:cNvSpPr/>
+          <p:nvPr/>
+        </p:nvSpPr>
+        <p:spPr>
+          <a:xfrm>
+            <a:off x="2618297" y="4341506"/>
+            <a:ext cx="2764409" cy="565626"/>
+          </a:xfrm>
+          <a:prstGeom prst="roundRect">
+            <a:avLst/>
+          </a:prstGeom>
+        </p:spPr>
+        <p:style>
+          <a:lnRef idx="2">
+            <a:schemeClr val="accent1">
+              <a:shade val="50000"/>
+            </a:schemeClr>
+          </a:lnRef>
+          <a:fillRef idx="1">
+            <a:schemeClr val="accent1"/>
+          </a:fillRef>
+          <a:effectRef idx="0">
+            <a:schemeClr val="accent1"/>
+          </a:effectRef>
+          <a:fontRef idx="minor">
+            <a:schemeClr val="lt1"/>
+          </a:fontRef>
+        </p:style>
+        <p:txBody>
+          <a:bodyPr rtlCol="0" anchor="ctr"/>
+          <a:lstStyle/>
+          <a:p>
+            <a:pPr algn="ctr"/>
+            <a:r>
+              <a:rPr lang="en-US" altLang="ko-KR" sz="2400" dirty="0"/>
+              <a:t>View</a:t>
+            </a:r>
+            <a:endParaRPr lang="ko-KR" altLang="en-US" sz="2400" dirty="0"/>
+          </a:p>
+        </p:txBody>
+      </p:sp>
+      <p:sp>
+        <p:nvSpPr>
+          <p:cNvPr id="22" name="TextBox 21">
+            <a:extLst>
+              <a:ext uri="{FF2B5EF4-FFF2-40B4-BE49-F238E27FC236}">
+                <a16:creationId xmlns:a16="http://schemas.microsoft.com/office/drawing/2014/main" id="{2647904B-B1B3-454E-B67C-F00B574EEA74}"/>
+              </a:ext>
+            </a:extLst>
+          </p:cNvPr>
+          <p:cNvSpPr txBox="1"/>
+          <p:nvPr/>
+        </p:nvSpPr>
+        <p:spPr>
+          <a:xfrm>
+            <a:off x="5552389" y="2771938"/>
+            <a:ext cx="6551625" cy="590931"/>
+          </a:xfrm>
+          <a:prstGeom prst="rect">
+            <a:avLst/>
+          </a:prstGeom>
+          <a:noFill/>
+        </p:spPr>
+        <p:txBody>
+          <a:bodyPr wrap="square">
+            <a:spAutoFit/>
+          </a:bodyPr>
+          <a:lstStyle/>
+          <a:p>
+            <a:pPr marL="177800" lvl="0" rtl="0">
+              <a:lnSpc>
+                <a:spcPct val="90000"/>
+              </a:lnSpc>
+              <a:spcBef>
+                <a:spcPts val="0"/>
+              </a:spcBef>
+              <a:spcAft>
+                <a:spcPts val="0"/>
+              </a:spcAft>
+              <a:buClr>
+                <a:schemeClr val="dk1"/>
+              </a:buClr>
+              <a:buSzPts val="2800"/>
+            </a:pPr>
+            <a:r>
+              <a:rPr lang="ko-KR" altLang="en-US" sz="1800" dirty="0">
+                <a:latin typeface="+mn-ea"/>
+                <a:ea typeface="+mn-ea"/>
+              </a:rPr>
+              <a:t>사용자의 입력을 해석하고 </a:t>
+            </a:r>
+            <a:r>
+              <a:rPr lang="en-US" altLang="ko-KR" sz="1800" dirty="0">
+                <a:latin typeface="+mn-ea"/>
+                <a:ea typeface="+mn-ea"/>
+              </a:rPr>
+              <a:t>Parsing</a:t>
+            </a:r>
+            <a:r>
+              <a:rPr lang="ko-KR" altLang="en-US" sz="1800" dirty="0">
+                <a:latin typeface="+mn-ea"/>
+                <a:ea typeface="+mn-ea"/>
+              </a:rPr>
+              <a:t>하여 맞는 </a:t>
+            </a:r>
+            <a:r>
+              <a:rPr lang="en-US" altLang="ko-KR" sz="1800" dirty="0">
+                <a:latin typeface="+mn-ea"/>
+                <a:ea typeface="+mn-ea"/>
+              </a:rPr>
+              <a:t>Command </a:t>
+            </a:r>
+          </a:p>
+          <a:p>
+            <a:pPr marL="177800" lvl="0" rtl="0">
+              <a:lnSpc>
+                <a:spcPct val="90000"/>
+              </a:lnSpc>
+              <a:spcBef>
+                <a:spcPts val="0"/>
+              </a:spcBef>
+              <a:spcAft>
+                <a:spcPts val="0"/>
+              </a:spcAft>
+              <a:buClr>
+                <a:schemeClr val="dk1"/>
+              </a:buClr>
+              <a:buSzPts val="2800"/>
+            </a:pPr>
+            <a:r>
+              <a:rPr lang="en-US" altLang="ko-KR" sz="1800" dirty="0">
+                <a:latin typeface="+mn-ea"/>
+                <a:ea typeface="+mn-ea"/>
+              </a:rPr>
+              <a:t>(ex. Fullread command) </a:t>
+            </a:r>
+            <a:r>
+              <a:rPr lang="ko-KR" altLang="en-US" sz="1800" dirty="0">
+                <a:latin typeface="+mn-ea"/>
+                <a:ea typeface="+mn-ea"/>
+              </a:rPr>
+              <a:t>객체 생성</a:t>
+            </a:r>
+            <a:endParaRPr lang="en-US" altLang="ko-KR" sz="1800" dirty="0">
+              <a:latin typeface="+mn-ea"/>
+              <a:ea typeface="+mn-ea"/>
+            </a:endParaRPr>
+          </a:p>
+        </p:txBody>
+      </p:sp>
+      <p:sp>
+        <p:nvSpPr>
+          <p:cNvPr id="23" name="TextBox 22">
+            <a:extLst>
+              <a:ext uri="{FF2B5EF4-FFF2-40B4-BE49-F238E27FC236}">
+                <a16:creationId xmlns:a16="http://schemas.microsoft.com/office/drawing/2014/main" id="{6BF65E3F-98B3-40B0-82C4-BFE986993682}"/>
+              </a:ext>
+            </a:extLst>
+          </p:cNvPr>
+          <p:cNvSpPr txBox="1"/>
+          <p:nvPr/>
+        </p:nvSpPr>
+        <p:spPr>
+          <a:xfrm>
+            <a:off x="5552389" y="3579357"/>
+            <a:ext cx="6551625" cy="590931"/>
+          </a:xfrm>
+          <a:prstGeom prst="rect">
+            <a:avLst/>
+          </a:prstGeom>
+          <a:noFill/>
+        </p:spPr>
+        <p:txBody>
+          <a:bodyPr wrap="square">
+            <a:spAutoFit/>
+          </a:bodyPr>
+          <a:lstStyle/>
+          <a:p>
+            <a:pPr marL="177800" lvl="0" rtl="0">
+              <a:lnSpc>
+                <a:spcPct val="90000"/>
+              </a:lnSpc>
+              <a:spcBef>
+                <a:spcPts val="0"/>
+              </a:spcBef>
+              <a:spcAft>
+                <a:spcPts val="0"/>
+              </a:spcAft>
+              <a:buClr>
+                <a:schemeClr val="dk1"/>
+              </a:buClr>
+              <a:buSzPts val="2800"/>
+            </a:pPr>
+            <a:r>
+              <a:rPr lang="ko-KR" altLang="en-US" sz="1800" dirty="0">
+                <a:latin typeface="+mn-ea"/>
+                <a:ea typeface="+mn-ea"/>
+              </a:rPr>
+              <a:t>수행해야 할 작업을 </a:t>
+            </a:r>
+            <a:r>
+              <a:rPr lang="en-US" altLang="ko-KR" sz="1800" dirty="0">
+                <a:latin typeface="+mn-ea"/>
+                <a:ea typeface="+mn-ea"/>
+              </a:rPr>
+              <a:t>Service</a:t>
+            </a:r>
+            <a:r>
+              <a:rPr lang="ko-KR" altLang="en-US" sz="1800" dirty="0">
+                <a:latin typeface="+mn-ea"/>
+                <a:ea typeface="+mn-ea"/>
+              </a:rPr>
+              <a:t>에 위임하고</a:t>
+            </a:r>
+            <a:r>
+              <a:rPr lang="en-US" altLang="ko-KR" sz="1800" dirty="0">
+                <a:latin typeface="+mn-ea"/>
+                <a:ea typeface="+mn-ea"/>
+              </a:rPr>
+              <a:t>, </a:t>
+            </a:r>
+            <a:r>
+              <a:rPr lang="ko-KR" altLang="en-US" sz="1800" dirty="0">
+                <a:latin typeface="+mn-ea"/>
+                <a:ea typeface="+mn-ea"/>
+              </a:rPr>
+              <a:t>결과를 받아 </a:t>
+            </a:r>
+            <a:r>
+              <a:rPr lang="en-US" altLang="ko-KR" sz="1800" dirty="0">
+                <a:latin typeface="+mn-ea"/>
+                <a:ea typeface="+mn-ea"/>
+              </a:rPr>
+              <a:t>View </a:t>
+            </a:r>
+            <a:r>
+              <a:rPr lang="ko-KR" altLang="en-US" sz="1800" dirty="0">
+                <a:latin typeface="+mn-ea"/>
+                <a:ea typeface="+mn-ea"/>
+              </a:rPr>
+              <a:t>객체를 생성하여 반환</a:t>
+            </a:r>
+            <a:endParaRPr lang="en-US" altLang="ko-KR" sz="1800" dirty="0">
+              <a:latin typeface="+mn-ea"/>
+              <a:ea typeface="+mn-ea"/>
+            </a:endParaRPr>
+          </a:p>
+        </p:txBody>
+      </p:sp>
+      <p:sp>
+        <p:nvSpPr>
+          <p:cNvPr id="24" name="TextBox 23">
+            <a:extLst>
+              <a:ext uri="{FF2B5EF4-FFF2-40B4-BE49-F238E27FC236}">
+                <a16:creationId xmlns:a16="http://schemas.microsoft.com/office/drawing/2014/main" id="{2D59761D-803A-457F-8E14-4F211A02B915}"/>
+              </a:ext>
+            </a:extLst>
+          </p:cNvPr>
+          <p:cNvSpPr txBox="1"/>
+          <p:nvPr/>
+        </p:nvSpPr>
+        <p:spPr>
+          <a:xfrm>
+            <a:off x="5552389" y="4366987"/>
+            <a:ext cx="6551625" cy="590931"/>
+          </a:xfrm>
+          <a:prstGeom prst="rect">
+            <a:avLst/>
+          </a:prstGeom>
+          <a:noFill/>
+        </p:spPr>
+        <p:txBody>
+          <a:bodyPr wrap="square">
+            <a:spAutoFit/>
+          </a:bodyPr>
+          <a:lstStyle/>
+          <a:p>
+            <a:pPr marL="177800" lvl="0" rtl="0">
+              <a:lnSpc>
+                <a:spcPct val="90000"/>
+              </a:lnSpc>
+              <a:spcBef>
+                <a:spcPts val="0"/>
+              </a:spcBef>
+              <a:spcAft>
+                <a:spcPts val="0"/>
+              </a:spcAft>
+              <a:buClr>
+                <a:schemeClr val="dk1"/>
+              </a:buClr>
+              <a:buSzPts val="2800"/>
+            </a:pPr>
+            <a:r>
+              <a:rPr lang="ko-KR" altLang="en-US" sz="1800" dirty="0">
+                <a:latin typeface="+mn-ea"/>
+                <a:ea typeface="+mn-ea"/>
+              </a:rPr>
+              <a:t>결과를 </a:t>
+            </a:r>
+            <a:r>
+              <a:rPr lang="en-US" altLang="ko-KR" sz="1800" dirty="0">
+                <a:latin typeface="+mn-ea"/>
+                <a:ea typeface="+mn-ea"/>
+              </a:rPr>
+              <a:t>Application</a:t>
+            </a:r>
+            <a:r>
+              <a:rPr lang="ko-KR" altLang="en-US" sz="1800" dirty="0">
+                <a:latin typeface="+mn-ea"/>
+                <a:ea typeface="+mn-ea"/>
+              </a:rPr>
+              <a:t>에서 전달해준 </a:t>
+            </a:r>
+            <a:r>
+              <a:rPr lang="en-US" altLang="ko-KR" sz="1800" dirty="0">
+                <a:latin typeface="+mn-ea"/>
+                <a:ea typeface="+mn-ea"/>
+              </a:rPr>
+              <a:t>stream/logger</a:t>
+            </a:r>
+            <a:r>
+              <a:rPr lang="ko-KR" altLang="en-US" sz="1800" dirty="0">
+                <a:latin typeface="+mn-ea"/>
+                <a:ea typeface="+mn-ea"/>
+              </a:rPr>
+              <a:t>에 정해진대로 출력하는 역할</a:t>
+            </a:r>
+            <a:endParaRPr lang="en-US" altLang="ko-KR" sz="1800" dirty="0">
+              <a:latin typeface="+mn-ea"/>
+              <a:ea typeface="+mn-ea"/>
+            </a:endParaRPr>
+          </a:p>
+        </p:txBody>
+      </p:sp>
+      <p:sp>
+        <p:nvSpPr>
+          <p:cNvPr id="25" name="TextBox 24">
+            <a:extLst>
+              <a:ext uri="{FF2B5EF4-FFF2-40B4-BE49-F238E27FC236}">
+                <a16:creationId xmlns:a16="http://schemas.microsoft.com/office/drawing/2014/main" id="{9927FF2F-E892-41BA-B380-5FAEDBC651C6}"/>
+              </a:ext>
+            </a:extLst>
+          </p:cNvPr>
+          <p:cNvSpPr txBox="1"/>
+          <p:nvPr/>
+        </p:nvSpPr>
+        <p:spPr>
+          <a:xfrm>
+            <a:off x="5552389" y="5328895"/>
+            <a:ext cx="6551625" cy="590931"/>
+          </a:xfrm>
+          <a:prstGeom prst="rect">
+            <a:avLst/>
+          </a:prstGeom>
+          <a:noFill/>
+        </p:spPr>
+        <p:txBody>
+          <a:bodyPr wrap="square">
+            <a:spAutoFit/>
+          </a:bodyPr>
+          <a:lstStyle/>
+          <a:p>
+            <a:pPr marL="177800" lvl="0" rtl="0">
+              <a:lnSpc>
+                <a:spcPct val="90000"/>
+              </a:lnSpc>
+              <a:spcBef>
+                <a:spcPts val="0"/>
+              </a:spcBef>
+              <a:spcAft>
+                <a:spcPts val="0"/>
+              </a:spcAft>
+              <a:buClr>
+                <a:schemeClr val="dk1"/>
+              </a:buClr>
+              <a:buSzPts val="2800"/>
+            </a:pPr>
+            <a:r>
+              <a:rPr lang="ko-KR" altLang="en-US" sz="1800" dirty="0">
+                <a:latin typeface="+mn-ea"/>
+                <a:ea typeface="+mn-ea"/>
+              </a:rPr>
+              <a:t>수행해야 할 </a:t>
+            </a:r>
+            <a:r>
+              <a:rPr lang="en-US" altLang="ko-KR" sz="1800" dirty="0">
+                <a:latin typeface="+mn-ea"/>
+                <a:ea typeface="+mn-ea"/>
+              </a:rPr>
+              <a:t>Business Logic (ex. </a:t>
+            </a:r>
+            <a:r>
+              <a:rPr lang="en-US" altLang="ko-KR" sz="1800" dirty="0" err="1">
+                <a:latin typeface="+mn-ea"/>
+                <a:ea typeface="+mn-ea"/>
+              </a:rPr>
+              <a:t>SsdFullWriteService</a:t>
+            </a:r>
+            <a:r>
+              <a:rPr lang="ko-KR" altLang="en-US" sz="1800" dirty="0">
+                <a:latin typeface="+mn-ea"/>
+                <a:ea typeface="+mn-ea"/>
+              </a:rPr>
+              <a:t>는 </a:t>
+            </a:r>
+            <a:r>
+              <a:rPr lang="en-US" altLang="ko-KR" sz="1800" dirty="0">
+                <a:latin typeface="+mn-ea"/>
+                <a:ea typeface="+mn-ea"/>
+              </a:rPr>
+              <a:t>Max LBA</a:t>
+            </a:r>
+            <a:r>
+              <a:rPr lang="ko-KR" altLang="en-US" sz="1800" dirty="0">
+                <a:latin typeface="+mn-ea"/>
+                <a:ea typeface="+mn-ea"/>
+              </a:rPr>
+              <a:t>까지 하나씩 </a:t>
+            </a:r>
+            <a:r>
+              <a:rPr lang="en-US" altLang="ko-KR" sz="1800" dirty="0">
+                <a:latin typeface="+mn-ea"/>
+                <a:ea typeface="+mn-ea"/>
+              </a:rPr>
+              <a:t>Write </a:t>
+            </a:r>
+            <a:r>
+              <a:rPr lang="ko-KR" altLang="en-US" sz="1800" dirty="0">
+                <a:latin typeface="+mn-ea"/>
+                <a:ea typeface="+mn-ea"/>
+              </a:rPr>
+              <a:t>하는 </a:t>
+            </a:r>
+            <a:r>
+              <a:rPr lang="en-US" altLang="ko-KR" sz="1800" dirty="0">
+                <a:latin typeface="+mn-ea"/>
+                <a:ea typeface="+mn-ea"/>
+              </a:rPr>
+              <a:t>logic</a:t>
+            </a:r>
+            <a:r>
+              <a:rPr lang="ko-KR" altLang="en-US" sz="1800" dirty="0">
+                <a:latin typeface="+mn-ea"/>
+                <a:ea typeface="+mn-ea"/>
+              </a:rPr>
+              <a:t>을 가지고 있음</a:t>
+            </a:r>
+            <a:r>
+              <a:rPr lang="en-US" altLang="ko-KR" sz="1800" dirty="0">
+                <a:latin typeface="+mn-ea"/>
+                <a:ea typeface="+mn-ea"/>
+              </a:rPr>
+              <a:t>)</a:t>
+            </a:r>
+          </a:p>
+        </p:txBody>
+      </p:sp>
+      <p:sp>
+        <p:nvSpPr>
+          <p:cNvPr id="26" name="TextBox 25">
+            <a:extLst>
+              <a:ext uri="{FF2B5EF4-FFF2-40B4-BE49-F238E27FC236}">
+                <a16:creationId xmlns:a16="http://schemas.microsoft.com/office/drawing/2014/main" id="{24A3DAE6-B1CA-4DC0-B3E6-27D018E5522C}"/>
+              </a:ext>
+            </a:extLst>
+          </p:cNvPr>
+          <p:cNvSpPr txBox="1"/>
+          <p:nvPr/>
+        </p:nvSpPr>
+        <p:spPr>
+          <a:xfrm>
+            <a:off x="5552389" y="6032496"/>
+            <a:ext cx="6551625" cy="590931"/>
+          </a:xfrm>
+          <a:prstGeom prst="rect">
+            <a:avLst/>
+          </a:prstGeom>
+          <a:noFill/>
+        </p:spPr>
+        <p:txBody>
+          <a:bodyPr wrap="square">
+            <a:spAutoFit/>
+          </a:bodyPr>
+          <a:lstStyle/>
+          <a:p>
+            <a:pPr marL="177800" lvl="0" rtl="0">
+              <a:lnSpc>
+                <a:spcPct val="90000"/>
+              </a:lnSpc>
+              <a:spcBef>
+                <a:spcPts val="0"/>
+              </a:spcBef>
+              <a:spcAft>
+                <a:spcPts val="0"/>
+              </a:spcAft>
+              <a:buClr>
+                <a:schemeClr val="dk1"/>
+              </a:buClr>
+              <a:buSzPts val="2800"/>
+            </a:pPr>
+            <a:r>
+              <a:rPr lang="ko-KR" altLang="en-US" sz="1800" dirty="0">
+                <a:latin typeface="+mn-ea"/>
+                <a:ea typeface="+mn-ea"/>
+              </a:rPr>
+              <a:t>기술 종속성이 강한 객체 </a:t>
+            </a:r>
+            <a:r>
+              <a:rPr lang="en-US" altLang="ko-KR" sz="1800" dirty="0">
+                <a:latin typeface="+mn-ea"/>
+                <a:ea typeface="+mn-ea"/>
+              </a:rPr>
+              <a:t>(ex. </a:t>
+            </a:r>
+            <a:r>
+              <a:rPr lang="ko-KR" altLang="en-US" sz="1800" dirty="0">
+                <a:latin typeface="+mn-ea"/>
+                <a:ea typeface="+mn-ea"/>
+              </a:rPr>
+              <a:t>실제로 </a:t>
+            </a:r>
+            <a:r>
+              <a:rPr lang="en-US" altLang="ko-KR" sz="1800" dirty="0">
+                <a:latin typeface="+mn-ea"/>
+                <a:ea typeface="+mn-ea"/>
+              </a:rPr>
+              <a:t>SSD</a:t>
+            </a:r>
+            <a:r>
+              <a:rPr lang="ko-KR" altLang="en-US" sz="1800" dirty="0">
+                <a:latin typeface="+mn-ea"/>
+                <a:ea typeface="+mn-ea"/>
+              </a:rPr>
+              <a:t>와 통신</a:t>
+            </a:r>
+            <a:r>
+              <a:rPr lang="en-US" altLang="ko-KR" sz="1800" dirty="0">
+                <a:latin typeface="+mn-ea"/>
+                <a:ea typeface="+mn-ea"/>
+              </a:rPr>
+              <a:t>, </a:t>
+            </a:r>
+            <a:r>
+              <a:rPr lang="ko-KR" altLang="en-US" sz="1800" dirty="0">
+                <a:latin typeface="+mn-ea"/>
+                <a:ea typeface="+mn-ea"/>
+              </a:rPr>
+              <a:t>데이터베이스 작업 등등</a:t>
+            </a:r>
+            <a:r>
+              <a:rPr lang="en-US" altLang="ko-KR" sz="1800" dirty="0">
+                <a:latin typeface="+mn-ea"/>
+                <a:ea typeface="+mn-ea"/>
+              </a:rPr>
+              <a:t>)</a:t>
+            </a:r>
+          </a:p>
+        </p:txBody>
+      </p:sp>
+    </p:spTree>
+    <p:extLst>
+      <p:ext uri="{BB962C8B-B14F-4D97-AF65-F5344CB8AC3E}">
+        <p14:creationId xmlns:p14="http://schemas.microsoft.com/office/powerpoint/2010/main" val="3563304144"/>
+      </p:ext>
+    </p:extLst>
+  </p:cSld>
+  <p:clrMapOvr>
+    <a:masterClrMapping/>
+  </p:clrMapOvr>
+</p:sld>
+</file>
+
+<file path=ppt/slides/slide8.xml><?xml version="1.0" encoding="utf-8"?>
+<p:sld xmlns:a="http://schemas.openxmlformats.org/drawingml/2006/main" xmlns:r="http://schemas.openxmlformats.org/officeDocument/2006/relationships" xmlns:p="http://schemas.openxmlformats.org/presentationml/2006/main">
+  <p:cSld>
+    <p:spTree>
+      <p:nvGrpSpPr>
+        <p:cNvPr id="1" name="Shape 58"/>
+        <p:cNvGrpSpPr/>
+        <p:nvPr/>
+      </p:nvGrpSpPr>
+      <p:grpSpPr>
+        <a:xfrm>
+          <a:off x="0" y="0"/>
+          <a:ext cx="0" cy="0"/>
+          <a:chOff x="0" y="0"/>
+          <a:chExt cx="0" cy="0"/>
+        </a:xfrm>
+      </p:grpSpPr>
+      <p:sp>
+        <p:nvSpPr>
+          <p:cNvPr id="59" name="Google Shape;59;p3"/>
+          <p:cNvSpPr txBox="1">
+            <a:spLocks noGrp="1"/>
+          </p:cNvSpPr>
+          <p:nvPr>
+            <p:ph type="title"/>
+          </p:nvPr>
+        </p:nvSpPr>
+        <p:spPr>
+          <a:xfrm>
+            <a:off x="605980" y="310143"/>
+            <a:ext cx="10515600" cy="649800"/>
+          </a:xfrm>
+          <a:prstGeom prst="rect">
+            <a:avLst/>
+          </a:prstGeom>
+          <a:noFill/>
+          <a:ln>
+            <a:noFill/>
+          </a:ln>
+        </p:spPr>
+        <p:txBody>
+          <a:bodyPr spcFirstLastPara="1" wrap="square" lIns="91425" tIns="45700" rIns="91425" bIns="45700" anchor="ctr" anchorCtr="0">
+            <a:normAutofit fontScale="90000"/>
+          </a:bodyPr>
+          <a:lstStyle/>
+          <a:p>
+            <a:pPr marL="0" lvl="0" indent="0" algn="l" rtl="0">
+              <a:lnSpc>
+                <a:spcPct val="90000"/>
+              </a:lnSpc>
+              <a:spcBef>
+                <a:spcPts val="0"/>
+              </a:spcBef>
+              <a:spcAft>
+                <a:spcPts val="0"/>
+              </a:spcAft>
+              <a:buClr>
+                <a:schemeClr val="dk1"/>
+              </a:buClr>
+              <a:buSzPts val="4400"/>
+              <a:buFont typeface="Malgun Gothic"/>
+              <a:buNone/>
+            </a:pPr>
+            <a:r>
+              <a:rPr lang="en-US" dirty="0"/>
+              <a:t>2. </a:t>
+            </a:r>
+            <a:r>
+              <a:rPr lang="ko-KR" altLang="en-US" dirty="0"/>
+              <a:t>기능 구현 소개 </a:t>
+            </a:r>
+            <a:r>
+              <a:rPr lang="en-US" altLang="ko-KR" dirty="0"/>
+              <a:t>- TestShell</a:t>
+            </a:r>
+            <a:endParaRPr dirty="0"/>
+          </a:p>
+        </p:txBody>
+      </p:sp>
+      <p:pic>
+        <p:nvPicPr>
+          <p:cNvPr id="3" name="그림 2">
+            <a:extLst>
+              <a:ext uri="{FF2B5EF4-FFF2-40B4-BE49-F238E27FC236}">
+                <a16:creationId xmlns:a16="http://schemas.microsoft.com/office/drawing/2014/main" id="{4DC65AC0-12C7-4130-879D-FD90F79ACCE6}"/>
+              </a:ext>
+            </a:extLst>
+          </p:cNvPr>
+          <p:cNvPicPr>
+            <a:picLocks noChangeAspect="1"/>
+          </p:cNvPicPr>
+          <p:nvPr/>
+        </p:nvPicPr>
+        <p:blipFill rotWithShape="1">
+          <a:blip r:embed="rId3"/>
+          <a:srcRect b="28166"/>
+          <a:stretch/>
+        </p:blipFill>
+        <p:spPr>
+          <a:xfrm>
+            <a:off x="327186" y="1708928"/>
+            <a:ext cx="6571083" cy="4740510"/>
+          </a:xfrm>
+          <a:prstGeom prst="rect">
+            <a:avLst/>
+          </a:prstGeom>
+        </p:spPr>
+      </p:pic>
+      <p:pic>
+        <p:nvPicPr>
+          <p:cNvPr id="12" name="그림 11">
+            <a:extLst>
+              <a:ext uri="{FF2B5EF4-FFF2-40B4-BE49-F238E27FC236}">
+                <a16:creationId xmlns:a16="http://schemas.microsoft.com/office/drawing/2014/main" id="{7BA6AE25-C33B-437C-B445-9EAAA595362E}"/>
+              </a:ext>
+            </a:extLst>
+          </p:cNvPr>
+          <p:cNvPicPr>
+            <a:picLocks noChangeAspect="1"/>
+          </p:cNvPicPr>
+          <p:nvPr/>
+        </p:nvPicPr>
+        <p:blipFill>
+          <a:blip r:embed="rId4"/>
+          <a:stretch>
+            <a:fillRect/>
+          </a:stretch>
+        </p:blipFill>
+        <p:spPr>
+          <a:xfrm>
+            <a:off x="6881468" y="2555930"/>
+            <a:ext cx="1149834" cy="1019356"/>
+          </a:xfrm>
+          <a:prstGeom prst="rect">
+            <a:avLst/>
+          </a:prstGeom>
+        </p:spPr>
+      </p:pic>
+      <p:sp>
+        <p:nvSpPr>
+          <p:cNvPr id="4" name="TextBox 3">
+            <a:extLst>
+              <a:ext uri="{FF2B5EF4-FFF2-40B4-BE49-F238E27FC236}">
+                <a16:creationId xmlns:a16="http://schemas.microsoft.com/office/drawing/2014/main" id="{8123ED8B-6511-47C2-8D47-2A5716605C09}"/>
+              </a:ext>
+            </a:extLst>
+          </p:cNvPr>
+          <p:cNvSpPr txBox="1"/>
+          <p:nvPr/>
+        </p:nvSpPr>
+        <p:spPr>
+          <a:xfrm>
+            <a:off x="7937033" y="2739105"/>
+            <a:ext cx="4487159" cy="461665"/>
+          </a:xfrm>
+          <a:prstGeom prst="rect">
+            <a:avLst/>
+          </a:prstGeom>
+          <a:noFill/>
+        </p:spPr>
+        <p:txBody>
+          <a:bodyPr wrap="square" rtlCol="0">
+            <a:spAutoFit/>
+          </a:bodyPr>
+          <a:lstStyle/>
+          <a:p>
+            <a:r>
+              <a:rPr lang="en-US" altLang="ko-KR" sz="2400" dirty="0"/>
+              <a:t>Shell&gt; write 0 0x45</a:t>
+            </a:r>
+            <a:endParaRPr lang="ko-KR" altLang="en-US" sz="2400" dirty="0"/>
+          </a:p>
+        </p:txBody>
+      </p:sp>
+      <p:sp>
+        <p:nvSpPr>
+          <p:cNvPr id="14" name="사각형: 둥근 모서리 13">
+            <a:extLst>
+              <a:ext uri="{FF2B5EF4-FFF2-40B4-BE49-F238E27FC236}">
+                <a16:creationId xmlns:a16="http://schemas.microsoft.com/office/drawing/2014/main" id="{84128C04-A7E9-4B86-8D87-DD47060B448B}"/>
+              </a:ext>
+            </a:extLst>
+          </p:cNvPr>
+          <p:cNvSpPr/>
+          <p:nvPr/>
+        </p:nvSpPr>
+        <p:spPr>
+          <a:xfrm>
+            <a:off x="8135733" y="1990646"/>
+            <a:ext cx="2764409" cy="565626"/>
+          </a:xfrm>
+          <a:prstGeom prst="roundRect">
+            <a:avLst/>
+          </a:prstGeom>
+        </p:spPr>
+        <p:style>
+          <a:lnRef idx="2">
+            <a:schemeClr val="accent1">
+              <a:shade val="50000"/>
+            </a:schemeClr>
+          </a:lnRef>
+          <a:fillRef idx="1">
+            <a:schemeClr val="accent1"/>
+          </a:fillRef>
+          <a:effectRef idx="0">
+            <a:schemeClr val="accent1"/>
+          </a:effectRef>
+          <a:fontRef idx="minor">
+            <a:schemeClr val="lt1"/>
+          </a:fontRef>
+        </p:style>
+        <p:txBody>
+          <a:bodyPr rtlCol="0" anchor="ctr"/>
+          <a:lstStyle/>
+          <a:p>
+            <a:pPr algn="ctr"/>
+            <a:r>
+              <a:rPr lang="en-US" altLang="ko-KR" sz="2400" dirty="0"/>
+              <a:t>Application</a:t>
+            </a:r>
+            <a:endParaRPr lang="ko-KR" altLang="en-US" sz="2400" dirty="0"/>
+          </a:p>
+        </p:txBody>
+      </p:sp>
+      <p:sp>
+        <p:nvSpPr>
+          <p:cNvPr id="6" name="직사각형 5">
+            <a:extLst>
+              <a:ext uri="{FF2B5EF4-FFF2-40B4-BE49-F238E27FC236}">
+                <a16:creationId xmlns:a16="http://schemas.microsoft.com/office/drawing/2014/main" id="{D2313F0F-BBE3-4EFA-A606-5B64BC7976F9}"/>
+              </a:ext>
+            </a:extLst>
+          </p:cNvPr>
+          <p:cNvSpPr/>
+          <p:nvPr/>
+        </p:nvSpPr>
+        <p:spPr>
+          <a:xfrm>
+            <a:off x="575594" y="2095500"/>
+            <a:ext cx="5882369" cy="921821"/>
+          </a:xfrm>
+          <a:prstGeom prst="rect">
+            <a:avLst/>
+          </a:prstGeom>
+          <a:noFill/>
+          <a:ln w="31750">
+            <a:solidFill>
+              <a:srgbClr val="FF0000"/>
+            </a:solidFill>
+            <a:prstDash val="lgDash"/>
+          </a:ln>
+        </p:spPr>
+        <p:style>
+          <a:lnRef idx="2">
+            <a:schemeClr val="accent1">
+              <a:shade val="50000"/>
+            </a:schemeClr>
+          </a:lnRef>
+          <a:fillRef idx="1">
+            <a:schemeClr val="accent1"/>
+          </a:fillRef>
+          <a:effectRef idx="0">
+            <a:schemeClr val="accent1"/>
+          </a:effectRef>
+          <a:fontRef idx="minor">
+            <a:schemeClr val="lt1"/>
+          </a:fontRef>
+        </p:style>
+        <p:txBody>
+          <a:bodyPr rtlCol="0" anchor="ctr"/>
+          <a:lstStyle/>
+          <a:p>
+            <a:pPr algn="ctr"/>
+            <a:endParaRPr lang="ko-KR" altLang="en-US"/>
+          </a:p>
+        </p:txBody>
+      </p:sp>
+      <p:sp>
+        <p:nvSpPr>
+          <p:cNvPr id="19" name="TextBox 18">
+            <a:extLst>
+              <a:ext uri="{FF2B5EF4-FFF2-40B4-BE49-F238E27FC236}">
+                <a16:creationId xmlns:a16="http://schemas.microsoft.com/office/drawing/2014/main" id="{3D5AAC9A-E930-42B8-846D-561491BD9B3B}"/>
+              </a:ext>
+            </a:extLst>
+          </p:cNvPr>
+          <p:cNvSpPr txBox="1"/>
+          <p:nvPr/>
+        </p:nvSpPr>
+        <p:spPr>
+          <a:xfrm>
+            <a:off x="202675" y="1228797"/>
+            <a:ext cx="11741085" cy="480131"/>
+          </a:xfrm>
+          <a:prstGeom prst="rect">
+            <a:avLst/>
+          </a:prstGeom>
+          <a:noFill/>
+        </p:spPr>
+        <p:txBody>
+          <a:bodyPr wrap="square">
+            <a:spAutoFit/>
+          </a:bodyPr>
+          <a:lstStyle/>
+          <a:p>
+            <a:pPr marL="635000" lvl="0" indent="-457200" algn="l" rtl="0">
+              <a:lnSpc>
+                <a:spcPct val="90000"/>
+              </a:lnSpc>
+              <a:spcBef>
+                <a:spcPts val="0"/>
+              </a:spcBef>
+              <a:spcAft>
+                <a:spcPts val="0"/>
+              </a:spcAft>
+              <a:buClr>
+                <a:schemeClr val="dk1"/>
+              </a:buClr>
+              <a:buSzPts val="2800"/>
+              <a:buFontTx/>
+              <a:buChar char="-"/>
+            </a:pPr>
+            <a:r>
+              <a:rPr lang="ko-KR" altLang="en-US" sz="2800" dirty="0">
+                <a:latin typeface="+mn-ea"/>
+                <a:ea typeface="+mn-ea"/>
+              </a:rPr>
+              <a:t>사용자로부터 입력을 받음</a:t>
+            </a:r>
+            <a:endParaRPr lang="en-US" altLang="ko-KR" sz="2800" dirty="0">
+              <a:latin typeface="+mn-ea"/>
+              <a:ea typeface="+mn-ea"/>
+            </a:endParaRPr>
+          </a:p>
+        </p:txBody>
+      </p:sp>
+    </p:spTree>
+    <p:extLst>
+      <p:ext uri="{BB962C8B-B14F-4D97-AF65-F5344CB8AC3E}">
+        <p14:creationId xmlns:p14="http://schemas.microsoft.com/office/powerpoint/2010/main" val="1806218673"/>
+      </p:ext>
+    </p:extLst>
+  </p:cSld>
+  <p:clrMapOvr>
+    <a:masterClrMapping/>
+  </p:clrMapOvr>
+</p:sld>
+</file>
+
+<file path=ppt/slides/slide9.xml><?xml version="1.0" encoding="utf-8"?>
+<p:sld xmlns:a="http://schemas.openxmlformats.org/drawingml/2006/main" xmlns:r="http://schemas.openxmlformats.org/officeDocument/2006/relationships" xmlns:p="http://schemas.openxmlformats.org/presentationml/2006/main">
+  <p:cSld>
+    <p:spTree>
+      <p:nvGrpSpPr>
+        <p:cNvPr id="1" name="Shape 58"/>
+        <p:cNvGrpSpPr/>
+        <p:nvPr/>
+      </p:nvGrpSpPr>
+      <p:grpSpPr>
+        <a:xfrm>
+          <a:off x="0" y="0"/>
+          <a:ext cx="0" cy="0"/>
+          <a:chOff x="0" y="0"/>
+          <a:chExt cx="0" cy="0"/>
+        </a:xfrm>
+      </p:grpSpPr>
+      <p:sp>
+        <p:nvSpPr>
+          <p:cNvPr id="20" name="사각형: 둥근 모서리 19">
+            <a:extLst>
+              <a:ext uri="{FF2B5EF4-FFF2-40B4-BE49-F238E27FC236}">
+                <a16:creationId xmlns:a16="http://schemas.microsoft.com/office/drawing/2014/main" id="{E974EAC3-14FC-42D1-948F-D897472D4D74}"/>
+              </a:ext>
+            </a:extLst>
+          </p:cNvPr>
+          <p:cNvSpPr/>
+          <p:nvPr/>
+        </p:nvSpPr>
+        <p:spPr>
+          <a:xfrm>
+            <a:off x="8038845" y="4068384"/>
+            <a:ext cx="3508990" cy="565626"/>
+          </a:xfrm>
+          <a:prstGeom prst="roundRect">
+            <a:avLst/>
+          </a:prstGeom>
+        </p:spPr>
+        <p:style>
+          <a:lnRef idx="2">
+            <a:schemeClr val="accent1">
+              <a:shade val="50000"/>
+            </a:schemeClr>
+          </a:lnRef>
+          <a:fillRef idx="1">
+            <a:schemeClr val="accent1"/>
+          </a:fillRef>
+          <a:effectRef idx="0">
+            <a:schemeClr val="accent1"/>
+          </a:effectRef>
+          <a:fontRef idx="minor">
+            <a:schemeClr val="lt1"/>
+          </a:fontRef>
+        </p:style>
+        <p:txBody>
+          <a:bodyPr rtlCol="0" anchor="ctr"/>
+          <a:lstStyle/>
+          <a:p>
+            <a:pPr algn="ctr"/>
+            <a:r>
+              <a:rPr lang="en-US" altLang="ko-KR" sz="2400" dirty="0" err="1"/>
+              <a:t>FlushCommandMapper</a:t>
+            </a:r>
+            <a:endParaRPr lang="ko-KR" altLang="en-US" sz="2400" dirty="0"/>
+          </a:p>
+        </p:txBody>
+      </p:sp>
+      <p:sp>
+        <p:nvSpPr>
+          <p:cNvPr id="19" name="사각형: 둥근 모서리 18">
+            <a:extLst>
+              <a:ext uri="{FF2B5EF4-FFF2-40B4-BE49-F238E27FC236}">
+                <a16:creationId xmlns:a16="http://schemas.microsoft.com/office/drawing/2014/main" id="{0CDC8687-917D-4AF8-AF63-2AC622745113}"/>
+              </a:ext>
+            </a:extLst>
+          </p:cNvPr>
+          <p:cNvSpPr/>
+          <p:nvPr/>
+        </p:nvSpPr>
+        <p:spPr>
+          <a:xfrm>
+            <a:off x="7770520" y="4386116"/>
+            <a:ext cx="3419096" cy="565626"/>
+          </a:xfrm>
+          <a:prstGeom prst="roundRect">
+            <a:avLst/>
+          </a:prstGeom>
+        </p:spPr>
+        <p:style>
+          <a:lnRef idx="2">
+            <a:schemeClr val="accent1">
+              <a:shade val="50000"/>
+            </a:schemeClr>
+          </a:lnRef>
+          <a:fillRef idx="1">
+            <a:schemeClr val="accent1"/>
+          </a:fillRef>
+          <a:effectRef idx="0">
+            <a:schemeClr val="accent1"/>
+          </a:effectRef>
+          <a:fontRef idx="minor">
+            <a:schemeClr val="lt1"/>
+          </a:fontRef>
+        </p:style>
+        <p:txBody>
+          <a:bodyPr rtlCol="0" anchor="ctr"/>
+          <a:lstStyle/>
+          <a:p>
+            <a:pPr algn="ctr"/>
+            <a:r>
+              <a:rPr lang="en-US" altLang="ko-KR" sz="2400" dirty="0"/>
+              <a:t>ReadCommandMapper</a:t>
+            </a:r>
+            <a:endParaRPr lang="ko-KR" altLang="en-US" sz="2400" dirty="0"/>
+          </a:p>
+        </p:txBody>
+      </p:sp>
+      <p:sp>
+        <p:nvSpPr>
+          <p:cNvPr id="11" name="사각형: 둥근 모서리 10">
+            <a:extLst>
+              <a:ext uri="{FF2B5EF4-FFF2-40B4-BE49-F238E27FC236}">
+                <a16:creationId xmlns:a16="http://schemas.microsoft.com/office/drawing/2014/main" id="{7CCD7760-E858-4527-A368-E8BBDA5EABBD}"/>
+              </a:ext>
+            </a:extLst>
+          </p:cNvPr>
+          <p:cNvSpPr/>
+          <p:nvPr/>
+        </p:nvSpPr>
+        <p:spPr>
+          <a:xfrm>
+            <a:off x="7300584" y="1415127"/>
+            <a:ext cx="4530055" cy="5132730"/>
+          </a:xfrm>
+          <a:prstGeom prst="roundRect">
+            <a:avLst/>
+          </a:prstGeom>
+          <a:noFill/>
+        </p:spPr>
+        <p:style>
+          <a:lnRef idx="2">
+            <a:schemeClr val="accent1">
+              <a:shade val="50000"/>
+            </a:schemeClr>
+          </a:lnRef>
+          <a:fillRef idx="1">
+            <a:schemeClr val="accent1"/>
+          </a:fillRef>
+          <a:effectRef idx="0">
+            <a:schemeClr val="accent1"/>
+          </a:effectRef>
+          <a:fontRef idx="minor">
+            <a:schemeClr val="lt1"/>
+          </a:fontRef>
+        </p:style>
+        <p:txBody>
+          <a:bodyPr rtlCol="0" anchor="ctr"/>
+          <a:lstStyle/>
+          <a:p>
+            <a:pPr algn="ctr"/>
+            <a:endParaRPr lang="ko-KR" altLang="en-US" sz="2400" dirty="0"/>
+          </a:p>
+        </p:txBody>
+      </p:sp>
+      <p:pic>
+        <p:nvPicPr>
+          <p:cNvPr id="3" name="그림 2">
+            <a:extLst>
+              <a:ext uri="{FF2B5EF4-FFF2-40B4-BE49-F238E27FC236}">
+                <a16:creationId xmlns:a16="http://schemas.microsoft.com/office/drawing/2014/main" id="{4DC65AC0-12C7-4130-879D-FD90F79ACCE6}"/>
+              </a:ext>
+            </a:extLst>
+          </p:cNvPr>
+          <p:cNvPicPr>
+            <a:picLocks noChangeAspect="1"/>
+          </p:cNvPicPr>
+          <p:nvPr/>
+        </p:nvPicPr>
+        <p:blipFill rotWithShape="1">
+          <a:blip r:embed="rId3"/>
+          <a:srcRect b="28166"/>
+          <a:stretch/>
+        </p:blipFill>
+        <p:spPr>
+          <a:xfrm>
+            <a:off x="464577" y="1143198"/>
+            <a:ext cx="6317002" cy="4557211"/>
+          </a:xfrm>
+          <a:prstGeom prst="rect">
+            <a:avLst/>
+          </a:prstGeom>
+        </p:spPr>
+      </p:pic>
+      <p:sp>
+        <p:nvSpPr>
+          <p:cNvPr id="59" name="Google Shape;59;p3"/>
+          <p:cNvSpPr txBox="1">
+            <a:spLocks noGrp="1"/>
+          </p:cNvSpPr>
+          <p:nvPr>
+            <p:ph type="title"/>
+          </p:nvPr>
+        </p:nvSpPr>
+        <p:spPr>
+          <a:xfrm>
+            <a:off x="605980" y="310143"/>
+            <a:ext cx="10515600" cy="649800"/>
+          </a:xfrm>
+          <a:prstGeom prst="rect">
+            <a:avLst/>
+          </a:prstGeom>
+          <a:noFill/>
+          <a:ln>
+            <a:noFill/>
+          </a:ln>
+        </p:spPr>
+        <p:txBody>
+          <a:bodyPr spcFirstLastPara="1" wrap="square" lIns="91425" tIns="45700" rIns="91425" bIns="45700" anchor="ctr" anchorCtr="0">
+            <a:normAutofit fontScale="90000"/>
+          </a:bodyPr>
+          <a:lstStyle/>
+          <a:p>
+            <a:pPr marL="0" lvl="0" indent="0" algn="l" rtl="0">
+              <a:lnSpc>
+                <a:spcPct val="90000"/>
+              </a:lnSpc>
+              <a:spcBef>
+                <a:spcPts val="0"/>
+              </a:spcBef>
+              <a:spcAft>
+                <a:spcPts val="0"/>
+              </a:spcAft>
+              <a:buClr>
+                <a:schemeClr val="dk1"/>
+              </a:buClr>
+              <a:buSzPts val="4400"/>
+              <a:buFont typeface="Malgun Gothic"/>
+              <a:buNone/>
+            </a:pPr>
+            <a:r>
+              <a:rPr lang="en-US" dirty="0"/>
+              <a:t>2. </a:t>
+            </a:r>
+            <a:r>
+              <a:rPr lang="ko-KR" altLang="en-US" dirty="0"/>
+              <a:t>기능 구현 소개 </a:t>
+            </a:r>
+            <a:r>
+              <a:rPr lang="en-US" altLang="ko-KR" dirty="0"/>
+              <a:t>- TestShell</a:t>
+            </a:r>
+            <a:endParaRPr dirty="0"/>
+          </a:p>
+        </p:txBody>
+      </p:sp>
+      <p:sp>
+        <p:nvSpPr>
+          <p:cNvPr id="14" name="사각형: 둥근 모서리 13">
+            <a:extLst>
+              <a:ext uri="{FF2B5EF4-FFF2-40B4-BE49-F238E27FC236}">
+                <a16:creationId xmlns:a16="http://schemas.microsoft.com/office/drawing/2014/main" id="{84128C04-A7E9-4B86-8D87-DD47060B448B}"/>
+              </a:ext>
+            </a:extLst>
+          </p:cNvPr>
+          <p:cNvSpPr/>
+          <p:nvPr/>
+        </p:nvSpPr>
+        <p:spPr>
+          <a:xfrm>
+            <a:off x="8120717" y="1143198"/>
+            <a:ext cx="2764409" cy="565626"/>
+          </a:xfrm>
+          <a:prstGeom prst="roundRect">
+            <a:avLst/>
+          </a:prstGeom>
+        </p:spPr>
+        <p:style>
+          <a:lnRef idx="2">
+            <a:schemeClr val="accent1">
+              <a:shade val="50000"/>
+            </a:schemeClr>
+          </a:lnRef>
+          <a:fillRef idx="1">
+            <a:schemeClr val="accent1"/>
+          </a:fillRef>
+          <a:effectRef idx="0">
+            <a:schemeClr val="accent1"/>
+          </a:effectRef>
+          <a:fontRef idx="minor">
+            <a:schemeClr val="lt1"/>
+          </a:fontRef>
+        </p:style>
+        <p:txBody>
+          <a:bodyPr rtlCol="0" anchor="ctr"/>
+          <a:lstStyle/>
+          <a:p>
+            <a:pPr algn="ctr"/>
+            <a:r>
+              <a:rPr lang="en-US" altLang="ko-KR" sz="2400" dirty="0"/>
+              <a:t>Application</a:t>
+            </a:r>
+            <a:endParaRPr lang="ko-KR" altLang="en-US" sz="2400" dirty="0"/>
+          </a:p>
+        </p:txBody>
+      </p:sp>
+      <p:sp>
+        <p:nvSpPr>
+          <p:cNvPr id="6" name="직사각형 5">
+            <a:extLst>
+              <a:ext uri="{FF2B5EF4-FFF2-40B4-BE49-F238E27FC236}">
+                <a16:creationId xmlns:a16="http://schemas.microsoft.com/office/drawing/2014/main" id="{D2313F0F-BBE3-4EFA-A606-5B64BC7976F9}"/>
+              </a:ext>
+            </a:extLst>
+          </p:cNvPr>
+          <p:cNvSpPr/>
+          <p:nvPr/>
+        </p:nvSpPr>
+        <p:spPr>
+          <a:xfrm>
+            <a:off x="778972" y="2430659"/>
+            <a:ext cx="5882369" cy="921821"/>
+          </a:xfrm>
+          <a:prstGeom prst="rect">
+            <a:avLst/>
+          </a:prstGeom>
+          <a:noFill/>
+          <a:ln w="31750">
+            <a:solidFill>
+              <a:srgbClr val="FF0000"/>
+            </a:solidFill>
+            <a:prstDash val="lgDash"/>
+          </a:ln>
+        </p:spPr>
+        <p:style>
+          <a:lnRef idx="2">
+            <a:schemeClr val="accent1">
+              <a:shade val="50000"/>
+            </a:schemeClr>
+          </a:lnRef>
+          <a:fillRef idx="1">
+            <a:schemeClr val="accent1"/>
+          </a:fillRef>
+          <a:effectRef idx="0">
+            <a:schemeClr val="accent1"/>
+          </a:effectRef>
+          <a:fontRef idx="minor">
+            <a:schemeClr val="lt1"/>
+          </a:fontRef>
+        </p:style>
+        <p:txBody>
+          <a:bodyPr rtlCol="0" anchor="ctr"/>
+          <a:lstStyle/>
+          <a:p>
+            <a:pPr algn="ctr"/>
+            <a:endParaRPr lang="ko-KR" altLang="en-US"/>
+          </a:p>
+        </p:txBody>
+      </p:sp>
+      <p:pic>
+        <p:nvPicPr>
+          <p:cNvPr id="8" name="그림 7">
+            <a:extLst>
+              <a:ext uri="{FF2B5EF4-FFF2-40B4-BE49-F238E27FC236}">
+                <a16:creationId xmlns:a16="http://schemas.microsoft.com/office/drawing/2014/main" id="{572B42B2-11F4-468E-B386-51C8B8AE40C9}"/>
+              </a:ext>
+            </a:extLst>
+          </p:cNvPr>
+          <p:cNvPicPr>
+            <a:picLocks noChangeAspect="1"/>
+          </p:cNvPicPr>
+          <p:nvPr/>
+        </p:nvPicPr>
+        <p:blipFill>
+          <a:blip r:embed="rId4"/>
+          <a:stretch>
+            <a:fillRect/>
+          </a:stretch>
+        </p:blipFill>
+        <p:spPr>
+          <a:xfrm>
+            <a:off x="1185193" y="3575828"/>
+            <a:ext cx="5196753" cy="3168391"/>
+          </a:xfrm>
+          <a:prstGeom prst="rect">
+            <a:avLst/>
+          </a:prstGeom>
+        </p:spPr>
+      </p:pic>
+      <p:sp>
+        <p:nvSpPr>
+          <p:cNvPr id="10" name="직사각형 9">
+            <a:extLst>
+              <a:ext uri="{FF2B5EF4-FFF2-40B4-BE49-F238E27FC236}">
+                <a16:creationId xmlns:a16="http://schemas.microsoft.com/office/drawing/2014/main" id="{442CE9B2-8D75-4C09-86F4-3F3D644631D9}"/>
+              </a:ext>
+            </a:extLst>
+          </p:cNvPr>
+          <p:cNvSpPr/>
+          <p:nvPr/>
+        </p:nvSpPr>
+        <p:spPr>
+          <a:xfrm>
+            <a:off x="1185193" y="3604623"/>
+            <a:ext cx="5196753" cy="3107262"/>
+          </a:xfrm>
+          <a:prstGeom prst="rect">
+            <a:avLst/>
+          </a:prstGeom>
+          <a:noFill/>
+          <a:ln w="31750">
+            <a:solidFill>
+              <a:srgbClr val="FF0000"/>
+            </a:solidFill>
+            <a:prstDash val="lgDash"/>
+          </a:ln>
+        </p:spPr>
+        <p:style>
+          <a:lnRef idx="2">
+            <a:schemeClr val="accent1">
+              <a:shade val="50000"/>
+            </a:schemeClr>
+          </a:lnRef>
+          <a:fillRef idx="1">
+            <a:schemeClr val="accent1"/>
+          </a:fillRef>
+          <a:effectRef idx="0">
+            <a:schemeClr val="accent1"/>
+          </a:effectRef>
+          <a:fontRef idx="minor">
+            <a:schemeClr val="lt1"/>
+          </a:fontRef>
+        </p:style>
+        <p:txBody>
+          <a:bodyPr rtlCol="0" anchor="ctr"/>
+          <a:lstStyle/>
+          <a:p>
+            <a:pPr algn="ctr"/>
+            <a:endParaRPr lang="ko-KR" altLang="en-US"/>
+          </a:p>
+        </p:txBody>
+      </p:sp>
+      <p:sp>
+        <p:nvSpPr>
+          <p:cNvPr id="17" name="TextBox 16">
+            <a:extLst>
+              <a:ext uri="{FF2B5EF4-FFF2-40B4-BE49-F238E27FC236}">
+                <a16:creationId xmlns:a16="http://schemas.microsoft.com/office/drawing/2014/main" id="{33CAF8A5-B638-4069-AACB-B5ADAAED51D0}"/>
+              </a:ext>
+            </a:extLst>
+          </p:cNvPr>
+          <p:cNvSpPr txBox="1"/>
+          <p:nvPr/>
+        </p:nvSpPr>
+        <p:spPr>
+          <a:xfrm>
+            <a:off x="7902045" y="1963686"/>
+            <a:ext cx="2983081" cy="461665"/>
+          </a:xfrm>
+          <a:prstGeom prst="rect">
+            <a:avLst/>
+          </a:prstGeom>
+          <a:noFill/>
+        </p:spPr>
+        <p:txBody>
+          <a:bodyPr wrap="square" rtlCol="0">
+            <a:spAutoFit/>
+          </a:bodyPr>
+          <a:lstStyle/>
+          <a:p>
+            <a:pPr algn="ctr"/>
+            <a:r>
+              <a:rPr lang="en-US" altLang="ko-KR" sz="2400" dirty="0"/>
+              <a:t>write 0 0x45</a:t>
+            </a:r>
+            <a:endParaRPr lang="ko-KR" altLang="en-US" sz="2400" dirty="0"/>
+          </a:p>
+        </p:txBody>
+      </p:sp>
+      <p:sp>
+        <p:nvSpPr>
+          <p:cNvPr id="18" name="사각형: 둥근 모서리 17">
+            <a:extLst>
+              <a:ext uri="{FF2B5EF4-FFF2-40B4-BE49-F238E27FC236}">
+                <a16:creationId xmlns:a16="http://schemas.microsoft.com/office/drawing/2014/main" id="{0F3CBEC1-BAFE-4822-A9C1-86CD7955C7A9}"/>
+              </a:ext>
+            </a:extLst>
+          </p:cNvPr>
+          <p:cNvSpPr/>
+          <p:nvPr/>
+        </p:nvSpPr>
+        <p:spPr>
+          <a:xfrm>
+            <a:off x="7502195" y="4703848"/>
+            <a:ext cx="3419096" cy="565626"/>
+          </a:xfrm>
+          <a:prstGeom prst="roundRect">
+            <a:avLst/>
+          </a:prstGeom>
+        </p:spPr>
+        <p:style>
+          <a:lnRef idx="2">
+            <a:schemeClr val="accent1">
+              <a:shade val="50000"/>
+            </a:schemeClr>
+          </a:lnRef>
+          <a:fillRef idx="1">
+            <a:schemeClr val="accent1"/>
+          </a:fillRef>
+          <a:effectRef idx="0">
+            <a:schemeClr val="accent1"/>
+          </a:effectRef>
+          <a:fontRef idx="minor">
+            <a:schemeClr val="lt1"/>
+          </a:fontRef>
+        </p:style>
+        <p:txBody>
+          <a:bodyPr rtlCol="0" anchor="ctr"/>
+          <a:lstStyle/>
+          <a:p>
+            <a:pPr algn="ctr"/>
+            <a:r>
+              <a:rPr lang="en-US" altLang="ko-KR" sz="2400" dirty="0"/>
+              <a:t>WriteCommandMapper</a:t>
+            </a:r>
+            <a:endParaRPr lang="ko-KR" altLang="en-US" sz="2400" dirty="0"/>
+          </a:p>
+        </p:txBody>
+      </p:sp>
+      <p:sp>
+        <p:nvSpPr>
+          <p:cNvPr id="16" name="TextBox 15">
+            <a:extLst>
+              <a:ext uri="{FF2B5EF4-FFF2-40B4-BE49-F238E27FC236}">
+                <a16:creationId xmlns:a16="http://schemas.microsoft.com/office/drawing/2014/main" id="{A074717E-6259-4DA9-AB8F-8C084F305D71}"/>
+              </a:ext>
+            </a:extLst>
+          </p:cNvPr>
+          <p:cNvSpPr txBox="1"/>
+          <p:nvPr/>
+        </p:nvSpPr>
+        <p:spPr>
+          <a:xfrm>
+            <a:off x="9332536" y="3685364"/>
+            <a:ext cx="716437" cy="307777"/>
+          </a:xfrm>
+          <a:prstGeom prst="rect">
+            <a:avLst/>
+          </a:prstGeom>
+          <a:noFill/>
+        </p:spPr>
+        <p:txBody>
+          <a:bodyPr wrap="square" rtlCol="0">
+            <a:spAutoFit/>
+          </a:bodyPr>
+          <a:lstStyle/>
+          <a:p>
+            <a:pPr algn="ctr"/>
+            <a:r>
+              <a:rPr lang="en-US" altLang="ko-KR" dirty="0"/>
+              <a:t>…</a:t>
+            </a:r>
+            <a:endParaRPr lang="ko-KR" altLang="en-US" dirty="0"/>
+          </a:p>
+        </p:txBody>
+      </p:sp>
+      <p:sp>
+        <p:nvSpPr>
+          <p:cNvPr id="21" name="화살표: 오른쪽으로 구부러짐 20">
+            <a:extLst>
+              <a:ext uri="{FF2B5EF4-FFF2-40B4-BE49-F238E27FC236}">
+                <a16:creationId xmlns:a16="http://schemas.microsoft.com/office/drawing/2014/main" id="{46EE8944-1630-47DB-9BF2-1F523068010B}"/>
+              </a:ext>
+            </a:extLst>
+          </p:cNvPr>
+          <p:cNvSpPr/>
+          <p:nvPr/>
+        </p:nvSpPr>
+        <p:spPr>
+          <a:xfrm rot="20393484">
+            <a:off x="236763" y="3484661"/>
+            <a:ext cx="738433" cy="1342743"/>
+          </a:xfrm>
+          <a:prstGeom prst="curvedRightArrow">
+            <a:avLst/>
+          </a:prstGeom>
+          <a:solidFill>
+            <a:srgbClr val="FF0000"/>
+          </a:solidFill>
+        </p:spPr>
+        <p:style>
+          <a:lnRef idx="2">
+            <a:schemeClr val="accent1">
+              <a:shade val="50000"/>
+            </a:schemeClr>
+          </a:lnRef>
+          <a:fillRef idx="1">
+            <a:schemeClr val="accent1"/>
+          </a:fillRef>
+          <a:effectRef idx="0">
+            <a:schemeClr val="accent1"/>
+          </a:effectRef>
+          <a:fontRef idx="minor">
+            <a:schemeClr val="lt1"/>
+          </a:fontRef>
+        </p:style>
+        <p:txBody>
+          <a:bodyPr rtlCol="0" anchor="ctr"/>
+          <a:lstStyle/>
+          <a:p>
+            <a:pPr algn="ctr"/>
+            <a:endParaRPr lang="ko-KR" altLang="en-US">
+              <a:solidFill>
+                <a:schemeClr val="tx1"/>
+              </a:solidFill>
+            </a:endParaRPr>
+          </a:p>
+        </p:txBody>
+      </p:sp>
+      <p:sp>
+        <p:nvSpPr>
+          <p:cNvPr id="22" name="화살표: 아래쪽 21">
+            <a:extLst>
+              <a:ext uri="{FF2B5EF4-FFF2-40B4-BE49-F238E27FC236}">
+                <a16:creationId xmlns:a16="http://schemas.microsoft.com/office/drawing/2014/main" id="{9A1B7D88-B706-4E27-A044-5DF95C065721}"/>
+              </a:ext>
+            </a:extLst>
+          </p:cNvPr>
+          <p:cNvSpPr/>
+          <p:nvPr/>
+        </p:nvSpPr>
+        <p:spPr>
+          <a:xfrm>
+            <a:off x="9419495" y="2581949"/>
+            <a:ext cx="308165" cy="559029"/>
+          </a:xfrm>
+          <a:prstGeom prst="downArrow">
+            <a:avLst/>
+          </a:prstGeom>
+        </p:spPr>
+        <p:style>
+          <a:lnRef idx="2">
+            <a:schemeClr val="accent1">
+              <a:shade val="50000"/>
+            </a:schemeClr>
+          </a:lnRef>
+          <a:fillRef idx="1">
+            <a:schemeClr val="accent1"/>
+          </a:fillRef>
+          <a:effectRef idx="0">
+            <a:schemeClr val="accent1"/>
+          </a:effectRef>
+          <a:fontRef idx="minor">
+            <a:schemeClr val="lt1"/>
+          </a:fontRef>
+        </p:style>
+        <p:txBody>
+          <a:bodyPr rtlCol="0" anchor="ctr"/>
+          <a:lstStyle/>
+          <a:p>
+            <a:pPr algn="ctr"/>
+            <a:endParaRPr lang="ko-KR" altLang="en-US"/>
+          </a:p>
+        </p:txBody>
+      </p:sp>
+      <p:sp>
+        <p:nvSpPr>
+          <p:cNvPr id="23" name="TextBox 22">
+            <a:extLst>
+              <a:ext uri="{FF2B5EF4-FFF2-40B4-BE49-F238E27FC236}">
+                <a16:creationId xmlns:a16="http://schemas.microsoft.com/office/drawing/2014/main" id="{F502AEF5-95AE-4B3F-932B-8AF5817A98EC}"/>
+              </a:ext>
+            </a:extLst>
+          </p:cNvPr>
+          <p:cNvSpPr txBox="1"/>
+          <p:nvPr/>
+        </p:nvSpPr>
+        <p:spPr>
+          <a:xfrm>
+            <a:off x="7502195" y="5500538"/>
+            <a:ext cx="4328443" cy="707886"/>
+          </a:xfrm>
+          <a:prstGeom prst="rect">
+            <a:avLst/>
+          </a:prstGeom>
+          <a:noFill/>
+        </p:spPr>
+        <p:txBody>
+          <a:bodyPr wrap="square" rtlCol="0">
+            <a:spAutoFit/>
+          </a:bodyPr>
+          <a:lstStyle/>
+          <a:p>
+            <a:r>
+              <a:rPr lang="en-US" altLang="ko-KR" sz="2000" dirty="0"/>
+              <a:t>Bool IsSupport(vector&lt;string&gt;&amp; userInput)</a:t>
+            </a:r>
+            <a:endParaRPr lang="ko-KR" altLang="en-US" sz="2000" dirty="0"/>
+          </a:p>
+        </p:txBody>
+      </p:sp>
+    </p:spTree>
+    <p:extLst>
+      <p:ext uri="{BB962C8B-B14F-4D97-AF65-F5344CB8AC3E}">
+        <p14:creationId xmlns:p14="http://schemas.microsoft.com/office/powerpoint/2010/main" val="3352208982"/>
       </p:ext>
     </p:extLst>
   </p:cSld>
